--- a/3/Ex3-Monaco-SLIDES.pptx
+++ b/3/Ex3-Monaco-SLIDES.pptx
@@ -5,17 +5,16 @@
     <p:sldMasterId id="2147483648" r:id="rId4"/>
   </p:sldMasterIdLst>
   <p:notesMasterIdLst>
-    <p:notesMasterId r:id="rId10"/>
+    <p:notesMasterId r:id="rId9"/>
   </p:notesMasterIdLst>
   <p:handoutMasterIdLst>
-    <p:handoutMasterId r:id="rId11"/>
+    <p:handoutMasterId r:id="rId10"/>
   </p:handoutMasterIdLst>
   <p:sldIdLst>
     <p:sldId id="357" r:id="rId5"/>
     <p:sldId id="358" r:id="rId6"/>
     <p:sldId id="359" r:id="rId7"/>
-    <p:sldId id="360" r:id="rId8"/>
-    <p:sldId id="356" r:id="rId9"/>
+    <p:sldId id="356" r:id="rId8"/>
   </p:sldIdLst>
   <p:sldSz cx="9144000" cy="6858000" type="screen4x3"/>
   <p:notesSz cx="6858000" cy="9144000"/>
@@ -281,7 +280,7 @@
               <a:pPr>
                 <a:defRPr/>
               </a:pPr>
-              <a:t>09/11/2021</a:t>
+              <a:t>12/11/2021</a:t>
             </a:fld>
             <a:endParaRPr lang="it-IT"/>
           </a:p>
@@ -1121,119 +1120,6 @@
     <p:extLst>
       <p:ext uri="{BB962C8B-B14F-4D97-AF65-F5344CB8AC3E}">
         <p14:creationId xmlns:p14="http://schemas.microsoft.com/office/powerpoint/2010/main" val="1711727736"/>
-      </p:ext>
-    </p:extLst>
-  </p:cSld>
-  <p:clrMapOvr>
-    <a:masterClrMapping/>
-  </p:clrMapOvr>
-</p:notes>
-</file>
-
-<file path=ppt/notesSlides/notesSlide3.xml><?xml version="1.0" encoding="utf-8"?>
-<p:notes xmlns:a="http://schemas.openxmlformats.org/drawingml/2006/main" xmlns:r="http://schemas.openxmlformats.org/officeDocument/2006/relationships" xmlns:p="http://schemas.openxmlformats.org/presentationml/2006/main">
-  <p:cSld>
-    <p:spTree>
-      <p:nvGrpSpPr>
-        <p:cNvPr id="1" name=""/>
-        <p:cNvGrpSpPr/>
-        <p:nvPr/>
-      </p:nvGrpSpPr>
-      <p:grpSpPr>
-        <a:xfrm>
-          <a:off x="0" y="0"/>
-          <a:ext cx="0" cy="0"/>
-          <a:chOff x="0" y="0"/>
-          <a:chExt cx="0" cy="0"/>
-        </a:xfrm>
-      </p:grpSpPr>
-      <p:sp>
-        <p:nvSpPr>
-          <p:cNvPr id="2" name="Segnaposto immagine diapositiva 1"/>
-          <p:cNvSpPr>
-            <a:spLocks noGrp="1" noRot="1" noChangeAspect="1"/>
-          </p:cNvSpPr>
-          <p:nvPr>
-            <p:ph type="sldImg"/>
-          </p:nvPr>
-        </p:nvSpPr>
-        <p:spPr/>
-      </p:sp>
-      <p:sp>
-        <p:nvSpPr>
-          <p:cNvPr id="3" name="Segnaposto note 2"/>
-          <p:cNvSpPr>
-            <a:spLocks noGrp="1"/>
-          </p:cNvSpPr>
-          <p:nvPr>
-            <p:ph type="body" idx="1"/>
-          </p:nvPr>
-        </p:nvSpPr>
-        <p:spPr/>
-        <p:txBody>
-          <a:bodyPr/>
-          <a:lstStyle/>
-          <a:p>
-            <a:r>
-              <a:rPr lang="it-IT" dirty="0" err="1"/>
-              <a:t>Present</a:t>
-            </a:r>
-            <a:r>
-              <a:rPr lang="it-IT" dirty="0"/>
-              <a:t> data and </a:t>
-            </a:r>
-            <a:r>
-              <a:rPr lang="it-IT" dirty="0" err="1"/>
-              <a:t>explain</a:t>
-            </a:r>
-            <a:r>
-              <a:rPr lang="it-IT" dirty="0"/>
-              <a:t> </a:t>
-            </a:r>
-            <a:r>
-              <a:rPr lang="it-IT" dirty="0" err="1"/>
-              <a:t>your</a:t>
-            </a:r>
-            <a:r>
-              <a:rPr lang="it-IT" dirty="0"/>
-              <a:t> </a:t>
-            </a:r>
-            <a:r>
-              <a:rPr lang="it-IT"/>
-              <a:t>results</a:t>
-            </a:r>
-            <a:endParaRPr lang="en-US"/>
-          </a:p>
-        </p:txBody>
-      </p:sp>
-      <p:sp>
-        <p:nvSpPr>
-          <p:cNvPr id="4" name="Segnaposto numero diapositiva 3"/>
-          <p:cNvSpPr>
-            <a:spLocks noGrp="1"/>
-          </p:cNvSpPr>
-          <p:nvPr>
-            <p:ph type="sldNum" sz="quarter" idx="5"/>
-          </p:nvPr>
-        </p:nvSpPr>
-        <p:spPr/>
-        <p:txBody>
-          <a:bodyPr/>
-          <a:lstStyle/>
-          <a:p>
-            <a:fld id="{E089B42F-5DF8-46B2-B64F-0F197D49EE0B}" type="slidenum">
-              <a:rPr lang="it-IT" altLang="it-IT" smtClean="0"/>
-              <a:pPr/>
-              <a:t>4</a:t>
-            </a:fld>
-            <a:endParaRPr lang="it-IT" altLang="it-IT"/>
-          </a:p>
-        </p:txBody>
-      </p:sp>
-    </p:spTree>
-    <p:extLst>
-      <p:ext uri="{BB962C8B-B14F-4D97-AF65-F5344CB8AC3E}">
-        <p14:creationId xmlns:p14="http://schemas.microsoft.com/office/powerpoint/2010/main" val="2302913791"/>
       </p:ext>
     </p:extLst>
   </p:cSld>
@@ -3716,8 +3602,21 @@
                   </a:outerShdw>
                 </a:effectLst>
               </a:rPr>
-              <a:t>Date</a:t>
+              <a:t>21/11/2021</a:t>
             </a:r>
+            <a:endParaRPr lang="it-IT" sz="3600" b="0" cap="none" spc="0" dirty="0">
+              <a:ln w="0"/>
+              <a:solidFill>
+                <a:schemeClr val="tx1"/>
+              </a:solidFill>
+              <a:effectLst>
+                <a:outerShdw blurRad="38100" dist="19050" dir="2700000" algn="tl" rotWithShape="0">
+                  <a:schemeClr val="dk1">
+                    <a:alpha val="40000"/>
+                  </a:schemeClr>
+                </a:outerShdw>
+              </a:effectLst>
+            </a:endParaRPr>
           </a:p>
           <a:p>
             <a:pPr algn="ctr"/>
@@ -3751,7 +3650,7 @@
                   </a:outerShdw>
                 </a:effectLst>
               </a:rPr>
-              <a:t> #</a:t>
+              <a:t> 3</a:t>
             </a:r>
           </a:p>
         </p:txBody>
@@ -4394,8 +4293,8 @@
         </p:nvSpPr>
         <p:spPr>
           <a:xfrm>
-            <a:off x="-96871" y="997020"/>
-            <a:ext cx="1957588" cy="677108"/>
+            <a:off x="-96633" y="1002562"/>
+            <a:ext cx="9292930" cy="677108"/>
           </a:xfrm>
           <a:prstGeom prst="rect">
             <a:avLst/>
@@ -4441,7 +4340,71 @@
                   </a:outerShdw>
                 </a:effectLst>
               </a:rPr>
-              <a:t>Theory</a:t>
+              <a:t>Scaling of the </a:t>
+            </a:r>
+            <a:r>
+              <a:rPr lang="it-IT" sz="3800" b="0" cap="none" spc="0" dirty="0" err="1">
+                <a:ln w="0"/>
+                <a:solidFill>
+                  <a:schemeClr val="bg1"/>
+                </a:solidFill>
+                <a:effectLst>
+                  <a:outerShdw blurRad="38100" dist="19050" dir="2700000" algn="tl" rotWithShape="0">
+                    <a:schemeClr val="dk1">
+                      <a:alpha val="40000"/>
+                    </a:schemeClr>
+                  </a:outerShdw>
+                </a:effectLst>
+              </a:rPr>
+              <a:t>matrix</a:t>
+            </a:r>
+            <a:r>
+              <a:rPr lang="it-IT" sz="3800" b="0" dirty="0" err="1">
+                <a:ln w="0"/>
+                <a:solidFill>
+                  <a:schemeClr val="bg1"/>
+                </a:solidFill>
+                <a:effectLst>
+                  <a:outerShdw blurRad="38100" dist="19050" dir="2700000" algn="tl" rotWithShape="0">
+                    <a:schemeClr val="dk1">
+                      <a:alpha val="40000"/>
+                    </a:schemeClr>
+                  </a:outerShdw>
+                </a:effectLst>
+              </a:rPr>
+              <a:t>-matrix</a:t>
+            </a:r>
+            <a:r>
+              <a:rPr lang="it-IT" sz="3800" b="0" dirty="0">
+                <a:ln w="0"/>
+                <a:solidFill>
+                  <a:schemeClr val="bg1"/>
+                </a:solidFill>
+                <a:effectLst>
+                  <a:outerShdw blurRad="38100" dist="19050" dir="2700000" algn="tl" rotWithShape="0">
+                    <a:schemeClr val="dk1">
+                      <a:alpha val="40000"/>
+                    </a:schemeClr>
+                  </a:outerShdw>
+                </a:effectLst>
+              </a:rPr>
+              <a:t> </a:t>
+            </a:r>
+            <a:r>
+              <a:rPr lang="it-IT" sz="3800" b="0" dirty="0" err="1">
+                <a:ln w="0"/>
+                <a:solidFill>
+                  <a:schemeClr val="bg1"/>
+                </a:solidFill>
+                <a:effectLst>
+                  <a:outerShdw blurRad="38100" dist="19050" dir="2700000" algn="tl" rotWithShape="0">
+                    <a:schemeClr val="dk1">
+                      <a:alpha val="40000"/>
+                    </a:schemeClr>
+                  </a:outerShdw>
+                </a:effectLst>
+              </a:rPr>
+              <a:t>multiplication</a:t>
             </a:r>
             <a:r>
               <a:rPr lang="it-IT" sz="3600" b="0" cap="none" spc="0" dirty="0">
@@ -5064,8 +5027,8 @@
         </p:nvSpPr>
         <p:spPr>
           <a:xfrm>
-            <a:off x="-95206" y="997217"/>
-            <a:ext cx="4612160" cy="677108"/>
+            <a:off x="-99873" y="1008301"/>
+            <a:ext cx="4987263" cy="677108"/>
           </a:xfrm>
           <a:prstGeom prst="rect">
             <a:avLst/>
@@ -5085,7 +5048,7 @@
               <a:rPr lang="it-IT" sz="3600" b="0" cap="none" spc="0" dirty="0">
                 <a:ln w="0"/>
                 <a:solidFill>
-                  <a:schemeClr val="tx1"/>
+                  <a:schemeClr val="bg1"/>
                 </a:solidFill>
                 <a:effectLst>
                   <a:outerShdw blurRad="38100" dist="19050" dir="2700000" algn="tl" rotWithShape="0">
@@ -5095,10 +5058,10 @@
                   </a:outerShdw>
                 </a:effectLst>
               </a:rPr>
-              <a:t> </a:t>
+              <a:t> Random </a:t>
             </a:r>
             <a:r>
-              <a:rPr lang="it-IT" sz="3800" b="0" cap="none" spc="0" dirty="0">
+              <a:rPr lang="it-IT" sz="3600" b="0" cap="none" spc="0" dirty="0" err="1">
                 <a:ln w="0"/>
                 <a:solidFill>
                   <a:schemeClr val="bg1"/>
@@ -5111,7 +5074,7 @@
                   </a:outerShdw>
                 </a:effectLst>
               </a:rPr>
-              <a:t>Code Development</a:t>
+              <a:t>matrix</a:t>
             </a:r>
             <a:r>
               <a:rPr lang="it-IT" sz="3600" b="0" cap="none" spc="0" dirty="0">
@@ -5127,664 +5090,10 @@
                   </a:outerShdw>
                 </a:effectLst>
               </a:rPr>
-              <a:t> </a:t>
-            </a:r>
-          </a:p>
-        </p:txBody>
-      </p:sp>
-    </p:spTree>
-    <p:extLst>
-      <p:ext uri="{BB962C8B-B14F-4D97-AF65-F5344CB8AC3E}">
-        <p14:creationId xmlns:p14="http://schemas.microsoft.com/office/powerpoint/2010/main" val="1104752578"/>
-      </p:ext>
-    </p:extLst>
-  </p:cSld>
-  <p:clrMapOvr>
-    <a:masterClrMapping/>
-  </p:clrMapOvr>
-</p:sld>
-</file>
-
-<file path=ppt/slides/slide4.xml><?xml version="1.0" encoding="utf-8"?>
-<p:sld xmlns:a="http://schemas.openxmlformats.org/drawingml/2006/main" xmlns:r="http://schemas.openxmlformats.org/officeDocument/2006/relationships" xmlns:p="http://schemas.openxmlformats.org/presentationml/2006/main">
-  <p:cSld>
-    <p:spTree>
-      <p:nvGrpSpPr>
-        <p:cNvPr id="1" name=""/>
-        <p:cNvGrpSpPr/>
-        <p:nvPr/>
-      </p:nvGrpSpPr>
-      <p:grpSpPr>
-        <a:xfrm>
-          <a:off x="0" y="0"/>
-          <a:ext cx="0" cy="0"/>
-          <a:chOff x="0" y="0"/>
-          <a:chExt cx="0" cy="0"/>
-        </a:xfrm>
-      </p:grpSpPr>
-      <p:sp>
-        <p:nvSpPr>
-          <p:cNvPr id="8194" name="CasellaDiTesto 10">
-            <a:extLst>
-              <a:ext uri="{FF2B5EF4-FFF2-40B4-BE49-F238E27FC236}">
-                <a16:creationId xmlns:a16="http://schemas.microsoft.com/office/drawing/2014/main" id="{ED32AF09-CF86-4D49-85E2-CC111B5F3D38}"/>
-              </a:ext>
-            </a:extLst>
-          </p:cNvPr>
-          <p:cNvSpPr txBox="1">
-            <a:spLocks noChangeArrowheads="1"/>
-          </p:cNvSpPr>
-          <p:nvPr/>
-        </p:nvSpPr>
-        <p:spPr bwMode="auto">
-          <a:xfrm>
-            <a:off x="2159000" y="361950"/>
-            <a:ext cx="0" cy="0"/>
-          </a:xfrm>
-          <a:prstGeom prst="rect">
-            <a:avLst/>
-          </a:prstGeom>
-          <a:noFill/>
-          <a:ln>
-            <a:noFill/>
-          </a:ln>
-          <a:extLst>
-            <a:ext uri="{909E8E84-426E-40DD-AFC4-6F175D3DCCD1}">
-              <a14:hiddenFill xmlns:a14="http://schemas.microsoft.com/office/drawing/2010/main">
-                <a:solidFill>
-                  <a:srgbClr val="FFFFFF"/>
-                </a:solidFill>
-              </a14:hiddenFill>
-            </a:ext>
-            <a:ext uri="{91240B29-F687-4F45-9708-019B960494DF}">
-              <a14:hiddenLine xmlns:a14="http://schemas.microsoft.com/office/drawing/2010/main" w="9525">
-                <a:solidFill>
-                  <a:srgbClr val="000000"/>
-                </a:solidFill>
-                <a:miter lim="800000"/>
-                <a:headEnd/>
-                <a:tailEnd/>
-              </a14:hiddenLine>
-            </a:ext>
-          </a:extLst>
-        </p:spPr>
-        <p:txBody>
-          <a:bodyPr wrap="none" tIns="180000" rIns="216000" anchor="ctr"/>
-          <a:lstStyle>
-            <a:lvl1pPr>
-              <a:spcBef>
-                <a:spcPct val="20000"/>
-              </a:spcBef>
-              <a:buChar char="•"/>
-              <a:defRPr sz="3200">
-                <a:solidFill>
-                  <a:schemeClr val="tx1"/>
-                </a:solidFill>
-                <a:latin typeface="Arial" panose="020B0604020202020204" pitchFamily="34" charset="0"/>
-              </a:defRPr>
-            </a:lvl1pPr>
-            <a:lvl2pPr marL="742950" indent="-285750">
-              <a:spcBef>
-                <a:spcPct val="20000"/>
-              </a:spcBef>
-              <a:buChar char="–"/>
-              <a:defRPr sz="2800">
-                <a:solidFill>
-                  <a:schemeClr val="tx1"/>
-                </a:solidFill>
-                <a:latin typeface="Arial" panose="020B0604020202020204" pitchFamily="34" charset="0"/>
-              </a:defRPr>
-            </a:lvl2pPr>
-            <a:lvl3pPr marL="1143000" indent="-228600">
-              <a:spcBef>
-                <a:spcPct val="20000"/>
-              </a:spcBef>
-              <a:buChar char="•"/>
-              <a:defRPr sz="2400">
-                <a:solidFill>
-                  <a:schemeClr val="tx1"/>
-                </a:solidFill>
-                <a:latin typeface="Arial" panose="020B0604020202020204" pitchFamily="34" charset="0"/>
-              </a:defRPr>
-            </a:lvl3pPr>
-            <a:lvl4pPr marL="1600200" indent="-228600">
-              <a:spcBef>
-                <a:spcPct val="20000"/>
-              </a:spcBef>
-              <a:buChar char="–"/>
-              <a:defRPr sz="2000">
-                <a:solidFill>
-                  <a:schemeClr val="tx1"/>
-                </a:solidFill>
-                <a:latin typeface="Arial" panose="020B0604020202020204" pitchFamily="34" charset="0"/>
-              </a:defRPr>
-            </a:lvl4pPr>
-            <a:lvl5pPr marL="2057400" indent="-228600">
-              <a:spcBef>
-                <a:spcPct val="20000"/>
-              </a:spcBef>
-              <a:buChar char="»"/>
-              <a:defRPr sz="2000">
-                <a:solidFill>
-                  <a:schemeClr val="tx1"/>
-                </a:solidFill>
-                <a:latin typeface="Arial" panose="020B0604020202020204" pitchFamily="34" charset="0"/>
-              </a:defRPr>
-            </a:lvl5pPr>
-            <a:lvl6pPr marL="2514600" indent="-228600" eaLnBrk="0" fontAlgn="base" hangingPunct="0">
-              <a:spcBef>
-                <a:spcPct val="20000"/>
-              </a:spcBef>
-              <a:spcAft>
-                <a:spcPct val="0"/>
-              </a:spcAft>
-              <a:buChar char="»"/>
-              <a:defRPr sz="2000">
-                <a:solidFill>
-                  <a:schemeClr val="tx1"/>
-                </a:solidFill>
-                <a:latin typeface="Arial" panose="020B0604020202020204" pitchFamily="34" charset="0"/>
-              </a:defRPr>
-            </a:lvl6pPr>
-            <a:lvl7pPr marL="2971800" indent="-228600" eaLnBrk="0" fontAlgn="base" hangingPunct="0">
-              <a:spcBef>
-                <a:spcPct val="20000"/>
-              </a:spcBef>
-              <a:spcAft>
-                <a:spcPct val="0"/>
-              </a:spcAft>
-              <a:buChar char="»"/>
-              <a:defRPr sz="2000">
-                <a:solidFill>
-                  <a:schemeClr val="tx1"/>
-                </a:solidFill>
-                <a:latin typeface="Arial" panose="020B0604020202020204" pitchFamily="34" charset="0"/>
-              </a:defRPr>
-            </a:lvl7pPr>
-            <a:lvl8pPr marL="3429000" indent="-228600" eaLnBrk="0" fontAlgn="base" hangingPunct="0">
-              <a:spcBef>
-                <a:spcPct val="20000"/>
-              </a:spcBef>
-              <a:spcAft>
-                <a:spcPct val="0"/>
-              </a:spcAft>
-              <a:buChar char="»"/>
-              <a:defRPr sz="2000">
-                <a:solidFill>
-                  <a:schemeClr val="tx1"/>
-                </a:solidFill>
-                <a:latin typeface="Arial" panose="020B0604020202020204" pitchFamily="34" charset="0"/>
-              </a:defRPr>
-            </a:lvl8pPr>
-            <a:lvl9pPr marL="3886200" indent="-228600" eaLnBrk="0" fontAlgn="base" hangingPunct="0">
-              <a:spcBef>
-                <a:spcPct val="20000"/>
-              </a:spcBef>
-              <a:spcAft>
-                <a:spcPct val="0"/>
-              </a:spcAft>
-              <a:buChar char="»"/>
-              <a:defRPr sz="2000">
-                <a:solidFill>
-                  <a:schemeClr val="tx1"/>
-                </a:solidFill>
-                <a:latin typeface="Arial" panose="020B0604020202020204" pitchFamily="34" charset="0"/>
-              </a:defRPr>
-            </a:lvl9pPr>
-          </a:lstStyle>
-          <a:p>
-            <a:pPr algn="r" eaLnBrk="1" hangingPunct="1">
-              <a:spcBef>
-                <a:spcPct val="0"/>
-              </a:spcBef>
-              <a:buFontTx/>
-              <a:buNone/>
-            </a:pPr>
-            <a:endParaRPr lang="it-IT" altLang="it-IT" sz="2800" b="0">
-              <a:solidFill>
-                <a:schemeClr val="bg1"/>
-              </a:solidFill>
-            </a:endParaRPr>
-          </a:p>
-        </p:txBody>
-      </p:sp>
-      <p:sp>
-        <p:nvSpPr>
-          <p:cNvPr id="8195" name="CasellaDiTesto 13">
-            <a:extLst>
-              <a:ext uri="{FF2B5EF4-FFF2-40B4-BE49-F238E27FC236}">
-                <a16:creationId xmlns:a16="http://schemas.microsoft.com/office/drawing/2014/main" id="{0D373E1D-380D-4868-9DBF-30318ECE993B}"/>
-              </a:ext>
-            </a:extLst>
-          </p:cNvPr>
-          <p:cNvSpPr txBox="1">
-            <a:spLocks noChangeArrowheads="1"/>
-          </p:cNvSpPr>
-          <p:nvPr/>
-        </p:nvSpPr>
-        <p:spPr bwMode="auto">
-          <a:xfrm>
-            <a:off x="8737600" y="412750"/>
-            <a:ext cx="0" cy="0"/>
-          </a:xfrm>
-          <a:prstGeom prst="rect">
-            <a:avLst/>
-          </a:prstGeom>
-          <a:noFill/>
-          <a:ln>
-            <a:noFill/>
-          </a:ln>
-          <a:extLst>
-            <a:ext uri="{909E8E84-426E-40DD-AFC4-6F175D3DCCD1}">
-              <a14:hiddenFill xmlns:a14="http://schemas.microsoft.com/office/drawing/2010/main">
-                <a:solidFill>
-                  <a:srgbClr val="FFFFFF"/>
-                </a:solidFill>
-              </a14:hiddenFill>
-            </a:ext>
-            <a:ext uri="{91240B29-F687-4F45-9708-019B960494DF}">
-              <a14:hiddenLine xmlns:a14="http://schemas.microsoft.com/office/drawing/2010/main" w="9525">
-                <a:solidFill>
-                  <a:srgbClr val="000000"/>
-                </a:solidFill>
-                <a:miter lim="800000"/>
-                <a:headEnd/>
-                <a:tailEnd/>
-              </a14:hiddenLine>
-            </a:ext>
-          </a:extLst>
-        </p:spPr>
-        <p:txBody>
-          <a:bodyPr wrap="none" tIns="180000" rIns="216000" anchor="ctr"/>
-          <a:lstStyle>
-            <a:lvl1pPr>
-              <a:spcBef>
-                <a:spcPct val="20000"/>
-              </a:spcBef>
-              <a:buChar char="•"/>
-              <a:defRPr sz="3200">
-                <a:solidFill>
-                  <a:schemeClr val="tx1"/>
-                </a:solidFill>
-                <a:latin typeface="Arial" panose="020B0604020202020204" pitchFamily="34" charset="0"/>
-              </a:defRPr>
-            </a:lvl1pPr>
-            <a:lvl2pPr marL="742950" indent="-285750">
-              <a:spcBef>
-                <a:spcPct val="20000"/>
-              </a:spcBef>
-              <a:buChar char="–"/>
-              <a:defRPr sz="2800">
-                <a:solidFill>
-                  <a:schemeClr val="tx1"/>
-                </a:solidFill>
-                <a:latin typeface="Arial" panose="020B0604020202020204" pitchFamily="34" charset="0"/>
-              </a:defRPr>
-            </a:lvl2pPr>
-            <a:lvl3pPr marL="1143000" indent="-228600">
-              <a:spcBef>
-                <a:spcPct val="20000"/>
-              </a:spcBef>
-              <a:buChar char="•"/>
-              <a:defRPr sz="2400">
-                <a:solidFill>
-                  <a:schemeClr val="tx1"/>
-                </a:solidFill>
-                <a:latin typeface="Arial" panose="020B0604020202020204" pitchFamily="34" charset="0"/>
-              </a:defRPr>
-            </a:lvl3pPr>
-            <a:lvl4pPr marL="1600200" indent="-228600">
-              <a:spcBef>
-                <a:spcPct val="20000"/>
-              </a:spcBef>
-              <a:buChar char="–"/>
-              <a:defRPr sz="2000">
-                <a:solidFill>
-                  <a:schemeClr val="tx1"/>
-                </a:solidFill>
-                <a:latin typeface="Arial" panose="020B0604020202020204" pitchFamily="34" charset="0"/>
-              </a:defRPr>
-            </a:lvl4pPr>
-            <a:lvl5pPr marL="2057400" indent="-228600">
-              <a:spcBef>
-                <a:spcPct val="20000"/>
-              </a:spcBef>
-              <a:buChar char="»"/>
-              <a:defRPr sz="2000">
-                <a:solidFill>
-                  <a:schemeClr val="tx1"/>
-                </a:solidFill>
-                <a:latin typeface="Arial" panose="020B0604020202020204" pitchFamily="34" charset="0"/>
-              </a:defRPr>
-            </a:lvl5pPr>
-            <a:lvl6pPr marL="2514600" indent="-228600" eaLnBrk="0" fontAlgn="base" hangingPunct="0">
-              <a:spcBef>
-                <a:spcPct val="20000"/>
-              </a:spcBef>
-              <a:spcAft>
-                <a:spcPct val="0"/>
-              </a:spcAft>
-              <a:buChar char="»"/>
-              <a:defRPr sz="2000">
-                <a:solidFill>
-                  <a:schemeClr val="tx1"/>
-                </a:solidFill>
-                <a:latin typeface="Arial" panose="020B0604020202020204" pitchFamily="34" charset="0"/>
-              </a:defRPr>
-            </a:lvl6pPr>
-            <a:lvl7pPr marL="2971800" indent="-228600" eaLnBrk="0" fontAlgn="base" hangingPunct="0">
-              <a:spcBef>
-                <a:spcPct val="20000"/>
-              </a:spcBef>
-              <a:spcAft>
-                <a:spcPct val="0"/>
-              </a:spcAft>
-              <a:buChar char="»"/>
-              <a:defRPr sz="2000">
-                <a:solidFill>
-                  <a:schemeClr val="tx1"/>
-                </a:solidFill>
-                <a:latin typeface="Arial" panose="020B0604020202020204" pitchFamily="34" charset="0"/>
-              </a:defRPr>
-            </a:lvl7pPr>
-            <a:lvl8pPr marL="3429000" indent="-228600" eaLnBrk="0" fontAlgn="base" hangingPunct="0">
-              <a:spcBef>
-                <a:spcPct val="20000"/>
-              </a:spcBef>
-              <a:spcAft>
-                <a:spcPct val="0"/>
-              </a:spcAft>
-              <a:buChar char="»"/>
-              <a:defRPr sz="2000">
-                <a:solidFill>
-                  <a:schemeClr val="tx1"/>
-                </a:solidFill>
-                <a:latin typeface="Arial" panose="020B0604020202020204" pitchFamily="34" charset="0"/>
-              </a:defRPr>
-            </a:lvl8pPr>
-            <a:lvl9pPr marL="3886200" indent="-228600" eaLnBrk="0" fontAlgn="base" hangingPunct="0">
-              <a:spcBef>
-                <a:spcPct val="20000"/>
-              </a:spcBef>
-              <a:spcAft>
-                <a:spcPct val="0"/>
-              </a:spcAft>
-              <a:buChar char="»"/>
-              <a:defRPr sz="2000">
-                <a:solidFill>
-                  <a:schemeClr val="tx1"/>
-                </a:solidFill>
-                <a:latin typeface="Arial" panose="020B0604020202020204" pitchFamily="34" charset="0"/>
-              </a:defRPr>
-            </a:lvl9pPr>
-          </a:lstStyle>
-          <a:p>
-            <a:pPr algn="r" eaLnBrk="1" hangingPunct="1">
-              <a:spcBef>
-                <a:spcPct val="0"/>
-              </a:spcBef>
-              <a:buFontTx/>
-              <a:buNone/>
-            </a:pPr>
-            <a:endParaRPr lang="it-IT" altLang="it-IT" sz="2800" b="0">
-              <a:solidFill>
-                <a:schemeClr val="bg1"/>
-              </a:solidFill>
-            </a:endParaRPr>
-          </a:p>
-        </p:txBody>
-      </p:sp>
-      <p:sp>
-        <p:nvSpPr>
-          <p:cNvPr id="8197" name="CasellaDiTesto 1">
-            <a:extLst>
-              <a:ext uri="{FF2B5EF4-FFF2-40B4-BE49-F238E27FC236}">
-                <a16:creationId xmlns:a16="http://schemas.microsoft.com/office/drawing/2014/main" id="{DABE2A0C-C977-463D-B219-FCD2A84DCF57}"/>
-              </a:ext>
-            </a:extLst>
-          </p:cNvPr>
-          <p:cNvSpPr txBox="1">
-            <a:spLocks noChangeArrowheads="1"/>
-          </p:cNvSpPr>
-          <p:nvPr/>
-        </p:nvSpPr>
-        <p:spPr bwMode="auto">
-          <a:xfrm>
-            <a:off x="-76200" y="481013"/>
-            <a:ext cx="0" cy="0"/>
-          </a:xfrm>
-          <a:prstGeom prst="rect">
-            <a:avLst/>
-          </a:prstGeom>
-          <a:noFill/>
-          <a:ln>
-            <a:noFill/>
-          </a:ln>
-          <a:extLst>
-            <a:ext uri="{909E8E84-426E-40DD-AFC4-6F175D3DCCD1}">
-              <a14:hiddenFill xmlns:a14="http://schemas.microsoft.com/office/drawing/2010/main">
-                <a:solidFill>
-                  <a:srgbClr val="FFFFFF"/>
-                </a:solidFill>
-              </a14:hiddenFill>
-            </a:ext>
-            <a:ext uri="{91240B29-F687-4F45-9708-019B960494DF}">
-              <a14:hiddenLine xmlns:a14="http://schemas.microsoft.com/office/drawing/2010/main" w="9525">
-                <a:solidFill>
-                  <a:srgbClr val="000000"/>
-                </a:solidFill>
-                <a:miter lim="800000"/>
-                <a:headEnd/>
-                <a:tailEnd/>
-              </a14:hiddenLine>
-            </a:ext>
-          </a:extLst>
-        </p:spPr>
-        <p:txBody>
-          <a:bodyPr wrap="none" tIns="180000" rIns="216000" anchor="ctr"/>
-          <a:lstStyle>
-            <a:lvl1pPr>
-              <a:spcBef>
-                <a:spcPct val="20000"/>
-              </a:spcBef>
-              <a:buChar char="•"/>
-              <a:defRPr sz="3200">
-                <a:solidFill>
-                  <a:schemeClr val="tx1"/>
-                </a:solidFill>
-                <a:latin typeface="Arial" panose="020B0604020202020204" pitchFamily="34" charset="0"/>
-              </a:defRPr>
-            </a:lvl1pPr>
-            <a:lvl2pPr marL="742950" indent="-285750">
-              <a:spcBef>
-                <a:spcPct val="20000"/>
-              </a:spcBef>
-              <a:buChar char="–"/>
-              <a:defRPr sz="2800">
-                <a:solidFill>
-                  <a:schemeClr val="tx1"/>
-                </a:solidFill>
-                <a:latin typeface="Arial" panose="020B0604020202020204" pitchFamily="34" charset="0"/>
-              </a:defRPr>
-            </a:lvl2pPr>
-            <a:lvl3pPr marL="1143000" indent="-228600">
-              <a:spcBef>
-                <a:spcPct val="20000"/>
-              </a:spcBef>
-              <a:buChar char="•"/>
-              <a:defRPr sz="2400">
-                <a:solidFill>
-                  <a:schemeClr val="tx1"/>
-                </a:solidFill>
-                <a:latin typeface="Arial" panose="020B0604020202020204" pitchFamily="34" charset="0"/>
-              </a:defRPr>
-            </a:lvl3pPr>
-            <a:lvl4pPr marL="1600200" indent="-228600">
-              <a:spcBef>
-                <a:spcPct val="20000"/>
-              </a:spcBef>
-              <a:buChar char="–"/>
-              <a:defRPr sz="2000">
-                <a:solidFill>
-                  <a:schemeClr val="tx1"/>
-                </a:solidFill>
-                <a:latin typeface="Arial" panose="020B0604020202020204" pitchFamily="34" charset="0"/>
-              </a:defRPr>
-            </a:lvl4pPr>
-            <a:lvl5pPr marL="2057400" indent="-228600">
-              <a:spcBef>
-                <a:spcPct val="20000"/>
-              </a:spcBef>
-              <a:buChar char="»"/>
-              <a:defRPr sz="2000">
-                <a:solidFill>
-                  <a:schemeClr val="tx1"/>
-                </a:solidFill>
-                <a:latin typeface="Arial" panose="020B0604020202020204" pitchFamily="34" charset="0"/>
-              </a:defRPr>
-            </a:lvl5pPr>
-            <a:lvl6pPr marL="2514600" indent="-228600" eaLnBrk="0" fontAlgn="base" hangingPunct="0">
-              <a:spcBef>
-                <a:spcPct val="20000"/>
-              </a:spcBef>
-              <a:spcAft>
-                <a:spcPct val="0"/>
-              </a:spcAft>
-              <a:buChar char="»"/>
-              <a:defRPr sz="2000">
-                <a:solidFill>
-                  <a:schemeClr val="tx1"/>
-                </a:solidFill>
-                <a:latin typeface="Arial" panose="020B0604020202020204" pitchFamily="34" charset="0"/>
-              </a:defRPr>
-            </a:lvl6pPr>
-            <a:lvl7pPr marL="2971800" indent="-228600" eaLnBrk="0" fontAlgn="base" hangingPunct="0">
-              <a:spcBef>
-                <a:spcPct val="20000"/>
-              </a:spcBef>
-              <a:spcAft>
-                <a:spcPct val="0"/>
-              </a:spcAft>
-              <a:buChar char="»"/>
-              <a:defRPr sz="2000">
-                <a:solidFill>
-                  <a:schemeClr val="tx1"/>
-                </a:solidFill>
-                <a:latin typeface="Arial" panose="020B0604020202020204" pitchFamily="34" charset="0"/>
-              </a:defRPr>
-            </a:lvl7pPr>
-            <a:lvl8pPr marL="3429000" indent="-228600" eaLnBrk="0" fontAlgn="base" hangingPunct="0">
-              <a:spcBef>
-                <a:spcPct val="20000"/>
-              </a:spcBef>
-              <a:spcAft>
-                <a:spcPct val="0"/>
-              </a:spcAft>
-              <a:buChar char="»"/>
-              <a:defRPr sz="2000">
-                <a:solidFill>
-                  <a:schemeClr val="tx1"/>
-                </a:solidFill>
-                <a:latin typeface="Arial" panose="020B0604020202020204" pitchFamily="34" charset="0"/>
-              </a:defRPr>
-            </a:lvl8pPr>
-            <a:lvl9pPr marL="3886200" indent="-228600" eaLnBrk="0" fontAlgn="base" hangingPunct="0">
-              <a:spcBef>
-                <a:spcPct val="20000"/>
-              </a:spcBef>
-              <a:spcAft>
-                <a:spcPct val="0"/>
-              </a:spcAft>
-              <a:buChar char="»"/>
-              <a:defRPr sz="2000">
-                <a:solidFill>
-                  <a:schemeClr val="tx1"/>
-                </a:solidFill>
-                <a:latin typeface="Arial" panose="020B0604020202020204" pitchFamily="34" charset="0"/>
-              </a:defRPr>
-            </a:lvl9pPr>
-          </a:lstStyle>
-          <a:p>
-            <a:pPr algn="r" eaLnBrk="1" hangingPunct="1">
-              <a:spcBef>
-                <a:spcPct val="0"/>
-              </a:spcBef>
-              <a:buFontTx/>
-              <a:buNone/>
-            </a:pPr>
-            <a:endParaRPr lang="it-IT" altLang="it-IT" sz="2800" b="0">
-              <a:solidFill>
-                <a:schemeClr val="bg1"/>
-              </a:solidFill>
-            </a:endParaRPr>
-          </a:p>
-        </p:txBody>
-      </p:sp>
-      <p:sp>
-        <p:nvSpPr>
-          <p:cNvPr id="2" name="Rettangolo 1">
-            <a:extLst>
-              <a:ext uri="{FF2B5EF4-FFF2-40B4-BE49-F238E27FC236}">
-                <a16:creationId xmlns:a16="http://schemas.microsoft.com/office/drawing/2014/main" id="{7A7A617F-E94E-45F3-BF7B-6B8D74AC8DA7}"/>
-              </a:ext>
-            </a:extLst>
-          </p:cNvPr>
-          <p:cNvSpPr/>
-          <p:nvPr/>
-        </p:nvSpPr>
-        <p:spPr>
-          <a:xfrm>
-            <a:off x="-94704" y="991675"/>
-            <a:ext cx="2073003" cy="677108"/>
-          </a:xfrm>
-          <a:prstGeom prst="rect">
-            <a:avLst/>
-          </a:prstGeom>
-          <a:solidFill>
-            <a:srgbClr val="B20F21"/>
-          </a:solidFill>
-        </p:spPr>
-        <p:txBody>
-          <a:bodyPr wrap="none" lIns="91440" tIns="45720" rIns="91440" bIns="45720">
-            <a:spAutoFit/>
-          </a:bodyPr>
-          <a:lstStyle/>
-          <a:p>
-            <a:pPr algn="ctr"/>
-            <a:r>
-              <a:rPr lang="it-IT" sz="3600" b="0" cap="none" spc="0" dirty="0">
-                <a:ln w="0"/>
-                <a:solidFill>
-                  <a:schemeClr val="tx1"/>
-                </a:solidFill>
-                <a:effectLst>
-                  <a:outerShdw blurRad="38100" dist="19050" dir="2700000" algn="tl" rotWithShape="0">
-                    <a:schemeClr val="dk1">
-                      <a:alpha val="40000"/>
-                    </a:schemeClr>
-                  </a:outerShdw>
-                </a:effectLst>
-              </a:rPr>
-              <a:t> </a:t>
+              <a:t> theory</a:t>
             </a:r>
             <a:r>
-              <a:rPr lang="it-IT" sz="3800" b="0" cap="none" spc="0" dirty="0" err="1">
-                <a:ln w="0"/>
-                <a:solidFill>
-                  <a:schemeClr val="bg1"/>
-                </a:solidFill>
-                <a:effectLst>
-                  <a:outerShdw blurRad="38100" dist="19050" dir="2700000" algn="tl" rotWithShape="0">
-                    <a:schemeClr val="dk1">
-                      <a:alpha val="40000"/>
-                    </a:schemeClr>
-                  </a:outerShdw>
-                </a:effectLst>
-              </a:rPr>
-              <a:t>Results</a:t>
-            </a:r>
-            <a:r>
-              <a:rPr lang="it-IT" sz="3800" b="0" cap="none" spc="0" dirty="0">
+              <a:rPr lang="it-IT" sz="3800" b="0" dirty="0">
                 <a:ln w="0"/>
                 <a:solidFill>
                   <a:schemeClr val="bg1"/>
@@ -5818,7 +5127,7 @@
     </p:spTree>
     <p:extLst>
       <p:ext uri="{BB962C8B-B14F-4D97-AF65-F5344CB8AC3E}">
-        <p14:creationId xmlns:p14="http://schemas.microsoft.com/office/powerpoint/2010/main" val="99575925"/>
+        <p14:creationId xmlns:p14="http://schemas.microsoft.com/office/powerpoint/2010/main" val="1104752578"/>
       </p:ext>
     </p:extLst>
   </p:cSld>
@@ -5828,7 +5137,7 @@
 </p:sld>
 </file>
 
-<file path=ppt/slides/slide5.xml><?xml version="1.0" encoding="utf-8"?>
+<file path=ppt/slides/slide4.xml><?xml version="1.0" encoding="utf-8"?>
 <p:sld xmlns:a="http://schemas.openxmlformats.org/drawingml/2006/main" xmlns:r="http://schemas.openxmlformats.org/officeDocument/2006/relationships" xmlns:p="http://schemas.openxmlformats.org/presentationml/2006/main">
   <p:cSld>
     <p:spTree>
@@ -7433,12 +6742,9 @@
 </file>
 
 <file path=customXml/item1.xml><?xml version="1.0" encoding="utf-8"?>
-<?mso-contentType ?>
-<FormTemplates xmlns="http://schemas.microsoft.com/sharepoint/v3/contenttype/forms">
-  <Display>DocumentLibraryForm</Display>
-  <Edit>DocumentLibraryForm</Edit>
-  <New>DocumentLibraryForm</New>
-</FormTemplates>
+<p:properties xmlns:p="http://schemas.microsoft.com/office/2006/metadata/properties" xmlns:xsi="http://www.w3.org/2001/XMLSchema-instance" xmlns:pc="http://schemas.microsoft.com/office/infopath/2007/PartnerControls">
+  <documentManagement/>
+</p:properties>
 </file>
 
 <file path=customXml/item2.xml><?xml version="1.0" encoding="utf-8"?>
@@ -7574,15 +6880,26 @@
 </file>
 
 <file path=customXml/item3.xml><?xml version="1.0" encoding="utf-8"?>
-<p:properties xmlns:p="http://schemas.microsoft.com/office/2006/metadata/properties" xmlns:xsi="http://www.w3.org/2001/XMLSchema-instance" xmlns:pc="http://schemas.microsoft.com/office/infopath/2007/PartnerControls">
-  <documentManagement/>
-</p:properties>
+<?mso-contentType ?>
+<FormTemplates xmlns="http://schemas.microsoft.com/sharepoint/v3/contenttype/forms">
+  <Display>DocumentLibraryForm</Display>
+  <Edit>DocumentLibraryForm</Edit>
+  <New>DocumentLibraryForm</New>
+</FormTemplates>
 </file>
 
 <file path=customXml/itemProps1.xml><?xml version="1.0" encoding="utf-8"?>
-<ds:datastoreItem xmlns:ds="http://schemas.openxmlformats.org/officeDocument/2006/customXml" ds:itemID="{855D325D-3B77-47CA-8757-84DD5741DFBA}">
+<ds:datastoreItem xmlns:ds="http://schemas.openxmlformats.org/officeDocument/2006/customXml" ds:itemID="{FF5D3D51-03CC-4736-A35A-7D072B275084}">
   <ds:schemaRefs>
-    <ds:schemaRef ds:uri="http://schemas.microsoft.com/sharepoint/v3/contenttype/forms"/>
+    <ds:schemaRef ds:uri="http://schemas.microsoft.com/office/infopath/2007/PartnerControls"/>
+    <ds:schemaRef ds:uri="http://purl.org/dc/terms/"/>
+    <ds:schemaRef ds:uri="http://www.w3.org/XML/1998/namespace"/>
+    <ds:schemaRef ds:uri="http://purl.org/dc/elements/1.1/"/>
+    <ds:schemaRef ds:uri="http://schemas.microsoft.com/office/2006/metadata/properties"/>
+    <ds:schemaRef ds:uri="http://schemas.microsoft.com/office/2006/documentManagement/types"/>
+    <ds:schemaRef ds:uri="http://schemas.openxmlformats.org/package/2006/metadata/core-properties"/>
+    <ds:schemaRef ds:uri="8d210665-cc30-40de-a1c4-5d90bbb582de"/>
+    <ds:schemaRef ds:uri="http://purl.org/dc/dcmitype/"/>
   </ds:schemaRefs>
 </ds:datastoreItem>
 </file>
@@ -7606,17 +6923,9 @@
 </file>
 
 <file path=customXml/itemProps3.xml><?xml version="1.0" encoding="utf-8"?>
-<ds:datastoreItem xmlns:ds="http://schemas.openxmlformats.org/officeDocument/2006/customXml" ds:itemID="{FF5D3D51-03CC-4736-A35A-7D072B275084}">
+<ds:datastoreItem xmlns:ds="http://schemas.openxmlformats.org/officeDocument/2006/customXml" ds:itemID="{855D325D-3B77-47CA-8757-84DD5741DFBA}">
   <ds:schemaRefs>
-    <ds:schemaRef ds:uri="http://schemas.microsoft.com/office/infopath/2007/PartnerControls"/>
-    <ds:schemaRef ds:uri="http://purl.org/dc/terms/"/>
-    <ds:schemaRef ds:uri="http://www.w3.org/XML/1998/namespace"/>
-    <ds:schemaRef ds:uri="http://purl.org/dc/elements/1.1/"/>
-    <ds:schemaRef ds:uri="http://schemas.microsoft.com/office/2006/metadata/properties"/>
-    <ds:schemaRef ds:uri="http://schemas.microsoft.com/office/2006/documentManagement/types"/>
-    <ds:schemaRef ds:uri="http://schemas.openxmlformats.org/package/2006/metadata/core-properties"/>
-    <ds:schemaRef ds:uri="8d210665-cc30-40de-a1c4-5d90bbb582de"/>
-    <ds:schemaRef ds:uri="http://purl.org/dc/dcmitype/"/>
+    <ds:schemaRef ds:uri="http://schemas.microsoft.com/sharepoint/v3/contenttype/forms"/>
   </ds:schemaRefs>
 </ds:datastoreItem>
 </file>
--- a/3/Ex3-Monaco-SLIDES.pptx
+++ b/3/Ex3-Monaco-SLIDES.pptx
@@ -5,16 +5,18 @@
     <p:sldMasterId id="2147483648" r:id="rId4"/>
   </p:sldMasterIdLst>
   <p:notesMasterIdLst>
-    <p:notesMasterId r:id="rId9"/>
+    <p:notesMasterId r:id="rId11"/>
   </p:notesMasterIdLst>
   <p:handoutMasterIdLst>
-    <p:handoutMasterId r:id="rId10"/>
+    <p:handoutMasterId r:id="rId12"/>
   </p:handoutMasterIdLst>
   <p:sldIdLst>
     <p:sldId id="357" r:id="rId5"/>
     <p:sldId id="358" r:id="rId6"/>
-    <p:sldId id="359" r:id="rId7"/>
-    <p:sldId id="356" r:id="rId8"/>
+    <p:sldId id="362" r:id="rId7"/>
+    <p:sldId id="359" r:id="rId8"/>
+    <p:sldId id="361" r:id="rId9"/>
+    <p:sldId id="356" r:id="rId10"/>
   </p:sldIdLst>
   <p:sldSz cx="9144000" cy="6858000" type="screen4x3"/>
   <p:notesSz cx="6858000" cy="9144000"/>
@@ -383,6 +385,276 @@
   </p:cSld>
   <p:clrMap bg1="lt1" tx1="dk1" bg2="lt2" tx2="dk2" accent1="accent1" accent2="accent2" accent3="accent3" accent4="accent4" accent5="accent5" accent6="accent6" hlink="hlink" folHlink="folHlink"/>
 </p:handoutMaster>
+</file>
+
+<file path=ppt/ink/ink1.xml><?xml version="1.0" encoding="utf-8"?>
+<inkml:ink xmlns:inkml="http://www.w3.org/2003/InkML">
+  <inkml:definitions>
+    <inkml:context xml:id="ctx0">
+      <inkml:inkSource xml:id="inkSrc0">
+        <inkml:traceFormat>
+          <inkml:channel name="X" type="integer" min="-2.14748E9" max="2.14748E9" units="cm"/>
+          <inkml:channel name="Y" type="integer" min="-2.14748E9" max="2.14748E9" units="cm"/>
+        </inkml:traceFormat>
+        <inkml:channelProperties>
+          <inkml:channelProperty channel="X" name="resolution" value="1000" units="1/cm"/>
+          <inkml:channelProperty channel="Y" name="resolution" value="1000" units="1/cm"/>
+        </inkml:channelProperties>
+      </inkml:inkSource>
+      <inkml:timestamp xml:id="ts0" timeString="2021-11-12T15:31:15.292"/>
+    </inkml:context>
+    <inkml:brush xml:id="br0">
+      <inkml:brushProperty name="width" value="0.1" units="cm"/>
+      <inkml:brushProperty name="height" value="0.1" units="cm"/>
+      <inkml:brushProperty name="color" value="#E71224"/>
+      <inkml:brushProperty name="ignorePressure" value="1"/>
+    </inkml:brush>
+  </inkml:definitions>
+  <inkml:trace contextRef="#ctx0" brushRef="#br0">1 0,'2409'0,"-2403"0</inkml:trace>
+</inkml:ink>
+</file>
+
+<file path=ppt/ink/ink10.xml><?xml version="1.0" encoding="utf-8"?>
+<inkml:ink xmlns:inkml="http://www.w3.org/2003/InkML">
+  <inkml:definitions>
+    <inkml:context xml:id="ctx0">
+      <inkml:inkSource xml:id="inkSrc0">
+        <inkml:traceFormat>
+          <inkml:channel name="X" type="integer" min="-2.14748E9" max="2.14748E9" units="cm"/>
+          <inkml:channel name="Y" type="integer" min="-2.14748E9" max="2.14748E9" units="cm"/>
+        </inkml:traceFormat>
+        <inkml:channelProperties>
+          <inkml:channelProperty channel="X" name="resolution" value="1000" units="1/cm"/>
+          <inkml:channelProperty channel="Y" name="resolution" value="1000" units="1/cm"/>
+        </inkml:channelProperties>
+      </inkml:inkSource>
+      <inkml:timestamp xml:id="ts0" timeString="2021-11-12T15:31:15.301"/>
+    </inkml:context>
+    <inkml:brush xml:id="br0">
+      <inkml:brushProperty name="width" value="0.1" units="cm"/>
+      <inkml:brushProperty name="height" value="0.1" units="cm"/>
+      <inkml:brushProperty name="color" value="#E71224"/>
+      <inkml:brushProperty name="ignorePressure" value="1"/>
+    </inkml:brush>
+  </inkml:definitions>
+  <inkml:trace contextRef="#ctx0" brushRef="#br0">2383 1112,'-2378'-1109,"2374"1107</inkml:trace>
+</inkml:ink>
+</file>
+
+<file path=ppt/ink/ink2.xml><?xml version="1.0" encoding="utf-8"?>
+<inkml:ink xmlns:inkml="http://www.w3.org/2003/InkML">
+  <inkml:definitions>
+    <inkml:context xml:id="ctx0">
+      <inkml:inkSource xml:id="inkSrc0">
+        <inkml:traceFormat>
+          <inkml:channel name="X" type="integer" min="-2.14748E9" max="2.14748E9" units="cm"/>
+          <inkml:channel name="Y" type="integer" min="-2.14748E9" max="2.14748E9" units="cm"/>
+        </inkml:traceFormat>
+        <inkml:channelProperties>
+          <inkml:channelProperty channel="X" name="resolution" value="1000" units="1/cm"/>
+          <inkml:channelProperty channel="Y" name="resolution" value="1000" units="1/cm"/>
+        </inkml:channelProperties>
+      </inkml:inkSource>
+      <inkml:timestamp xml:id="ts0" timeString="2021-11-12T15:31:15.293"/>
+    </inkml:context>
+    <inkml:brush xml:id="br0">
+      <inkml:brushProperty name="width" value="0.1" units="cm"/>
+      <inkml:brushProperty name="height" value="0.1" units="cm"/>
+      <inkml:brushProperty name="color" value="#E71224"/>
+      <inkml:brushProperty name="ignorePressure" value="1"/>
+    </inkml:brush>
+  </inkml:definitions>
+  <inkml:trace contextRef="#ctx0" brushRef="#br0">0 0,'2356'0,"-2349"0</inkml:trace>
+</inkml:ink>
+</file>
+
+<file path=ppt/ink/ink3.xml><?xml version="1.0" encoding="utf-8"?>
+<inkml:ink xmlns:inkml="http://www.w3.org/2003/InkML">
+  <inkml:definitions>
+    <inkml:context xml:id="ctx0">
+      <inkml:inkSource xml:id="inkSrc0">
+        <inkml:traceFormat>
+          <inkml:channel name="X" type="integer" min="-2.14748E9" max="2.14748E9" units="cm"/>
+          <inkml:channel name="Y" type="integer" min="-2.14748E9" max="2.14748E9" units="cm"/>
+        </inkml:traceFormat>
+        <inkml:channelProperties>
+          <inkml:channelProperty channel="X" name="resolution" value="1000" units="1/cm"/>
+          <inkml:channelProperty channel="Y" name="resolution" value="1000" units="1/cm"/>
+        </inkml:channelProperties>
+      </inkml:inkSource>
+      <inkml:timestamp xml:id="ts0" timeString="2021-11-12T15:31:15.294"/>
+    </inkml:context>
+    <inkml:brush xml:id="br0">
+      <inkml:brushProperty name="width" value="0.1" units="cm"/>
+      <inkml:brushProperty name="height" value="0.1" units="cm"/>
+      <inkml:brushProperty name="color" value="#E71224"/>
+      <inkml:brushProperty name="ignorePressure" value="1"/>
+    </inkml:brush>
+  </inkml:definitions>
+  <inkml:trace contextRef="#ctx0" brushRef="#br0">1 0,'2318'0,"-2312"0</inkml:trace>
+</inkml:ink>
+</file>
+
+<file path=ppt/ink/ink4.xml><?xml version="1.0" encoding="utf-8"?>
+<inkml:ink xmlns:inkml="http://www.w3.org/2003/InkML">
+  <inkml:definitions>
+    <inkml:context xml:id="ctx0">
+      <inkml:inkSource xml:id="inkSrc0">
+        <inkml:traceFormat>
+          <inkml:channel name="X" type="integer" min="-2.14748E9" max="2.14748E9" units="cm"/>
+          <inkml:channel name="Y" type="integer" min="-2.14748E9" max="2.14748E9" units="cm"/>
+        </inkml:traceFormat>
+        <inkml:channelProperties>
+          <inkml:channelProperty channel="X" name="resolution" value="1000" units="1/cm"/>
+          <inkml:channelProperty channel="Y" name="resolution" value="1000" units="1/cm"/>
+        </inkml:channelProperties>
+      </inkml:inkSource>
+      <inkml:timestamp xml:id="ts0" timeString="2021-11-12T15:31:15.295"/>
+    </inkml:context>
+    <inkml:brush xml:id="br0">
+      <inkml:brushProperty name="width" value="0.1" units="cm"/>
+      <inkml:brushProperty name="height" value="0.1" units="cm"/>
+      <inkml:brushProperty name="color" value="#E71224"/>
+      <inkml:brushProperty name="ignorePressure" value="1"/>
+    </inkml:brush>
+  </inkml:definitions>
+  <inkml:trace contextRef="#ctx0" brushRef="#br0">0 1090,'1250'-583,"-170"80,-1074 500</inkml:trace>
+</inkml:ink>
+</file>
+
+<file path=ppt/ink/ink5.xml><?xml version="1.0" encoding="utf-8"?>
+<inkml:ink xmlns:inkml="http://www.w3.org/2003/InkML">
+  <inkml:definitions>
+    <inkml:context xml:id="ctx0">
+      <inkml:inkSource xml:id="inkSrc0">
+        <inkml:traceFormat>
+          <inkml:channel name="X" type="integer" min="-2.14748E9" max="2.14748E9" units="cm"/>
+          <inkml:channel name="Y" type="integer" min="-2.14748E9" max="2.14748E9" units="cm"/>
+        </inkml:traceFormat>
+        <inkml:channelProperties>
+          <inkml:channelProperty channel="X" name="resolution" value="1000" units="1/cm"/>
+          <inkml:channelProperty channel="Y" name="resolution" value="1000" units="1/cm"/>
+        </inkml:channelProperties>
+      </inkml:inkSource>
+      <inkml:timestamp xml:id="ts0" timeString="2021-11-12T15:31:15.296"/>
+    </inkml:context>
+    <inkml:brush xml:id="br0">
+      <inkml:brushProperty name="width" value="0.1" units="cm"/>
+      <inkml:brushProperty name="height" value="0.1" units="cm"/>
+      <inkml:brushProperty name="color" value="#E71224"/>
+      <inkml:brushProperty name="ignorePressure" value="1"/>
+    </inkml:brush>
+  </inkml:definitions>
+  <inkml:trace contextRef="#ctx0" brushRef="#br0">0 1112,'2378'-1109,"-2374"1107</inkml:trace>
+</inkml:ink>
+</file>
+
+<file path=ppt/ink/ink6.xml><?xml version="1.0" encoding="utf-8"?>
+<inkml:ink xmlns:inkml="http://www.w3.org/2003/InkML">
+  <inkml:definitions>
+    <inkml:context xml:id="ctx0">
+      <inkml:inkSource xml:id="inkSrc0">
+        <inkml:traceFormat>
+          <inkml:channel name="X" type="integer" min="-2.14748E9" max="2.14748E9" units="cm"/>
+          <inkml:channel name="Y" type="integer" min="-2.14748E9" max="2.14748E9" units="cm"/>
+        </inkml:traceFormat>
+        <inkml:channelProperties>
+          <inkml:channelProperty channel="X" name="resolution" value="1000" units="1/cm"/>
+          <inkml:channelProperty channel="Y" name="resolution" value="1000" units="1/cm"/>
+        </inkml:channelProperties>
+      </inkml:inkSource>
+      <inkml:timestamp xml:id="ts0" timeString="2021-11-12T15:31:15.297"/>
+    </inkml:context>
+    <inkml:brush xml:id="br0">
+      <inkml:brushProperty name="width" value="0.1" units="cm"/>
+      <inkml:brushProperty name="height" value="0.1" units="cm"/>
+      <inkml:brushProperty name="color" value="#E71224"/>
+      <inkml:brushProperty name="ignorePressure" value="1"/>
+    </inkml:brush>
+  </inkml:definitions>
+  <inkml:trace contextRef="#ctx0" brushRef="#br0">2414 0,'-2409'0,"2403"0</inkml:trace>
+</inkml:ink>
+</file>
+
+<file path=ppt/ink/ink7.xml><?xml version="1.0" encoding="utf-8"?>
+<inkml:ink xmlns:inkml="http://www.w3.org/2003/InkML">
+  <inkml:definitions>
+    <inkml:context xml:id="ctx0">
+      <inkml:inkSource xml:id="inkSrc0">
+        <inkml:traceFormat>
+          <inkml:channel name="X" type="integer" min="-2.14748E9" max="2.14748E9" units="cm"/>
+          <inkml:channel name="Y" type="integer" min="-2.14748E9" max="2.14748E9" units="cm"/>
+        </inkml:traceFormat>
+        <inkml:channelProperties>
+          <inkml:channelProperty channel="X" name="resolution" value="1000" units="1/cm"/>
+          <inkml:channelProperty channel="Y" name="resolution" value="1000" units="1/cm"/>
+        </inkml:channelProperties>
+      </inkml:inkSource>
+      <inkml:timestamp xml:id="ts0" timeString="2021-11-12T15:31:15.298"/>
+    </inkml:context>
+    <inkml:brush xml:id="br0">
+      <inkml:brushProperty name="width" value="0.1" units="cm"/>
+      <inkml:brushProperty name="height" value="0.1" units="cm"/>
+      <inkml:brushProperty name="color" value="#E71224"/>
+      <inkml:brushProperty name="ignorePressure" value="1"/>
+    </inkml:brush>
+  </inkml:definitions>
+  <inkml:trace contextRef="#ctx0" brushRef="#br0">2363 0,'-2356'0,"2349"0</inkml:trace>
+</inkml:ink>
+</file>
+
+<file path=ppt/ink/ink8.xml><?xml version="1.0" encoding="utf-8"?>
+<inkml:ink xmlns:inkml="http://www.w3.org/2003/InkML">
+  <inkml:definitions>
+    <inkml:context xml:id="ctx0">
+      <inkml:inkSource xml:id="inkSrc0">
+        <inkml:traceFormat>
+          <inkml:channel name="X" type="integer" min="-2.14748E9" max="2.14748E9" units="cm"/>
+          <inkml:channel name="Y" type="integer" min="-2.14748E9" max="2.14748E9" units="cm"/>
+        </inkml:traceFormat>
+        <inkml:channelProperties>
+          <inkml:channelProperty channel="X" name="resolution" value="1000" units="1/cm"/>
+          <inkml:channelProperty channel="Y" name="resolution" value="1000" units="1/cm"/>
+        </inkml:channelProperties>
+      </inkml:inkSource>
+      <inkml:timestamp xml:id="ts0" timeString="2021-11-12T15:31:15.299"/>
+    </inkml:context>
+    <inkml:brush xml:id="br0">
+      <inkml:brushProperty name="width" value="0.1" units="cm"/>
+      <inkml:brushProperty name="height" value="0.1" units="cm"/>
+      <inkml:brushProperty name="color" value="#E71224"/>
+      <inkml:brushProperty name="ignorePressure" value="1"/>
+    </inkml:brush>
+  </inkml:definitions>
+  <inkml:trace contextRef="#ctx0" brushRef="#br0">2324 0,'-2318'0,"2312"0</inkml:trace>
+</inkml:ink>
+</file>
+
+<file path=ppt/ink/ink9.xml><?xml version="1.0" encoding="utf-8"?>
+<inkml:ink xmlns:inkml="http://www.w3.org/2003/InkML">
+  <inkml:definitions>
+    <inkml:context xml:id="ctx0">
+      <inkml:inkSource xml:id="inkSrc0">
+        <inkml:traceFormat>
+          <inkml:channel name="X" type="integer" min="-2.14748E9" max="2.14748E9" units="cm"/>
+          <inkml:channel name="Y" type="integer" min="-2.14748E9" max="2.14748E9" units="cm"/>
+        </inkml:traceFormat>
+        <inkml:channelProperties>
+          <inkml:channelProperty channel="X" name="resolution" value="1000" units="1/cm"/>
+          <inkml:channelProperty channel="Y" name="resolution" value="1000" units="1/cm"/>
+        </inkml:channelProperties>
+      </inkml:inkSource>
+      <inkml:timestamp xml:id="ts0" timeString="2021-11-12T15:31:15.300"/>
+    </inkml:context>
+    <inkml:brush xml:id="br0">
+      <inkml:brushProperty name="width" value="0.1" units="cm"/>
+      <inkml:brushProperty name="height" value="0.1" units="cm"/>
+      <inkml:brushProperty name="color" value="#E71224"/>
+      <inkml:brushProperty name="ignorePressure" value="1"/>
+    </inkml:brush>
+  </inkml:definitions>
+  <inkml:trace contextRef="#ctx0" brushRef="#br0">2337 1090,'-1250'-583,"170"80,1074 500</inkml:trace>
+</inkml:ink>
 </file>
 
 <file path=ppt/notesMasters/notesMaster1.xml><?xml version="1.0" encoding="utf-8"?>
@@ -1069,6 +1341,155 @@
           <a:lstStyle/>
           <a:p>
             <a:r>
+              <a:rPr lang="it-IT" dirty="0" err="1"/>
+              <a:t>Explain</a:t>
+            </a:r>
+            <a:r>
+              <a:rPr lang="it-IT" dirty="0"/>
+              <a:t> </a:t>
+            </a:r>
+            <a:r>
+              <a:rPr lang="it-IT" dirty="0" err="1"/>
+              <a:t>very</a:t>
+            </a:r>
+            <a:r>
+              <a:rPr lang="it-IT" dirty="0"/>
+              <a:t> </a:t>
+            </a:r>
+            <a:r>
+              <a:rPr lang="it-IT" dirty="0" err="1"/>
+              <a:t>briefly</a:t>
+            </a:r>
+            <a:r>
+              <a:rPr lang="it-IT" dirty="0"/>
+              <a:t> the theory </a:t>
+            </a:r>
+            <a:r>
+              <a:rPr lang="it-IT" dirty="0" err="1"/>
+              <a:t>you</a:t>
+            </a:r>
+            <a:r>
+              <a:rPr lang="it-IT" dirty="0"/>
+              <a:t> </a:t>
+            </a:r>
+            <a:r>
+              <a:rPr lang="it-IT" dirty="0" err="1"/>
+              <a:t>have</a:t>
+            </a:r>
+            <a:r>
+              <a:rPr lang="it-IT" dirty="0"/>
+              <a:t> </a:t>
+            </a:r>
+            <a:r>
+              <a:rPr lang="it-IT" dirty="0" err="1"/>
+              <a:t>based</a:t>
+            </a:r>
+            <a:r>
+              <a:rPr lang="it-IT" dirty="0"/>
+              <a:t> </a:t>
+            </a:r>
+            <a:r>
+              <a:rPr lang="it-IT" dirty="0" err="1"/>
+              <a:t>your</a:t>
+            </a:r>
+            <a:r>
+              <a:rPr lang="it-IT" dirty="0"/>
+              <a:t> </a:t>
+            </a:r>
+            <a:r>
+              <a:rPr lang="it-IT" dirty="0" err="1"/>
+              <a:t>solution</a:t>
+            </a:r>
+            <a:r>
+              <a:rPr lang="it-IT" dirty="0"/>
+              <a:t> on</a:t>
+            </a:r>
+            <a:endParaRPr lang="en-US" dirty="0"/>
+          </a:p>
+        </p:txBody>
+      </p:sp>
+      <p:sp>
+        <p:nvSpPr>
+          <p:cNvPr id="4" name="Segnaposto numero diapositiva 3"/>
+          <p:cNvSpPr>
+            <a:spLocks noGrp="1"/>
+          </p:cNvSpPr>
+          <p:nvPr>
+            <p:ph type="sldNum" sz="quarter" idx="5"/>
+          </p:nvPr>
+        </p:nvSpPr>
+        <p:spPr/>
+        <p:txBody>
+          <a:bodyPr/>
+          <a:lstStyle/>
+          <a:p>
+            <a:fld id="{E089B42F-5DF8-46B2-B64F-0F197D49EE0B}" type="slidenum">
+              <a:rPr lang="it-IT" altLang="it-IT" smtClean="0"/>
+              <a:pPr/>
+              <a:t>3</a:t>
+            </a:fld>
+            <a:endParaRPr lang="it-IT" altLang="it-IT"/>
+          </a:p>
+        </p:txBody>
+      </p:sp>
+    </p:spTree>
+    <p:extLst>
+      <p:ext uri="{BB962C8B-B14F-4D97-AF65-F5344CB8AC3E}">
+        <p14:creationId xmlns:p14="http://schemas.microsoft.com/office/powerpoint/2010/main" val="833391200"/>
+      </p:ext>
+    </p:extLst>
+  </p:cSld>
+  <p:clrMapOvr>
+    <a:masterClrMapping/>
+  </p:clrMapOvr>
+</p:notes>
+</file>
+
+<file path=ppt/notesSlides/notesSlide3.xml><?xml version="1.0" encoding="utf-8"?>
+<p:notes xmlns:a="http://schemas.openxmlformats.org/drawingml/2006/main" xmlns:r="http://schemas.openxmlformats.org/officeDocument/2006/relationships" xmlns:p="http://schemas.openxmlformats.org/presentationml/2006/main">
+  <p:cSld>
+    <p:spTree>
+      <p:nvGrpSpPr>
+        <p:cNvPr id="1" name=""/>
+        <p:cNvGrpSpPr/>
+        <p:nvPr/>
+      </p:nvGrpSpPr>
+      <p:grpSpPr>
+        <a:xfrm>
+          <a:off x="0" y="0"/>
+          <a:ext cx="0" cy="0"/>
+          <a:chOff x="0" y="0"/>
+          <a:chExt cx="0" cy="0"/>
+        </a:xfrm>
+      </p:grpSpPr>
+      <p:sp>
+        <p:nvSpPr>
+          <p:cNvPr id="2" name="Segnaposto immagine diapositiva 1"/>
+          <p:cNvSpPr>
+            <a:spLocks noGrp="1" noRot="1" noChangeAspect="1"/>
+          </p:cNvSpPr>
+          <p:nvPr>
+            <p:ph type="sldImg"/>
+          </p:nvPr>
+        </p:nvSpPr>
+        <p:spPr/>
+      </p:sp>
+      <p:sp>
+        <p:nvSpPr>
+          <p:cNvPr id="3" name="Segnaposto note 2"/>
+          <p:cNvSpPr>
+            <a:spLocks noGrp="1"/>
+          </p:cNvSpPr>
+          <p:nvPr>
+            <p:ph type="body" idx="1"/>
+          </p:nvPr>
+        </p:nvSpPr>
+        <p:spPr/>
+        <p:txBody>
+          <a:bodyPr/>
+          <a:lstStyle/>
+          <a:p>
+            <a:r>
               <a:rPr lang="it-IT" dirty="0"/>
               <a:t>Introduce strategies, </a:t>
             </a:r>
@@ -1110,7 +1531,7 @@
             <a:fld id="{E089B42F-5DF8-46B2-B64F-0F197D49EE0B}" type="slidenum">
               <a:rPr lang="it-IT" altLang="it-IT" smtClean="0"/>
               <a:pPr/>
-              <a:t>3</a:t>
+              <a:t>4</a:t>
             </a:fld>
             <a:endParaRPr lang="it-IT" altLang="it-IT"/>
           </a:p>
@@ -1120,6 +1541,119 @@
     <p:extLst>
       <p:ext uri="{BB962C8B-B14F-4D97-AF65-F5344CB8AC3E}">
         <p14:creationId xmlns:p14="http://schemas.microsoft.com/office/powerpoint/2010/main" val="1711727736"/>
+      </p:ext>
+    </p:extLst>
+  </p:cSld>
+  <p:clrMapOvr>
+    <a:masterClrMapping/>
+  </p:clrMapOvr>
+</p:notes>
+</file>
+
+<file path=ppt/notesSlides/notesSlide4.xml><?xml version="1.0" encoding="utf-8"?>
+<p:notes xmlns:a="http://schemas.openxmlformats.org/drawingml/2006/main" xmlns:r="http://schemas.openxmlformats.org/officeDocument/2006/relationships" xmlns:p="http://schemas.openxmlformats.org/presentationml/2006/main">
+  <p:cSld>
+    <p:spTree>
+      <p:nvGrpSpPr>
+        <p:cNvPr id="1" name=""/>
+        <p:cNvGrpSpPr/>
+        <p:nvPr/>
+      </p:nvGrpSpPr>
+      <p:grpSpPr>
+        <a:xfrm>
+          <a:off x="0" y="0"/>
+          <a:ext cx="0" cy="0"/>
+          <a:chOff x="0" y="0"/>
+          <a:chExt cx="0" cy="0"/>
+        </a:xfrm>
+      </p:grpSpPr>
+      <p:sp>
+        <p:nvSpPr>
+          <p:cNvPr id="2" name="Segnaposto immagine diapositiva 1"/>
+          <p:cNvSpPr>
+            <a:spLocks noGrp="1" noRot="1" noChangeAspect="1"/>
+          </p:cNvSpPr>
+          <p:nvPr>
+            <p:ph type="sldImg"/>
+          </p:nvPr>
+        </p:nvSpPr>
+        <p:spPr/>
+      </p:sp>
+      <p:sp>
+        <p:nvSpPr>
+          <p:cNvPr id="3" name="Segnaposto note 2"/>
+          <p:cNvSpPr>
+            <a:spLocks noGrp="1"/>
+          </p:cNvSpPr>
+          <p:nvPr>
+            <p:ph type="body" idx="1"/>
+          </p:nvPr>
+        </p:nvSpPr>
+        <p:spPr/>
+        <p:txBody>
+          <a:bodyPr/>
+          <a:lstStyle/>
+          <a:p>
+            <a:r>
+              <a:rPr lang="it-IT" dirty="0" err="1"/>
+              <a:t>Present</a:t>
+            </a:r>
+            <a:r>
+              <a:rPr lang="it-IT" dirty="0"/>
+              <a:t> data and </a:t>
+            </a:r>
+            <a:r>
+              <a:rPr lang="it-IT" dirty="0" err="1"/>
+              <a:t>explain</a:t>
+            </a:r>
+            <a:r>
+              <a:rPr lang="it-IT" dirty="0"/>
+              <a:t> </a:t>
+            </a:r>
+            <a:r>
+              <a:rPr lang="it-IT" dirty="0" err="1"/>
+              <a:t>your</a:t>
+            </a:r>
+            <a:r>
+              <a:rPr lang="it-IT" dirty="0"/>
+              <a:t> </a:t>
+            </a:r>
+            <a:r>
+              <a:rPr lang="it-IT"/>
+              <a:t>results</a:t>
+            </a:r>
+            <a:endParaRPr lang="en-US"/>
+          </a:p>
+        </p:txBody>
+      </p:sp>
+      <p:sp>
+        <p:nvSpPr>
+          <p:cNvPr id="4" name="Segnaposto numero diapositiva 3"/>
+          <p:cNvSpPr>
+            <a:spLocks noGrp="1"/>
+          </p:cNvSpPr>
+          <p:nvPr>
+            <p:ph type="sldNum" sz="quarter" idx="5"/>
+          </p:nvPr>
+        </p:nvSpPr>
+        <p:spPr/>
+        <p:txBody>
+          <a:bodyPr/>
+          <a:lstStyle/>
+          <a:p>
+            <a:fld id="{E089B42F-5DF8-46B2-B64F-0F197D49EE0B}" type="slidenum">
+              <a:rPr lang="it-IT" altLang="it-IT" smtClean="0"/>
+              <a:pPr/>
+              <a:t>5</a:t>
+            </a:fld>
+            <a:endParaRPr lang="it-IT" altLang="it-IT"/>
+          </a:p>
+        </p:txBody>
+      </p:sp>
+    </p:spTree>
+    <p:extLst>
+      <p:ext uri="{BB962C8B-B14F-4D97-AF65-F5344CB8AC3E}">
+        <p14:creationId xmlns:p14="http://schemas.microsoft.com/office/powerpoint/2010/main" val="260700886"/>
       </p:ext>
     </p:extLst>
   </p:cSld>
@@ -3602,21 +4136,8 @@
                   </a:outerShdw>
                 </a:effectLst>
               </a:rPr>
-              <a:t>21/11/2021</a:t>
+              <a:t>Date</a:t>
             </a:r>
-            <a:endParaRPr lang="it-IT" sz="3600" b="0" cap="none" spc="0" dirty="0">
-              <a:ln w="0"/>
-              <a:solidFill>
-                <a:schemeClr val="tx1"/>
-              </a:solidFill>
-              <a:effectLst>
-                <a:outerShdw blurRad="38100" dist="19050" dir="2700000" algn="tl" rotWithShape="0">
-                  <a:schemeClr val="dk1">
-                    <a:alpha val="40000"/>
-                  </a:schemeClr>
-                </a:outerShdw>
-              </a:effectLst>
-            </a:endParaRPr>
           </a:p>
           <a:p>
             <a:pPr algn="ctr"/>
@@ -3650,7 +4171,7 @@
                   </a:outerShdw>
                 </a:effectLst>
               </a:rPr>
-              <a:t> 3</a:t>
+              <a:t> #</a:t>
             </a:r>
           </a:p>
         </p:txBody>
@@ -4293,8 +4814,8 @@
         </p:nvSpPr>
         <p:spPr>
           <a:xfrm>
-            <a:off x="-96633" y="1002562"/>
-            <a:ext cx="9292930" cy="677108"/>
+            <a:off x="-103118" y="997020"/>
+            <a:ext cx="8828058" cy="646331"/>
           </a:xfrm>
           <a:prstGeom prst="rect">
             <a:avLst/>
@@ -4311,10 +4832,10 @@
           <a:p>
             <a:pPr algn="ctr"/>
             <a:r>
-              <a:rPr lang="it-IT" sz="3600" b="0" cap="none" spc="0" dirty="0">
+              <a:rPr lang="it-IT" sz="3600" b="0" dirty="0">
                 <a:ln w="0"/>
                 <a:solidFill>
-                  <a:schemeClr val="tx1"/>
+                  <a:schemeClr val="bg1"/>
                 </a:solidFill>
                 <a:effectLst>
                   <a:outerShdw blurRad="38100" dist="19050" dir="2700000" algn="tl" rotWithShape="0">
@@ -4324,87 +4845,23 @@
                   </a:outerShdw>
                 </a:effectLst>
               </a:rPr>
-              <a:t> </a:t>
+              <a:t> S</a:t>
             </a:r>
             <a:r>
-              <a:rPr lang="it-IT" sz="3800" b="0" cap="none" spc="0" dirty="0">
-                <a:ln w="0"/>
+              <a:rPr lang="en-US" sz="3600" b="0" dirty="0" err="1">
                 <a:solidFill>
                   <a:schemeClr val="bg1"/>
                 </a:solidFill>
-                <a:effectLst>
-                  <a:outerShdw blurRad="38100" dist="19050" dir="2700000" algn="tl" rotWithShape="0">
-                    <a:schemeClr val="dk1">
-                      <a:alpha val="40000"/>
-                    </a:schemeClr>
-                  </a:outerShdw>
-                </a:effectLst>
               </a:rPr>
-              <a:t>Scaling of the </a:t>
+              <a:t>caling</a:t>
             </a:r>
             <a:r>
-              <a:rPr lang="it-IT" sz="3800" b="0" cap="none" spc="0" dirty="0" err="1">
-                <a:ln w="0"/>
+              <a:rPr lang="en-US" sz="3600" b="0" dirty="0">
                 <a:solidFill>
                   <a:schemeClr val="bg1"/>
                 </a:solidFill>
-                <a:effectLst>
-                  <a:outerShdw blurRad="38100" dist="19050" dir="2700000" algn="tl" rotWithShape="0">
-                    <a:schemeClr val="dk1">
-                      <a:alpha val="40000"/>
-                    </a:schemeClr>
-                  </a:outerShdw>
-                </a:effectLst>
               </a:rPr>
-              <a:t>matrix</a:t>
-            </a:r>
-            <a:r>
-              <a:rPr lang="it-IT" sz="3800" b="0" dirty="0" err="1">
-                <a:ln w="0"/>
-                <a:solidFill>
-                  <a:schemeClr val="bg1"/>
-                </a:solidFill>
-                <a:effectLst>
-                  <a:outerShdw blurRad="38100" dist="19050" dir="2700000" algn="tl" rotWithShape="0">
-                    <a:schemeClr val="dk1">
-                      <a:alpha val="40000"/>
-                    </a:schemeClr>
-                  </a:outerShdw>
-                </a:effectLst>
-              </a:rPr>
-              <a:t>-matrix</a:t>
-            </a:r>
-            <a:r>
-              <a:rPr lang="it-IT" sz="3800" b="0" dirty="0">
-                <a:ln w="0"/>
-                <a:solidFill>
-                  <a:schemeClr val="bg1"/>
-                </a:solidFill>
-                <a:effectLst>
-                  <a:outerShdw blurRad="38100" dist="19050" dir="2700000" algn="tl" rotWithShape="0">
-                    <a:schemeClr val="dk1">
-                      <a:alpha val="40000"/>
-                    </a:schemeClr>
-                  </a:outerShdw>
-                </a:effectLst>
-              </a:rPr>
-              <a:t> </a:t>
-            </a:r>
-            <a:r>
-              <a:rPr lang="it-IT" sz="3800" b="0" dirty="0" err="1">
-                <a:ln w="0"/>
-                <a:solidFill>
-                  <a:schemeClr val="bg1"/>
-                </a:solidFill>
-                <a:effectLst>
-                  <a:outerShdw blurRad="38100" dist="19050" dir="2700000" algn="tl" rotWithShape="0">
-                    <a:schemeClr val="dk1">
-                      <a:alpha val="40000"/>
-                    </a:schemeClr>
-                  </a:outerShdw>
-                </a:effectLst>
-              </a:rPr>
-              <a:t>multiplication</a:t>
+              <a:t> of the matrix-matrix multiplication</a:t>
             </a:r>
             <a:r>
               <a:rPr lang="it-IT" sz="3600" b="0" cap="none" spc="0" dirty="0">
@@ -4425,6 +4882,1955 @@
           </a:p>
         </p:txBody>
       </p:sp>
+      <p:grpSp>
+        <p:nvGrpSpPr>
+          <p:cNvPr id="6" name="Gruppo 5">
+            <a:extLst>
+              <a:ext uri="{FF2B5EF4-FFF2-40B4-BE49-F238E27FC236}">
+                <a16:creationId xmlns:a16="http://schemas.microsoft.com/office/drawing/2014/main" id="{6199D53B-8A90-43F6-933B-2BF09EB59FF4}"/>
+              </a:ext>
+            </a:extLst>
+          </p:cNvPr>
+          <p:cNvGrpSpPr>
+            <a:grpSpLocks noChangeAspect="1"/>
+          </p:cNvGrpSpPr>
+          <p:nvPr/>
+        </p:nvGrpSpPr>
+        <p:grpSpPr>
+          <a:xfrm>
+            <a:off x="724710" y="2247084"/>
+            <a:ext cx="1352145" cy="1352145"/>
+            <a:chOff x="787941" y="2534056"/>
+            <a:chExt cx="2704287" cy="2704287"/>
+          </a:xfrm>
+        </p:grpSpPr>
+        <p:pic>
+          <p:nvPicPr>
+            <p:cNvPr id="7" name="Immagine 6">
+              <a:extLst>
+                <a:ext uri="{FF2B5EF4-FFF2-40B4-BE49-F238E27FC236}">
+                  <a16:creationId xmlns:a16="http://schemas.microsoft.com/office/drawing/2014/main" id="{13E5F721-987E-437E-97C8-0497674ED0AC}"/>
+                </a:ext>
+              </a:extLst>
+            </p:cNvPr>
+            <p:cNvPicPr>
+              <a:picLocks noChangeAspect="1"/>
+            </p:cNvPicPr>
+            <p:nvPr/>
+          </p:nvPicPr>
+          <p:blipFill>
+            <a:blip r:embed="rId3">
+              <a:extLst>
+                <a:ext uri="{28A0092B-C50C-407E-A947-70E740481C1C}">
+                  <a14:useLocalDpi xmlns:a14="http://schemas.microsoft.com/office/drawing/2010/main" val="0"/>
+                </a:ext>
+              </a:extLst>
+            </a:blip>
+            <a:stretch>
+              <a:fillRect/>
+            </a:stretch>
+          </p:blipFill>
+          <p:spPr>
+            <a:xfrm>
+              <a:off x="787941" y="2534056"/>
+              <a:ext cx="2704287" cy="2704287"/>
+            </a:xfrm>
+            <a:prstGeom prst="rect">
+              <a:avLst/>
+            </a:prstGeom>
+          </p:spPr>
+        </p:pic>
+        <mc:AlternateContent xmlns:mc="http://schemas.openxmlformats.org/markup-compatibility/2006">
+          <mc:Choice xmlns:p14="http://schemas.microsoft.com/office/powerpoint/2010/main" Requires="p14">
+            <p:contentPart p14:bwMode="auto" r:id="rId4">
+              <p14:nvContentPartPr>
+                <p14:cNvPr id="8" name="Input penna 7">
+                  <a:extLst>
+                    <a:ext uri="{FF2B5EF4-FFF2-40B4-BE49-F238E27FC236}">
+                      <a16:creationId xmlns:a16="http://schemas.microsoft.com/office/drawing/2014/main" id="{366DB20E-4B55-4286-8FE9-E69E196A37B8}"/>
+                    </a:ext>
+                  </a:extLst>
+                </p14:cNvPr>
+                <p14:cNvContentPartPr/>
+                <p14:nvPr/>
+              </p14:nvContentPartPr>
+              <p14:xfrm>
+                <a:off x="1312713" y="3116474"/>
+                <a:ext cx="1738800" cy="360"/>
+              </p14:xfrm>
+            </p:contentPart>
+          </mc:Choice>
+          <mc:Fallback>
+            <p:pic>
+              <p:nvPicPr>
+                <p:cNvPr id="8" name="Input penna 7">
+                  <a:extLst>
+                    <a:ext uri="{FF2B5EF4-FFF2-40B4-BE49-F238E27FC236}">
+                      <a16:creationId xmlns:a16="http://schemas.microsoft.com/office/drawing/2014/main" id="{366DB20E-4B55-4286-8FE9-E69E196A37B8}"/>
+                    </a:ext>
+                  </a:extLst>
+                </p:cNvPr>
+                <p:cNvPicPr/>
+                <p:nvPr/>
+              </p:nvPicPr>
+              <p:blipFill>
+                <a:blip r:embed="rId5"/>
+                <a:stretch>
+                  <a:fillRect/>
+                </a:stretch>
+              </p:blipFill>
+              <p:spPr>
+                <a:xfrm>
+                  <a:off x="1276728" y="3098474"/>
+                  <a:ext cx="1810050" cy="36000"/>
+                </a:xfrm>
+                <a:prstGeom prst="rect">
+                  <a:avLst/>
+                </a:prstGeom>
+              </p:spPr>
+            </p:pic>
+          </mc:Fallback>
+        </mc:AlternateContent>
+        <mc:AlternateContent xmlns:mc="http://schemas.openxmlformats.org/markup-compatibility/2006">
+          <mc:Choice xmlns:p14="http://schemas.microsoft.com/office/powerpoint/2010/main" Requires="p14">
+            <p:contentPart p14:bwMode="auto" r:id="rId6">
+              <p14:nvContentPartPr>
+                <p14:cNvPr id="9" name="Input penna 8">
+                  <a:extLst>
+                    <a:ext uri="{FF2B5EF4-FFF2-40B4-BE49-F238E27FC236}">
+                      <a16:creationId xmlns:a16="http://schemas.microsoft.com/office/drawing/2014/main" id="{357FF319-8536-4926-834A-0F8DE49B9772}"/>
+                    </a:ext>
+                  </a:extLst>
+                </p14:cNvPr>
+                <p14:cNvContentPartPr/>
+                <p14:nvPr/>
+              </p14:nvContentPartPr>
+              <p14:xfrm>
+                <a:off x="1341873" y="3933674"/>
+                <a:ext cx="1701360" cy="360"/>
+              </p14:xfrm>
+            </p:contentPart>
+          </mc:Choice>
+          <mc:Fallback>
+            <p:pic>
+              <p:nvPicPr>
+                <p:cNvPr id="9" name="Input penna 8">
+                  <a:extLst>
+                    <a:ext uri="{FF2B5EF4-FFF2-40B4-BE49-F238E27FC236}">
+                      <a16:creationId xmlns:a16="http://schemas.microsoft.com/office/drawing/2014/main" id="{357FF319-8536-4926-834A-0F8DE49B9772}"/>
+                    </a:ext>
+                  </a:extLst>
+                </p:cNvPr>
+                <p:cNvPicPr/>
+                <p:nvPr/>
+              </p:nvPicPr>
+              <p:blipFill>
+                <a:blip r:embed="rId7"/>
+                <a:stretch>
+                  <a:fillRect/>
+                </a:stretch>
+              </p:blipFill>
+              <p:spPr>
+                <a:xfrm>
+                  <a:off x="1305888" y="3915674"/>
+                  <a:ext cx="1772610" cy="36000"/>
+                </a:xfrm>
+                <a:prstGeom prst="rect">
+                  <a:avLst/>
+                </a:prstGeom>
+              </p:spPr>
+            </p:pic>
+          </mc:Fallback>
+        </mc:AlternateContent>
+        <mc:AlternateContent xmlns:mc="http://schemas.openxmlformats.org/markup-compatibility/2006">
+          <mc:Choice xmlns:p14="http://schemas.microsoft.com/office/powerpoint/2010/main" Requires="p14">
+            <p:contentPart p14:bwMode="auto" r:id="rId8">
+              <p14:nvContentPartPr>
+                <p14:cNvPr id="10" name="Input penna 9">
+                  <a:extLst>
+                    <a:ext uri="{FF2B5EF4-FFF2-40B4-BE49-F238E27FC236}">
+                      <a16:creationId xmlns:a16="http://schemas.microsoft.com/office/drawing/2014/main" id="{91C64F95-D404-4518-896A-C0DFC629DF03}"/>
+                    </a:ext>
+                  </a:extLst>
+                </p14:cNvPr>
+                <p14:cNvContentPartPr/>
+                <p14:nvPr/>
+              </p14:nvContentPartPr>
+              <p14:xfrm>
+                <a:off x="1346913" y="4736114"/>
+                <a:ext cx="1673280" cy="360"/>
+              </p14:xfrm>
+            </p:contentPart>
+          </mc:Choice>
+          <mc:Fallback>
+            <p:pic>
+              <p:nvPicPr>
+                <p:cNvPr id="10" name="Input penna 9">
+                  <a:extLst>
+                    <a:ext uri="{FF2B5EF4-FFF2-40B4-BE49-F238E27FC236}">
+                      <a16:creationId xmlns:a16="http://schemas.microsoft.com/office/drawing/2014/main" id="{91C64F95-D404-4518-896A-C0DFC629DF03}"/>
+                    </a:ext>
+                  </a:extLst>
+                </p:cNvPr>
+                <p:cNvPicPr/>
+                <p:nvPr/>
+              </p:nvPicPr>
+              <p:blipFill>
+                <a:blip r:embed="rId9"/>
+                <a:stretch>
+                  <a:fillRect/>
+                </a:stretch>
+              </p:blipFill>
+              <p:spPr>
+                <a:xfrm>
+                  <a:off x="1310913" y="4718114"/>
+                  <a:ext cx="1744560" cy="36000"/>
+                </a:xfrm>
+                <a:prstGeom prst="rect">
+                  <a:avLst/>
+                </a:prstGeom>
+              </p:spPr>
+            </p:pic>
+          </mc:Fallback>
+        </mc:AlternateContent>
+        <mc:AlternateContent xmlns:mc="http://schemas.openxmlformats.org/markup-compatibility/2006">
+          <mc:Choice xmlns:p14="http://schemas.microsoft.com/office/powerpoint/2010/main" Requires="p14">
+            <p:contentPart p14:bwMode="auto" r:id="rId10">
+              <p14:nvContentPartPr>
+                <p14:cNvPr id="11" name="Input penna 10">
+                  <a:extLst>
+                    <a:ext uri="{FF2B5EF4-FFF2-40B4-BE49-F238E27FC236}">
+                      <a16:creationId xmlns:a16="http://schemas.microsoft.com/office/drawing/2014/main" id="{C7588CFB-2E6F-4BD3-A8F3-D8B98B90D60C}"/>
+                    </a:ext>
+                  </a:extLst>
+                </p14:cNvPr>
+                <p14:cNvContentPartPr/>
+                <p14:nvPr/>
+              </p14:nvContentPartPr>
+              <p14:xfrm>
+                <a:off x="1323153" y="3949874"/>
+                <a:ext cx="1682280" cy="784440"/>
+              </p14:xfrm>
+            </p:contentPart>
+          </mc:Choice>
+          <mc:Fallback>
+            <p:pic>
+              <p:nvPicPr>
+                <p:cNvPr id="11" name="Input penna 10">
+                  <a:extLst>
+                    <a:ext uri="{FF2B5EF4-FFF2-40B4-BE49-F238E27FC236}">
+                      <a16:creationId xmlns:a16="http://schemas.microsoft.com/office/drawing/2014/main" id="{C7588CFB-2E6F-4BD3-A8F3-D8B98B90D60C}"/>
+                    </a:ext>
+                  </a:extLst>
+                </p:cNvPr>
+                <p:cNvPicPr/>
+                <p:nvPr/>
+              </p:nvPicPr>
+              <p:blipFill>
+                <a:blip r:embed="rId11"/>
+                <a:stretch>
+                  <a:fillRect/>
+                </a:stretch>
+              </p:blipFill>
+              <p:spPr>
+                <a:xfrm>
+                  <a:off x="1287161" y="3913891"/>
+                  <a:ext cx="1753545" cy="855687"/>
+                </a:xfrm>
+                <a:prstGeom prst="rect">
+                  <a:avLst/>
+                </a:prstGeom>
+              </p:spPr>
+            </p:pic>
+          </mc:Fallback>
+        </mc:AlternateContent>
+        <mc:AlternateContent xmlns:mc="http://schemas.openxmlformats.org/markup-compatibility/2006">
+          <mc:Choice xmlns:p14="http://schemas.microsoft.com/office/powerpoint/2010/main" Requires="p14">
+            <p:contentPart p14:bwMode="auto" r:id="rId12">
+              <p14:nvContentPartPr>
+                <p14:cNvPr id="12" name="Input penna 11">
+                  <a:extLst>
+                    <a:ext uri="{FF2B5EF4-FFF2-40B4-BE49-F238E27FC236}">
+                      <a16:creationId xmlns:a16="http://schemas.microsoft.com/office/drawing/2014/main" id="{12C1561D-2A46-412F-B6CA-D95381C13D27}"/>
+                    </a:ext>
+                  </a:extLst>
+                </p14:cNvPr>
+                <p14:cNvContentPartPr/>
+                <p14:nvPr/>
+              </p14:nvContentPartPr>
+              <p14:xfrm>
+                <a:off x="1325673" y="3147794"/>
+                <a:ext cx="1715400" cy="799920"/>
+              </p14:xfrm>
+            </p:contentPart>
+          </mc:Choice>
+          <mc:Fallback>
+            <p:pic>
+              <p:nvPicPr>
+                <p:cNvPr id="12" name="Input penna 11">
+                  <a:extLst>
+                    <a:ext uri="{FF2B5EF4-FFF2-40B4-BE49-F238E27FC236}">
+                      <a16:creationId xmlns:a16="http://schemas.microsoft.com/office/drawing/2014/main" id="{12C1561D-2A46-412F-B6CA-D95381C13D27}"/>
+                    </a:ext>
+                  </a:extLst>
+                </p:cNvPr>
+                <p:cNvPicPr/>
+                <p:nvPr/>
+              </p:nvPicPr>
+              <p:blipFill>
+                <a:blip r:embed="rId13"/>
+                <a:stretch>
+                  <a:fillRect/>
+                </a:stretch>
+              </p:blipFill>
+              <p:spPr>
+                <a:xfrm>
+                  <a:off x="1289681" y="3111826"/>
+                  <a:ext cx="1786665" cy="871136"/>
+                </a:xfrm>
+                <a:prstGeom prst="rect">
+                  <a:avLst/>
+                </a:prstGeom>
+              </p:spPr>
+            </p:pic>
+          </mc:Fallback>
+        </mc:AlternateContent>
+        <p:sp>
+          <p:nvSpPr>
+            <p:cNvPr id="13" name="Triangolo isoscele 12">
+              <a:extLst>
+                <a:ext uri="{FF2B5EF4-FFF2-40B4-BE49-F238E27FC236}">
+                  <a16:creationId xmlns:a16="http://schemas.microsoft.com/office/drawing/2014/main" id="{69A2F0D6-1AD0-44B2-BE86-D0B01D2E930E}"/>
+                </a:ext>
+              </a:extLst>
+            </p:cNvPr>
+            <p:cNvSpPr/>
+            <p:nvPr/>
+          </p:nvSpPr>
+          <p:spPr bwMode="auto">
+            <a:xfrm rot="5400000">
+              <a:off x="2924887" y="4623660"/>
+              <a:ext cx="184826" cy="224150"/>
+            </a:xfrm>
+            <a:prstGeom prst="triangle">
+              <a:avLst/>
+            </a:prstGeom>
+            <a:solidFill>
+              <a:srgbClr val="FF0000"/>
+            </a:solidFill>
+            <a:ln w="9525" cap="flat" cmpd="sng" algn="ctr">
+              <a:solidFill>
+                <a:srgbClr val="FF0000"/>
+              </a:solidFill>
+              <a:prstDash val="solid"/>
+              <a:round/>
+              <a:headEnd type="none" w="med" len="med"/>
+              <a:tailEnd type="none" w="med" len="med"/>
+            </a:ln>
+            <a:effectLst/>
+          </p:spPr>
+          <p:txBody>
+            <a:bodyPr vert="horz" wrap="square" lIns="91440" tIns="45720" rIns="91440" bIns="45720" numCol="1" rtlCol="0" anchor="t" anchorCtr="0" compatLnSpc="1">
+              <a:prstTxWarp prst="textNoShape">
+                <a:avLst/>
+              </a:prstTxWarp>
+            </a:bodyPr>
+            <a:lstStyle/>
+            <a:p>
+              <a:pPr marL="0" marR="0" indent="0" algn="l" defTabSz="914400" rtl="0" eaLnBrk="1" fontAlgn="base" latinLnBrk="0" hangingPunct="1">
+                <a:lnSpc>
+                  <a:spcPct val="100000"/>
+                </a:lnSpc>
+                <a:spcBef>
+                  <a:spcPct val="0"/>
+                </a:spcBef>
+                <a:spcAft>
+                  <a:spcPct val="0"/>
+                </a:spcAft>
+                <a:buClrTx/>
+                <a:buSzTx/>
+                <a:buFontTx/>
+                <a:buNone/>
+                <a:tabLst/>
+              </a:pPr>
+              <a:endParaRPr kumimoji="0" lang="en-US" sz="1800" b="1" i="0" u="none" strike="noStrike" cap="none" normalizeH="0" baseline="0">
+                <a:ln>
+                  <a:noFill/>
+                </a:ln>
+                <a:solidFill>
+                  <a:schemeClr val="tx1"/>
+                </a:solidFill>
+                <a:effectLst/>
+                <a:latin typeface="Arial" charset="0"/>
+              </a:endParaRPr>
+            </a:p>
+          </p:txBody>
+        </p:sp>
+      </p:grpSp>
+      <p:grpSp>
+        <p:nvGrpSpPr>
+          <p:cNvPr id="14" name="Gruppo 13">
+            <a:extLst>
+              <a:ext uri="{FF2B5EF4-FFF2-40B4-BE49-F238E27FC236}">
+                <a16:creationId xmlns:a16="http://schemas.microsoft.com/office/drawing/2014/main" id="{FE90A021-23D6-4FDD-A399-FE9514EF1860}"/>
+              </a:ext>
+            </a:extLst>
+          </p:cNvPr>
+          <p:cNvGrpSpPr>
+            <a:grpSpLocks noChangeAspect="1"/>
+          </p:cNvGrpSpPr>
+          <p:nvPr/>
+        </p:nvGrpSpPr>
+        <p:grpSpPr>
+          <a:xfrm rot="16200000" flipH="1">
+            <a:off x="3440191" y="2242215"/>
+            <a:ext cx="1352145" cy="1352145"/>
+            <a:chOff x="787941" y="2534056"/>
+            <a:chExt cx="2704287" cy="2704287"/>
+          </a:xfrm>
+        </p:grpSpPr>
+        <p:pic>
+          <p:nvPicPr>
+            <p:cNvPr id="15" name="Immagine 14">
+              <a:extLst>
+                <a:ext uri="{FF2B5EF4-FFF2-40B4-BE49-F238E27FC236}">
+                  <a16:creationId xmlns:a16="http://schemas.microsoft.com/office/drawing/2014/main" id="{031D3987-2E8B-480F-9C1B-181C0C88BF3D}"/>
+                </a:ext>
+              </a:extLst>
+            </p:cNvPr>
+            <p:cNvPicPr>
+              <a:picLocks noChangeAspect="1"/>
+            </p:cNvPicPr>
+            <p:nvPr/>
+          </p:nvPicPr>
+          <p:blipFill>
+            <a:blip r:embed="rId3">
+              <a:extLst>
+                <a:ext uri="{28A0092B-C50C-407E-A947-70E740481C1C}">
+                  <a14:useLocalDpi xmlns:a14="http://schemas.microsoft.com/office/drawing/2010/main" val="0"/>
+                </a:ext>
+              </a:extLst>
+            </a:blip>
+            <a:stretch>
+              <a:fillRect/>
+            </a:stretch>
+          </p:blipFill>
+          <p:spPr>
+            <a:xfrm>
+              <a:off x="787941" y="2534056"/>
+              <a:ext cx="2704287" cy="2704287"/>
+            </a:xfrm>
+            <a:prstGeom prst="rect">
+              <a:avLst/>
+            </a:prstGeom>
+          </p:spPr>
+        </p:pic>
+        <mc:AlternateContent xmlns:mc="http://schemas.openxmlformats.org/markup-compatibility/2006">
+          <mc:Choice xmlns:p14="http://schemas.microsoft.com/office/powerpoint/2010/main" Requires="p14">
+            <p:contentPart p14:bwMode="auto" r:id="rId14">
+              <p14:nvContentPartPr>
+                <p14:cNvPr id="16" name="Input penna 15">
+                  <a:extLst>
+                    <a:ext uri="{FF2B5EF4-FFF2-40B4-BE49-F238E27FC236}">
+                      <a16:creationId xmlns:a16="http://schemas.microsoft.com/office/drawing/2014/main" id="{9B385E72-6155-48F9-886C-2ECEEEAD18C9}"/>
+                    </a:ext>
+                  </a:extLst>
+                </p14:cNvPr>
+                <p14:cNvContentPartPr/>
+                <p14:nvPr/>
+              </p14:nvContentPartPr>
+              <p14:xfrm>
+                <a:off x="1312713" y="3116474"/>
+                <a:ext cx="1738800" cy="360"/>
+              </p14:xfrm>
+            </p:contentPart>
+          </mc:Choice>
+          <mc:Fallback>
+            <p:pic>
+              <p:nvPicPr>
+                <p:cNvPr id="16" name="Input penna 15">
+                  <a:extLst>
+                    <a:ext uri="{FF2B5EF4-FFF2-40B4-BE49-F238E27FC236}">
+                      <a16:creationId xmlns:a16="http://schemas.microsoft.com/office/drawing/2014/main" id="{9B385E72-6155-48F9-886C-2ECEEEAD18C9}"/>
+                    </a:ext>
+                  </a:extLst>
+                </p:cNvPr>
+                <p:cNvPicPr/>
+                <p:nvPr/>
+              </p:nvPicPr>
+              <p:blipFill>
+                <a:blip r:embed="rId15"/>
+                <a:stretch>
+                  <a:fillRect/>
+                </a:stretch>
+              </p:blipFill>
+              <p:spPr>
+                <a:xfrm>
+                  <a:off x="1276728" y="3098474"/>
+                  <a:ext cx="1810050" cy="36000"/>
+                </a:xfrm>
+                <a:prstGeom prst="rect">
+                  <a:avLst/>
+                </a:prstGeom>
+              </p:spPr>
+            </p:pic>
+          </mc:Fallback>
+        </mc:AlternateContent>
+        <mc:AlternateContent xmlns:mc="http://schemas.openxmlformats.org/markup-compatibility/2006">
+          <mc:Choice xmlns:p14="http://schemas.microsoft.com/office/powerpoint/2010/main" Requires="p14">
+            <p:contentPart p14:bwMode="auto" r:id="rId16">
+              <p14:nvContentPartPr>
+                <p14:cNvPr id="17" name="Input penna 16">
+                  <a:extLst>
+                    <a:ext uri="{FF2B5EF4-FFF2-40B4-BE49-F238E27FC236}">
+                      <a16:creationId xmlns:a16="http://schemas.microsoft.com/office/drawing/2014/main" id="{8567A7A0-79B0-4BA8-9053-F1B414267177}"/>
+                    </a:ext>
+                  </a:extLst>
+                </p14:cNvPr>
+                <p14:cNvContentPartPr/>
+                <p14:nvPr/>
+              </p14:nvContentPartPr>
+              <p14:xfrm>
+                <a:off x="1341873" y="3933674"/>
+                <a:ext cx="1701360" cy="360"/>
+              </p14:xfrm>
+            </p:contentPart>
+          </mc:Choice>
+          <mc:Fallback>
+            <p:pic>
+              <p:nvPicPr>
+                <p:cNvPr id="17" name="Input penna 16">
+                  <a:extLst>
+                    <a:ext uri="{FF2B5EF4-FFF2-40B4-BE49-F238E27FC236}">
+                      <a16:creationId xmlns:a16="http://schemas.microsoft.com/office/drawing/2014/main" id="{8567A7A0-79B0-4BA8-9053-F1B414267177}"/>
+                    </a:ext>
+                  </a:extLst>
+                </p:cNvPr>
+                <p:cNvPicPr/>
+                <p:nvPr/>
+              </p:nvPicPr>
+              <p:blipFill>
+                <a:blip r:embed="rId17"/>
+                <a:stretch>
+                  <a:fillRect/>
+                </a:stretch>
+              </p:blipFill>
+              <p:spPr>
+                <a:xfrm>
+                  <a:off x="1305888" y="3915674"/>
+                  <a:ext cx="1772610" cy="36000"/>
+                </a:xfrm>
+                <a:prstGeom prst="rect">
+                  <a:avLst/>
+                </a:prstGeom>
+              </p:spPr>
+            </p:pic>
+          </mc:Fallback>
+        </mc:AlternateContent>
+        <mc:AlternateContent xmlns:mc="http://schemas.openxmlformats.org/markup-compatibility/2006">
+          <mc:Choice xmlns:p14="http://schemas.microsoft.com/office/powerpoint/2010/main" Requires="p14">
+            <p:contentPart p14:bwMode="auto" r:id="rId18">
+              <p14:nvContentPartPr>
+                <p14:cNvPr id="18" name="Input penna 17">
+                  <a:extLst>
+                    <a:ext uri="{FF2B5EF4-FFF2-40B4-BE49-F238E27FC236}">
+                      <a16:creationId xmlns:a16="http://schemas.microsoft.com/office/drawing/2014/main" id="{1E9E1FD5-0F5D-4E14-9534-06E71ABE3456}"/>
+                    </a:ext>
+                  </a:extLst>
+                </p14:cNvPr>
+                <p14:cNvContentPartPr/>
+                <p14:nvPr/>
+              </p14:nvContentPartPr>
+              <p14:xfrm>
+                <a:off x="1346913" y="4736114"/>
+                <a:ext cx="1673280" cy="360"/>
+              </p14:xfrm>
+            </p:contentPart>
+          </mc:Choice>
+          <mc:Fallback>
+            <p:pic>
+              <p:nvPicPr>
+                <p:cNvPr id="18" name="Input penna 17">
+                  <a:extLst>
+                    <a:ext uri="{FF2B5EF4-FFF2-40B4-BE49-F238E27FC236}">
+                      <a16:creationId xmlns:a16="http://schemas.microsoft.com/office/drawing/2014/main" id="{1E9E1FD5-0F5D-4E14-9534-06E71ABE3456}"/>
+                    </a:ext>
+                  </a:extLst>
+                </p:cNvPr>
+                <p:cNvPicPr/>
+                <p:nvPr/>
+              </p:nvPicPr>
+              <p:blipFill>
+                <a:blip r:embed="rId19"/>
+                <a:stretch>
+                  <a:fillRect/>
+                </a:stretch>
+              </p:blipFill>
+              <p:spPr>
+                <a:xfrm>
+                  <a:off x="1310913" y="4718114"/>
+                  <a:ext cx="1744560" cy="36000"/>
+                </a:xfrm>
+                <a:prstGeom prst="rect">
+                  <a:avLst/>
+                </a:prstGeom>
+              </p:spPr>
+            </p:pic>
+          </mc:Fallback>
+        </mc:AlternateContent>
+        <mc:AlternateContent xmlns:mc="http://schemas.openxmlformats.org/markup-compatibility/2006">
+          <mc:Choice xmlns:p14="http://schemas.microsoft.com/office/powerpoint/2010/main" Requires="p14">
+            <p:contentPart p14:bwMode="auto" r:id="rId20">
+              <p14:nvContentPartPr>
+                <p14:cNvPr id="19" name="Input penna 18">
+                  <a:extLst>
+                    <a:ext uri="{FF2B5EF4-FFF2-40B4-BE49-F238E27FC236}">
+                      <a16:creationId xmlns:a16="http://schemas.microsoft.com/office/drawing/2014/main" id="{F9AE2D8A-FD75-41C2-878D-494BBE7DAB17}"/>
+                    </a:ext>
+                  </a:extLst>
+                </p14:cNvPr>
+                <p14:cNvContentPartPr/>
+                <p14:nvPr/>
+              </p14:nvContentPartPr>
+              <p14:xfrm>
+                <a:off x="1323153" y="3949874"/>
+                <a:ext cx="1682280" cy="784440"/>
+              </p14:xfrm>
+            </p:contentPart>
+          </mc:Choice>
+          <mc:Fallback>
+            <p:pic>
+              <p:nvPicPr>
+                <p:cNvPr id="19" name="Input penna 18">
+                  <a:extLst>
+                    <a:ext uri="{FF2B5EF4-FFF2-40B4-BE49-F238E27FC236}">
+                      <a16:creationId xmlns:a16="http://schemas.microsoft.com/office/drawing/2014/main" id="{F9AE2D8A-FD75-41C2-878D-494BBE7DAB17}"/>
+                    </a:ext>
+                  </a:extLst>
+                </p:cNvPr>
+                <p:cNvPicPr/>
+                <p:nvPr/>
+              </p:nvPicPr>
+              <p:blipFill>
+                <a:blip r:embed="rId21"/>
+                <a:stretch>
+                  <a:fillRect/>
+                </a:stretch>
+              </p:blipFill>
+              <p:spPr>
+                <a:xfrm>
+                  <a:off x="1287161" y="3913891"/>
+                  <a:ext cx="1753545" cy="855687"/>
+                </a:xfrm>
+                <a:prstGeom prst="rect">
+                  <a:avLst/>
+                </a:prstGeom>
+              </p:spPr>
+            </p:pic>
+          </mc:Fallback>
+        </mc:AlternateContent>
+        <mc:AlternateContent xmlns:mc="http://schemas.openxmlformats.org/markup-compatibility/2006">
+          <mc:Choice xmlns:p14="http://schemas.microsoft.com/office/powerpoint/2010/main" Requires="p14">
+            <p:contentPart p14:bwMode="auto" r:id="rId22">
+              <p14:nvContentPartPr>
+                <p14:cNvPr id="20" name="Input penna 19">
+                  <a:extLst>
+                    <a:ext uri="{FF2B5EF4-FFF2-40B4-BE49-F238E27FC236}">
+                      <a16:creationId xmlns:a16="http://schemas.microsoft.com/office/drawing/2014/main" id="{E9C701E6-C44A-4B4A-B736-294DDA975E51}"/>
+                    </a:ext>
+                  </a:extLst>
+                </p14:cNvPr>
+                <p14:cNvContentPartPr/>
+                <p14:nvPr/>
+              </p14:nvContentPartPr>
+              <p14:xfrm>
+                <a:off x="1325673" y="3147794"/>
+                <a:ext cx="1715400" cy="799920"/>
+              </p14:xfrm>
+            </p:contentPart>
+          </mc:Choice>
+          <mc:Fallback>
+            <p:pic>
+              <p:nvPicPr>
+                <p:cNvPr id="20" name="Input penna 19">
+                  <a:extLst>
+                    <a:ext uri="{FF2B5EF4-FFF2-40B4-BE49-F238E27FC236}">
+                      <a16:creationId xmlns:a16="http://schemas.microsoft.com/office/drawing/2014/main" id="{E9C701E6-C44A-4B4A-B736-294DDA975E51}"/>
+                    </a:ext>
+                  </a:extLst>
+                </p:cNvPr>
+                <p:cNvPicPr/>
+                <p:nvPr/>
+              </p:nvPicPr>
+              <p:blipFill>
+                <a:blip r:embed="rId23"/>
+                <a:stretch>
+                  <a:fillRect/>
+                </a:stretch>
+              </p:blipFill>
+              <p:spPr>
+                <a:xfrm>
+                  <a:off x="1289681" y="3111826"/>
+                  <a:ext cx="1786665" cy="871136"/>
+                </a:xfrm>
+                <a:prstGeom prst="rect">
+                  <a:avLst/>
+                </a:prstGeom>
+              </p:spPr>
+            </p:pic>
+          </mc:Fallback>
+        </mc:AlternateContent>
+        <p:sp>
+          <p:nvSpPr>
+            <p:cNvPr id="21" name="Triangolo isoscele 20">
+              <a:extLst>
+                <a:ext uri="{FF2B5EF4-FFF2-40B4-BE49-F238E27FC236}">
+                  <a16:creationId xmlns:a16="http://schemas.microsoft.com/office/drawing/2014/main" id="{76691B7C-BE67-4C3A-9BD9-9A4CEC405EA0}"/>
+                </a:ext>
+              </a:extLst>
+            </p:cNvPr>
+            <p:cNvSpPr/>
+            <p:nvPr/>
+          </p:nvSpPr>
+          <p:spPr bwMode="auto">
+            <a:xfrm rot="5400000">
+              <a:off x="2924887" y="4623660"/>
+              <a:ext cx="184826" cy="224150"/>
+            </a:xfrm>
+            <a:prstGeom prst="triangle">
+              <a:avLst/>
+            </a:prstGeom>
+            <a:solidFill>
+              <a:srgbClr val="FF0000"/>
+            </a:solidFill>
+            <a:ln w="9525" cap="flat" cmpd="sng" algn="ctr">
+              <a:solidFill>
+                <a:srgbClr val="FF0000"/>
+              </a:solidFill>
+              <a:prstDash val="solid"/>
+              <a:round/>
+              <a:headEnd type="none" w="med" len="med"/>
+              <a:tailEnd type="none" w="med" len="med"/>
+            </a:ln>
+            <a:effectLst/>
+          </p:spPr>
+          <p:txBody>
+            <a:bodyPr vert="horz" wrap="square" lIns="91440" tIns="45720" rIns="91440" bIns="45720" numCol="1" rtlCol="0" anchor="t" anchorCtr="0" compatLnSpc="1">
+              <a:prstTxWarp prst="textNoShape">
+                <a:avLst/>
+              </a:prstTxWarp>
+            </a:bodyPr>
+            <a:lstStyle/>
+            <a:p>
+              <a:pPr marL="0" marR="0" indent="0" algn="l" defTabSz="914400" rtl="0" eaLnBrk="1" fontAlgn="base" latinLnBrk="0" hangingPunct="1">
+                <a:lnSpc>
+                  <a:spcPct val="100000"/>
+                </a:lnSpc>
+                <a:spcBef>
+                  <a:spcPct val="0"/>
+                </a:spcBef>
+                <a:spcAft>
+                  <a:spcPct val="0"/>
+                </a:spcAft>
+                <a:buClrTx/>
+                <a:buSzTx/>
+                <a:buFontTx/>
+                <a:buNone/>
+                <a:tabLst/>
+              </a:pPr>
+              <a:endParaRPr kumimoji="0" lang="en-US" sz="1800" b="1" i="0" u="none" strike="noStrike" cap="none" normalizeH="0" baseline="0">
+                <a:ln>
+                  <a:noFill/>
+                </a:ln>
+                <a:solidFill>
+                  <a:schemeClr val="tx1"/>
+                </a:solidFill>
+                <a:effectLst/>
+                <a:latin typeface="Arial" charset="0"/>
+              </a:endParaRPr>
+            </a:p>
+          </p:txBody>
+        </p:sp>
+      </p:grpSp>
+      <p:sp>
+        <p:nvSpPr>
+          <p:cNvPr id="3" name="CasellaDiTesto 2">
+            <a:extLst>
+              <a:ext uri="{FF2B5EF4-FFF2-40B4-BE49-F238E27FC236}">
+                <a16:creationId xmlns:a16="http://schemas.microsoft.com/office/drawing/2014/main" id="{58DCD21B-E3AD-4470-957D-970842059B6C}"/>
+              </a:ext>
+            </a:extLst>
+          </p:cNvPr>
+          <p:cNvSpPr txBox="1"/>
+          <p:nvPr/>
+        </p:nvSpPr>
+        <p:spPr bwMode="auto">
+          <a:xfrm>
+            <a:off x="724710" y="3482584"/>
+            <a:ext cx="2178996" cy="919264"/>
+          </a:xfrm>
+          <a:prstGeom prst="rect">
+            <a:avLst/>
+          </a:prstGeom>
+          <a:noFill/>
+          <a:ln>
+            <a:noFill/>
+          </a:ln>
+          <a:extLst>
+            <a:ext uri="{909E8E84-426E-40DD-AFC4-6F175D3DCCD1}">
+              <a14:hiddenFill xmlns:a14="http://schemas.microsoft.com/office/drawing/2010/main">
+                <a:solidFill>
+                  <a:srgbClr val="FFFFFF"/>
+                </a:solidFill>
+              </a14:hiddenFill>
+            </a:ext>
+            <a:ext uri="{91240B29-F687-4F45-9708-019B960494DF}">
+              <a14:hiddenLine xmlns:a14="http://schemas.microsoft.com/office/drawing/2010/main" w="9525">
+                <a:solidFill>
+                  <a:srgbClr val="000000"/>
+                </a:solidFill>
+                <a:miter lim="800000"/>
+                <a:headEnd/>
+                <a:tailEnd/>
+              </a14:hiddenLine>
+            </a:ext>
+          </a:extLst>
+        </p:spPr>
+        <p:txBody>
+          <a:bodyPr wrap="square" tIns="180000" rIns="216000" rtlCol="0" anchor="ctr" anchorCtr="0">
+            <a:noAutofit/>
+          </a:bodyPr>
+          <a:lstStyle/>
+          <a:p>
+            <a:pPr eaLnBrk="1" hangingPunct="1"/>
+            <a:r>
+              <a:rPr lang="it-IT" sz="2000" b="0" dirty="0"/>
+              <a:t>Loop </a:t>
+            </a:r>
+            <a:r>
+              <a:rPr lang="it-IT" sz="2000" b="0" dirty="0" err="1"/>
+              <a:t>method</a:t>
+            </a:r>
+            <a:endParaRPr lang="en-US" sz="2000" b="0" dirty="0"/>
+          </a:p>
+        </p:txBody>
+      </p:sp>
+      <p:sp>
+        <p:nvSpPr>
+          <p:cNvPr id="23" name="CasellaDiTesto 22">
+            <a:extLst>
+              <a:ext uri="{FF2B5EF4-FFF2-40B4-BE49-F238E27FC236}">
+                <a16:creationId xmlns:a16="http://schemas.microsoft.com/office/drawing/2014/main" id="{8FB2B451-4D6F-4E4A-8022-B49B00349CAB}"/>
+              </a:ext>
+            </a:extLst>
+          </p:cNvPr>
+          <p:cNvSpPr txBox="1"/>
+          <p:nvPr/>
+        </p:nvSpPr>
+        <p:spPr bwMode="auto">
+          <a:xfrm>
+            <a:off x="3440191" y="3803596"/>
+            <a:ext cx="2396405" cy="919264"/>
+          </a:xfrm>
+          <a:prstGeom prst="rect">
+            <a:avLst/>
+          </a:prstGeom>
+          <a:noFill/>
+          <a:ln>
+            <a:noFill/>
+          </a:ln>
+          <a:extLst>
+            <a:ext uri="{909E8E84-426E-40DD-AFC4-6F175D3DCCD1}">
+              <a14:hiddenFill xmlns:a14="http://schemas.microsoft.com/office/drawing/2010/main">
+                <a:solidFill>
+                  <a:srgbClr val="FFFFFF"/>
+                </a:solidFill>
+              </a14:hiddenFill>
+            </a:ext>
+            <a:ext uri="{91240B29-F687-4F45-9708-019B960494DF}">
+              <a14:hiddenLine xmlns:a14="http://schemas.microsoft.com/office/drawing/2010/main" w="9525">
+                <a:solidFill>
+                  <a:srgbClr val="000000"/>
+                </a:solidFill>
+                <a:miter lim="800000"/>
+                <a:headEnd/>
+                <a:tailEnd/>
+              </a14:hiddenLine>
+            </a:ext>
+          </a:extLst>
+        </p:spPr>
+        <p:txBody>
+          <a:bodyPr wrap="square" tIns="180000" rIns="216000" rtlCol="0" anchor="ctr" anchorCtr="0">
+            <a:noAutofit/>
+          </a:bodyPr>
+          <a:lstStyle/>
+          <a:p>
+            <a:pPr eaLnBrk="1" hangingPunct="1"/>
+            <a:r>
+              <a:rPr lang="it-IT" sz="2000" b="0" dirty="0"/>
+              <a:t>Loop2 </a:t>
+            </a:r>
+            <a:r>
+              <a:rPr lang="it-IT" sz="2000" b="0" dirty="0" err="1"/>
+              <a:t>method</a:t>
+            </a:r>
+            <a:endParaRPr lang="it-IT" sz="2000" b="0" dirty="0"/>
+          </a:p>
+          <a:p>
+            <a:pPr eaLnBrk="1" hangingPunct="1"/>
+            <a:r>
+              <a:rPr lang="it-IT" sz="2000" b="0" dirty="0"/>
+              <a:t>(</a:t>
+            </a:r>
+            <a:r>
+              <a:rPr lang="it-IT" sz="2000" b="0" dirty="0" err="1"/>
+              <a:t>not</a:t>
+            </a:r>
+            <a:r>
+              <a:rPr lang="it-IT" sz="2000" b="0" dirty="0"/>
+              <a:t> </a:t>
+            </a:r>
+            <a:r>
+              <a:rPr lang="it-IT" sz="2000" b="0" dirty="0" err="1"/>
+              <a:t>chache</a:t>
+            </a:r>
+            <a:r>
+              <a:rPr lang="it-IT" sz="2000" b="0" dirty="0"/>
+              <a:t> </a:t>
+            </a:r>
+            <a:r>
+              <a:rPr lang="it-IT" sz="2000" b="0" dirty="0" err="1"/>
+              <a:t>optimized</a:t>
+            </a:r>
+            <a:r>
+              <a:rPr lang="it-IT" sz="2000" b="0" dirty="0"/>
+              <a:t>)</a:t>
+            </a:r>
+            <a:endParaRPr lang="en-US" sz="2000" b="0" dirty="0"/>
+          </a:p>
+        </p:txBody>
+      </p:sp>
+      <p:pic>
+        <p:nvPicPr>
+          <p:cNvPr id="5" name="Immagine 4">
+            <a:extLst>
+              <a:ext uri="{FF2B5EF4-FFF2-40B4-BE49-F238E27FC236}">
+                <a16:creationId xmlns:a16="http://schemas.microsoft.com/office/drawing/2014/main" id="{4726A3B3-19DF-48BE-8DE9-676AAE3668B4}"/>
+              </a:ext>
+            </a:extLst>
+          </p:cNvPr>
+          <p:cNvPicPr>
+            <a:picLocks noChangeAspect="1"/>
+          </p:cNvPicPr>
+          <p:nvPr/>
+        </p:nvPicPr>
+        <p:blipFill>
+          <a:blip r:embed="rId24">
+            <a:extLst>
+              <a:ext uri="{28A0092B-C50C-407E-A947-70E740481C1C}">
+                <a14:useLocalDpi xmlns:a14="http://schemas.microsoft.com/office/drawing/2010/main" val="0"/>
+              </a:ext>
+            </a:extLst>
+          </a:blip>
+          <a:stretch>
+            <a:fillRect/>
+          </a:stretch>
+        </p:blipFill>
+        <p:spPr>
+          <a:xfrm>
+            <a:off x="6410527" y="2242214"/>
+            <a:ext cx="1352144" cy="1352144"/>
+          </a:xfrm>
+          <a:prstGeom prst="rect">
+            <a:avLst/>
+          </a:prstGeom>
+        </p:spPr>
+      </p:pic>
+      <p:sp>
+        <p:nvSpPr>
+          <p:cNvPr id="27" name="CasellaDiTesto 26">
+            <a:extLst>
+              <a:ext uri="{FF2B5EF4-FFF2-40B4-BE49-F238E27FC236}">
+                <a16:creationId xmlns:a16="http://schemas.microsoft.com/office/drawing/2014/main" id="{BE0764D1-974D-429F-B70C-CAA5937E9C08}"/>
+              </a:ext>
+            </a:extLst>
+          </p:cNvPr>
+          <p:cNvSpPr txBox="1"/>
+          <p:nvPr/>
+        </p:nvSpPr>
+        <p:spPr bwMode="auto">
+          <a:xfrm>
+            <a:off x="6334162" y="3796387"/>
+            <a:ext cx="2390777" cy="1200329"/>
+          </a:xfrm>
+          <a:prstGeom prst="rect">
+            <a:avLst/>
+          </a:prstGeom>
+          <a:noFill/>
+          <a:ln>
+            <a:noFill/>
+          </a:ln>
+          <a:extLst>
+            <a:ext uri="{909E8E84-426E-40DD-AFC4-6F175D3DCCD1}">
+              <a14:hiddenFill xmlns:a14="http://schemas.microsoft.com/office/drawing/2010/main">
+                <a:solidFill>
+                  <a:srgbClr val="FFFFFF"/>
+                </a:solidFill>
+              </a14:hiddenFill>
+            </a:ext>
+            <a:ext uri="{91240B29-F687-4F45-9708-019B960494DF}">
+              <a14:hiddenLine xmlns:a14="http://schemas.microsoft.com/office/drawing/2010/main" w="9525">
+                <a:solidFill>
+                  <a:srgbClr val="000000"/>
+                </a:solidFill>
+                <a:miter lim="800000"/>
+                <a:headEnd/>
+                <a:tailEnd/>
+              </a14:hiddenLine>
+            </a:ext>
+          </a:extLst>
+        </p:spPr>
+        <p:txBody>
+          <a:bodyPr wrap="square">
+            <a:spAutoFit/>
+          </a:bodyPr>
+          <a:lstStyle/>
+          <a:p>
+            <a:pPr eaLnBrk="1" hangingPunct="1"/>
+            <a:r>
+              <a:rPr lang="it-IT" b="0" dirty="0" err="1">
+                <a:latin typeface="Courier New" panose="02070309020205020404" pitchFamily="49" charset="0"/>
+                <a:cs typeface="Courier New" panose="02070309020205020404" pitchFamily="49" charset="0"/>
+              </a:rPr>
+              <a:t>matmul</a:t>
+            </a:r>
+            <a:r>
+              <a:rPr lang="it-IT" b="0" dirty="0">
+                <a:latin typeface="Courier New" panose="02070309020205020404" pitchFamily="49" charset="0"/>
+                <a:cs typeface="Courier New" panose="02070309020205020404" pitchFamily="49" charset="0"/>
+              </a:rPr>
+              <a:t>(A,B)</a:t>
+            </a:r>
+          </a:p>
+          <a:p>
+            <a:pPr eaLnBrk="1" hangingPunct="1"/>
+            <a:endParaRPr lang="it-IT" sz="1800" b="0" dirty="0"/>
+          </a:p>
+          <a:p>
+            <a:pPr eaLnBrk="1" hangingPunct="1"/>
+            <a:r>
+              <a:rPr lang="it-IT" b="0" dirty="0" err="1"/>
+              <a:t>May</a:t>
+            </a:r>
+            <a:r>
+              <a:rPr lang="it-IT" b="0" dirty="0"/>
+              <a:t> use </a:t>
+            </a:r>
+            <a:r>
+              <a:rPr lang="it-IT" b="0" dirty="0" err="1"/>
+              <a:t>Strassen</a:t>
+            </a:r>
+            <a:r>
+              <a:rPr lang="it-IT" b="0" dirty="0"/>
+              <a:t> </a:t>
+            </a:r>
+            <a:r>
+              <a:rPr lang="it-IT" b="0" dirty="0" err="1"/>
+              <a:t>algorithm</a:t>
+            </a:r>
+            <a:r>
+              <a:rPr lang="it-IT" b="0" dirty="0"/>
+              <a:t> [1]</a:t>
+            </a:r>
+            <a:endParaRPr lang="en-US" sz="1800" b="0" dirty="0"/>
+          </a:p>
+        </p:txBody>
+      </p:sp>
+      <mc:AlternateContent xmlns:mc="http://schemas.openxmlformats.org/markup-compatibility/2006">
+        <mc:Choice xmlns:a14="http://schemas.microsoft.com/office/drawing/2010/main" Requires="a14">
+          <p:sp>
+            <p:nvSpPr>
+              <p:cNvPr id="24" name="CasellaDiTesto 23">
+                <a:extLst>
+                  <a:ext uri="{FF2B5EF4-FFF2-40B4-BE49-F238E27FC236}">
+                    <a16:creationId xmlns:a16="http://schemas.microsoft.com/office/drawing/2014/main" id="{B08BF652-A5F6-425D-9B10-72548463F7DC}"/>
+                  </a:ext>
+                </a:extLst>
+              </p:cNvPr>
+              <p:cNvSpPr txBox="1"/>
+              <p:nvPr/>
+            </p:nvSpPr>
+            <p:spPr bwMode="auto">
+              <a:xfrm>
+                <a:off x="724710" y="5019561"/>
+                <a:ext cx="914400" cy="914400"/>
+              </a:xfrm>
+              <a:prstGeom prst="rect">
+                <a:avLst/>
+              </a:prstGeom>
+              <a:noFill/>
+              <a:ln>
+                <a:noFill/>
+              </a:ln>
+              <a:extLst>
+                <a:ext uri="{909E8E84-426E-40DD-AFC4-6F175D3DCCD1}">
+                  <a14:hiddenFill>
+                    <a:solidFill>
+                      <a:srgbClr val="FFFFFF"/>
+                    </a:solidFill>
+                  </a14:hiddenFill>
+                </a:ext>
+                <a:ext uri="{91240B29-F687-4F45-9708-019B960494DF}">
+                  <a14:hiddenLine w="9525">
+                    <a:solidFill>
+                      <a:srgbClr val="000000"/>
+                    </a:solidFill>
+                    <a:miter lim="800000"/>
+                    <a:headEnd/>
+                    <a:tailEnd/>
+                  </a14:hiddenLine>
+                </a:ext>
+              </a:extLst>
+            </p:spPr>
+            <p:txBody>
+              <a:bodyPr wrap="none" lIns="0" tIns="0" rIns="0" bIns="0" rtlCol="0" anchor="ctr" anchorCtr="0">
+                <a:noAutofit/>
+              </a:bodyPr>
+              <a:lstStyle/>
+              <a:p>
+                <a:pPr algn="r" eaLnBrk="1" hangingPunct="1"/>
+                <a14:m>
+                  <m:oMathPara xmlns:m="http://schemas.openxmlformats.org/officeDocument/2006/math">
+                    <m:oMathParaPr>
+                      <m:jc m:val="centerGroup"/>
+                    </m:oMathParaPr>
+                    <m:oMath xmlns:m="http://schemas.openxmlformats.org/officeDocument/2006/math">
+                      <m:r>
+                        <a:rPr lang="it-IT" sz="2800" b="0" i="1" smtClean="0">
+                          <a:solidFill>
+                            <a:schemeClr val="tx1"/>
+                          </a:solidFill>
+                          <a:latin typeface="Cambria Math" panose="02040503050406030204" pitchFamily="18" charset="0"/>
+                        </a:rPr>
+                        <m:t>𝑂</m:t>
+                      </m:r>
+                      <m:r>
+                        <a:rPr lang="it-IT" sz="2800" b="0" i="1" smtClean="0">
+                          <a:solidFill>
+                            <a:schemeClr val="tx1"/>
+                          </a:solidFill>
+                          <a:latin typeface="Cambria Math" panose="02040503050406030204" pitchFamily="18" charset="0"/>
+                        </a:rPr>
+                        <m:t>(</m:t>
+                      </m:r>
+                      <m:sSup>
+                        <m:sSupPr>
+                          <m:ctrlPr>
+                            <a:rPr lang="it-IT" sz="2800" b="0" i="1" smtClean="0">
+                              <a:solidFill>
+                                <a:schemeClr val="tx1"/>
+                              </a:solidFill>
+                              <a:latin typeface="Cambria Math" panose="02040503050406030204" pitchFamily="18" charset="0"/>
+                            </a:rPr>
+                          </m:ctrlPr>
+                        </m:sSupPr>
+                        <m:e>
+                          <m:r>
+                            <a:rPr lang="it-IT" sz="2800" b="0" i="1" smtClean="0">
+                              <a:solidFill>
+                                <a:schemeClr val="tx1"/>
+                              </a:solidFill>
+                              <a:latin typeface="Cambria Math" panose="02040503050406030204" pitchFamily="18" charset="0"/>
+                            </a:rPr>
+                            <m:t>𝑁</m:t>
+                          </m:r>
+                        </m:e>
+                        <m:sup>
+                          <m:r>
+                            <a:rPr lang="it-IT" sz="2800" b="0" i="1" smtClean="0">
+                              <a:solidFill>
+                                <a:schemeClr val="tx1"/>
+                              </a:solidFill>
+                              <a:latin typeface="Cambria Math" panose="02040503050406030204" pitchFamily="18" charset="0"/>
+                            </a:rPr>
+                            <m:t>3</m:t>
+                          </m:r>
+                        </m:sup>
+                      </m:sSup>
+                      <m:r>
+                        <a:rPr lang="it-IT" sz="2800" b="0" i="1" smtClean="0">
+                          <a:solidFill>
+                            <a:schemeClr val="tx1"/>
+                          </a:solidFill>
+                          <a:latin typeface="Cambria Math" panose="02040503050406030204" pitchFamily="18" charset="0"/>
+                        </a:rPr>
+                        <m:t>)</m:t>
+                      </m:r>
+                    </m:oMath>
+                  </m:oMathPara>
+                </a14:m>
+                <a:endParaRPr lang="en-US" sz="2800" b="0" dirty="0">
+                  <a:solidFill>
+                    <a:schemeClr val="bg1"/>
+                  </a:solidFill>
+                </a:endParaRPr>
+              </a:p>
+            </p:txBody>
+          </p:sp>
+        </mc:Choice>
+        <mc:Fallback>
+          <p:sp>
+            <p:nvSpPr>
+              <p:cNvPr id="24" name="CasellaDiTesto 23">
+                <a:extLst>
+                  <a:ext uri="{FF2B5EF4-FFF2-40B4-BE49-F238E27FC236}">
+                    <a16:creationId xmlns:a16="http://schemas.microsoft.com/office/drawing/2014/main" id="{B08BF652-A5F6-425D-9B10-72548463F7DC}"/>
+                  </a:ext>
+                </a:extLst>
+              </p:cNvPr>
+              <p:cNvSpPr txBox="1">
+                <a:spLocks noRot="1" noChangeAspect="1" noMove="1" noResize="1" noEditPoints="1" noAdjustHandles="1" noChangeArrowheads="1" noChangeShapeType="1" noTextEdit="1"/>
+              </p:cNvSpPr>
+              <p:nvPr/>
+            </p:nvSpPr>
+            <p:spPr bwMode="auto">
+              <a:xfrm>
+                <a:off x="724710" y="5019561"/>
+                <a:ext cx="914400" cy="914400"/>
+              </a:xfrm>
+              <a:prstGeom prst="rect">
+                <a:avLst/>
+              </a:prstGeom>
+              <a:blipFill>
+                <a:blip r:embed="rId25"/>
+                <a:stretch>
+                  <a:fillRect r="-4667"/>
+                </a:stretch>
+              </a:blipFill>
+              <a:ln>
+                <a:noFill/>
+              </a:ln>
+              <a:extLst>
+                <a:ext uri="{909E8E84-426E-40DD-AFC4-6F175D3DCCD1}">
+                  <a14:hiddenFill xmlns:a14="http://schemas.microsoft.com/office/drawing/2010/main">
+                    <a:solidFill>
+                      <a:srgbClr val="FFFFFF"/>
+                    </a:solidFill>
+                  </a14:hiddenFill>
+                </a:ext>
+                <a:ext uri="{91240B29-F687-4F45-9708-019B960494DF}">
+                  <a14:hiddenLine xmlns:a14="http://schemas.microsoft.com/office/drawing/2010/main" w="9525">
+                    <a:solidFill>
+                      <a:srgbClr val="000000"/>
+                    </a:solidFill>
+                    <a:miter lim="800000"/>
+                    <a:headEnd/>
+                    <a:tailEnd/>
+                  </a14:hiddenLine>
+                </a:ext>
+              </a:extLst>
+            </p:spPr>
+            <p:txBody>
+              <a:bodyPr/>
+              <a:lstStyle/>
+              <a:p>
+                <a:r>
+                  <a:rPr lang="en-US">
+                    <a:noFill/>
+                  </a:rPr>
+                  <a:t> </a:t>
+                </a:r>
+              </a:p>
+            </p:txBody>
+          </p:sp>
+        </mc:Fallback>
+      </mc:AlternateContent>
+      <mc:AlternateContent xmlns:mc="http://schemas.openxmlformats.org/markup-compatibility/2006">
+        <mc:Choice xmlns:a14="http://schemas.microsoft.com/office/drawing/2010/main" Requires="a14">
+          <p:sp>
+            <p:nvSpPr>
+              <p:cNvPr id="29" name="CasellaDiTesto 28">
+                <a:extLst>
+                  <a:ext uri="{FF2B5EF4-FFF2-40B4-BE49-F238E27FC236}">
+                    <a16:creationId xmlns:a16="http://schemas.microsoft.com/office/drawing/2014/main" id="{08FF4D0F-CC39-4266-9AAE-5F86CB607FE1}"/>
+                  </a:ext>
+                </a:extLst>
+              </p:cNvPr>
+              <p:cNvSpPr txBox="1"/>
+              <p:nvPr/>
+            </p:nvSpPr>
+            <p:spPr bwMode="auto">
+              <a:xfrm>
+                <a:off x="3489840" y="5019561"/>
+                <a:ext cx="914400" cy="914400"/>
+              </a:xfrm>
+              <a:prstGeom prst="rect">
+                <a:avLst/>
+              </a:prstGeom>
+              <a:noFill/>
+              <a:ln>
+                <a:noFill/>
+              </a:ln>
+              <a:extLst>
+                <a:ext uri="{909E8E84-426E-40DD-AFC4-6F175D3DCCD1}">
+                  <a14:hiddenFill>
+                    <a:solidFill>
+                      <a:srgbClr val="FFFFFF"/>
+                    </a:solidFill>
+                  </a14:hiddenFill>
+                </a:ext>
+                <a:ext uri="{91240B29-F687-4F45-9708-019B960494DF}">
+                  <a14:hiddenLine w="9525">
+                    <a:solidFill>
+                      <a:srgbClr val="000000"/>
+                    </a:solidFill>
+                    <a:miter lim="800000"/>
+                    <a:headEnd/>
+                    <a:tailEnd/>
+                  </a14:hiddenLine>
+                </a:ext>
+              </a:extLst>
+            </p:spPr>
+            <p:txBody>
+              <a:bodyPr wrap="none" lIns="0" tIns="0" rIns="0" bIns="0" rtlCol="0" anchor="ctr" anchorCtr="0">
+                <a:noAutofit/>
+              </a:bodyPr>
+              <a:lstStyle/>
+              <a:p>
+                <a:pPr algn="r" eaLnBrk="1" hangingPunct="1"/>
+                <a14:m>
+                  <m:oMathPara xmlns:m="http://schemas.openxmlformats.org/officeDocument/2006/math">
+                    <m:oMathParaPr>
+                      <m:jc m:val="centerGroup"/>
+                    </m:oMathParaPr>
+                    <m:oMath xmlns:m="http://schemas.openxmlformats.org/officeDocument/2006/math">
+                      <m:r>
+                        <a:rPr lang="it-IT" sz="2800" b="0" i="1" smtClean="0">
+                          <a:solidFill>
+                            <a:schemeClr val="tx1"/>
+                          </a:solidFill>
+                          <a:latin typeface="Cambria Math" panose="02040503050406030204" pitchFamily="18" charset="0"/>
+                        </a:rPr>
+                        <m:t>𝑂</m:t>
+                      </m:r>
+                      <m:r>
+                        <a:rPr lang="it-IT" sz="2800" b="0" i="1" smtClean="0">
+                          <a:solidFill>
+                            <a:schemeClr val="tx1"/>
+                          </a:solidFill>
+                          <a:latin typeface="Cambria Math" panose="02040503050406030204" pitchFamily="18" charset="0"/>
+                        </a:rPr>
+                        <m:t>(</m:t>
+                      </m:r>
+                      <m:sSup>
+                        <m:sSupPr>
+                          <m:ctrlPr>
+                            <a:rPr lang="it-IT" sz="2800" b="0" i="1" smtClean="0">
+                              <a:solidFill>
+                                <a:schemeClr val="tx1"/>
+                              </a:solidFill>
+                              <a:latin typeface="Cambria Math" panose="02040503050406030204" pitchFamily="18" charset="0"/>
+                            </a:rPr>
+                          </m:ctrlPr>
+                        </m:sSupPr>
+                        <m:e>
+                          <m:r>
+                            <a:rPr lang="it-IT" sz="2800" b="0" i="1" smtClean="0">
+                              <a:solidFill>
+                                <a:schemeClr val="tx1"/>
+                              </a:solidFill>
+                              <a:latin typeface="Cambria Math" panose="02040503050406030204" pitchFamily="18" charset="0"/>
+                            </a:rPr>
+                            <m:t>𝑁</m:t>
+                          </m:r>
+                        </m:e>
+                        <m:sup>
+                          <m:r>
+                            <a:rPr lang="it-IT" sz="2800" b="0" i="1" smtClean="0">
+                              <a:solidFill>
+                                <a:schemeClr val="tx1"/>
+                              </a:solidFill>
+                              <a:latin typeface="Cambria Math" panose="02040503050406030204" pitchFamily="18" charset="0"/>
+                            </a:rPr>
+                            <m:t>3</m:t>
+                          </m:r>
+                        </m:sup>
+                      </m:sSup>
+                      <m:r>
+                        <a:rPr lang="it-IT" sz="2800" b="0" i="1" smtClean="0">
+                          <a:solidFill>
+                            <a:schemeClr val="tx1"/>
+                          </a:solidFill>
+                          <a:latin typeface="Cambria Math" panose="02040503050406030204" pitchFamily="18" charset="0"/>
+                        </a:rPr>
+                        <m:t>)</m:t>
+                      </m:r>
+                    </m:oMath>
+                  </m:oMathPara>
+                </a14:m>
+                <a:endParaRPr lang="en-US" sz="2800" b="0" dirty="0">
+                  <a:solidFill>
+                    <a:schemeClr val="bg1"/>
+                  </a:solidFill>
+                </a:endParaRPr>
+              </a:p>
+            </p:txBody>
+          </p:sp>
+        </mc:Choice>
+        <mc:Fallback>
+          <p:sp>
+            <p:nvSpPr>
+              <p:cNvPr id="29" name="CasellaDiTesto 28">
+                <a:extLst>
+                  <a:ext uri="{FF2B5EF4-FFF2-40B4-BE49-F238E27FC236}">
+                    <a16:creationId xmlns:a16="http://schemas.microsoft.com/office/drawing/2014/main" id="{08FF4D0F-CC39-4266-9AAE-5F86CB607FE1}"/>
+                  </a:ext>
+                </a:extLst>
+              </p:cNvPr>
+              <p:cNvSpPr txBox="1">
+                <a:spLocks noRot="1" noChangeAspect="1" noMove="1" noResize="1" noEditPoints="1" noAdjustHandles="1" noChangeArrowheads="1" noChangeShapeType="1" noTextEdit="1"/>
+              </p:cNvSpPr>
+              <p:nvPr/>
+            </p:nvSpPr>
+            <p:spPr bwMode="auto">
+              <a:xfrm>
+                <a:off x="3489840" y="5019561"/>
+                <a:ext cx="914400" cy="914400"/>
+              </a:xfrm>
+              <a:prstGeom prst="rect">
+                <a:avLst/>
+              </a:prstGeom>
+              <a:blipFill>
+                <a:blip r:embed="rId26"/>
+                <a:stretch>
+                  <a:fillRect r="-5333"/>
+                </a:stretch>
+              </a:blipFill>
+              <a:ln>
+                <a:noFill/>
+              </a:ln>
+              <a:extLst>
+                <a:ext uri="{909E8E84-426E-40DD-AFC4-6F175D3DCCD1}">
+                  <a14:hiddenFill xmlns:a14="http://schemas.microsoft.com/office/drawing/2010/main">
+                    <a:solidFill>
+                      <a:srgbClr val="FFFFFF"/>
+                    </a:solidFill>
+                  </a14:hiddenFill>
+                </a:ext>
+                <a:ext uri="{91240B29-F687-4F45-9708-019B960494DF}">
+                  <a14:hiddenLine xmlns:a14="http://schemas.microsoft.com/office/drawing/2010/main" w="9525">
+                    <a:solidFill>
+                      <a:srgbClr val="000000"/>
+                    </a:solidFill>
+                    <a:miter lim="800000"/>
+                    <a:headEnd/>
+                    <a:tailEnd/>
+                  </a14:hiddenLine>
+                </a:ext>
+              </a:extLst>
+            </p:spPr>
+            <p:txBody>
+              <a:bodyPr/>
+              <a:lstStyle/>
+              <a:p>
+                <a:r>
+                  <a:rPr lang="en-US">
+                    <a:noFill/>
+                  </a:rPr>
+                  <a:t> </a:t>
+                </a:r>
+              </a:p>
+            </p:txBody>
+          </p:sp>
+        </mc:Fallback>
+      </mc:AlternateContent>
+      <mc:AlternateContent xmlns:mc="http://schemas.openxmlformats.org/markup-compatibility/2006">
+        <mc:Choice xmlns:a14="http://schemas.microsoft.com/office/drawing/2010/main" Requires="a14">
+          <p:sp>
+            <p:nvSpPr>
+              <p:cNvPr id="30" name="CasellaDiTesto 29">
+                <a:extLst>
+                  <a:ext uri="{FF2B5EF4-FFF2-40B4-BE49-F238E27FC236}">
+                    <a16:creationId xmlns:a16="http://schemas.microsoft.com/office/drawing/2014/main" id="{7413B0B7-6098-426F-BAF6-D5A890D3F1FC}"/>
+                  </a:ext>
+                </a:extLst>
+              </p:cNvPr>
+              <p:cNvSpPr txBox="1"/>
+              <p:nvPr/>
+            </p:nvSpPr>
+            <p:spPr bwMode="auto">
+              <a:xfrm>
+                <a:off x="6334162" y="5019561"/>
+                <a:ext cx="914400" cy="914400"/>
+              </a:xfrm>
+              <a:prstGeom prst="rect">
+                <a:avLst/>
+              </a:prstGeom>
+              <a:noFill/>
+              <a:ln>
+                <a:noFill/>
+              </a:ln>
+              <a:extLst>
+                <a:ext uri="{909E8E84-426E-40DD-AFC4-6F175D3DCCD1}">
+                  <a14:hiddenFill>
+                    <a:solidFill>
+                      <a:srgbClr val="FFFFFF"/>
+                    </a:solidFill>
+                  </a14:hiddenFill>
+                </a:ext>
+                <a:ext uri="{91240B29-F687-4F45-9708-019B960494DF}">
+                  <a14:hiddenLine w="9525">
+                    <a:solidFill>
+                      <a:srgbClr val="000000"/>
+                    </a:solidFill>
+                    <a:miter lim="800000"/>
+                    <a:headEnd/>
+                    <a:tailEnd/>
+                  </a14:hiddenLine>
+                </a:ext>
+              </a:extLst>
+            </p:spPr>
+            <p:txBody>
+              <a:bodyPr wrap="none" lIns="0" tIns="0" rIns="0" bIns="0" rtlCol="0" anchor="ctr" anchorCtr="0">
+                <a:noAutofit/>
+              </a:bodyPr>
+              <a:lstStyle/>
+              <a:p>
+                <a:pPr algn="r" eaLnBrk="1" hangingPunct="1"/>
+                <a14:m>
+                  <m:oMathPara xmlns:m="http://schemas.openxmlformats.org/officeDocument/2006/math">
+                    <m:oMathParaPr>
+                      <m:jc m:val="centerGroup"/>
+                    </m:oMathParaPr>
+                    <m:oMath xmlns:m="http://schemas.openxmlformats.org/officeDocument/2006/math">
+                      <m:r>
+                        <a:rPr lang="it-IT" sz="2800" b="0" i="1" smtClean="0">
+                          <a:solidFill>
+                            <a:schemeClr val="tx1"/>
+                          </a:solidFill>
+                          <a:latin typeface="Cambria Math" panose="02040503050406030204" pitchFamily="18" charset="0"/>
+                        </a:rPr>
+                        <m:t>𝑂</m:t>
+                      </m:r>
+                      <m:r>
+                        <a:rPr lang="it-IT" sz="2800" b="0" i="1" smtClean="0">
+                          <a:solidFill>
+                            <a:schemeClr val="tx1"/>
+                          </a:solidFill>
+                          <a:latin typeface="Cambria Math" panose="02040503050406030204" pitchFamily="18" charset="0"/>
+                        </a:rPr>
+                        <m:t>(</m:t>
+                      </m:r>
+                      <m:sSup>
+                        <m:sSupPr>
+                          <m:ctrlPr>
+                            <a:rPr lang="it-IT" sz="2800" b="0" i="1" smtClean="0">
+                              <a:solidFill>
+                                <a:schemeClr val="tx1"/>
+                              </a:solidFill>
+                              <a:latin typeface="Cambria Math" panose="02040503050406030204" pitchFamily="18" charset="0"/>
+                            </a:rPr>
+                          </m:ctrlPr>
+                        </m:sSupPr>
+                        <m:e>
+                          <m:r>
+                            <a:rPr lang="it-IT" sz="2800" b="0" i="1" smtClean="0">
+                              <a:solidFill>
+                                <a:schemeClr val="tx1"/>
+                              </a:solidFill>
+                              <a:latin typeface="Cambria Math" panose="02040503050406030204" pitchFamily="18" charset="0"/>
+                            </a:rPr>
+                            <m:t>𝑁</m:t>
+                          </m:r>
+                        </m:e>
+                        <m:sup>
+                          <m:func>
+                            <m:funcPr>
+                              <m:ctrlPr>
+                                <a:rPr lang="it-IT" sz="2800" b="0" i="1" smtClean="0">
+                                  <a:solidFill>
+                                    <a:schemeClr val="tx1"/>
+                                  </a:solidFill>
+                                  <a:latin typeface="Cambria Math" panose="02040503050406030204" pitchFamily="18" charset="0"/>
+                                </a:rPr>
+                              </m:ctrlPr>
+                            </m:funcPr>
+                            <m:fName>
+                              <m:sSub>
+                                <m:sSubPr>
+                                  <m:ctrlPr>
+                                    <a:rPr lang="it-IT" sz="2800" b="0" i="1" smtClean="0">
+                                      <a:solidFill>
+                                        <a:schemeClr val="tx1"/>
+                                      </a:solidFill>
+                                      <a:latin typeface="Cambria Math" panose="02040503050406030204" pitchFamily="18" charset="0"/>
+                                    </a:rPr>
+                                  </m:ctrlPr>
+                                </m:sSubPr>
+                                <m:e>
+                                  <m:r>
+                                    <m:rPr>
+                                      <m:sty m:val="p"/>
+                                    </m:rPr>
+                                    <a:rPr lang="it-IT" sz="2800" b="0" i="0" smtClean="0">
+                                      <a:solidFill>
+                                        <a:schemeClr val="tx1"/>
+                                      </a:solidFill>
+                                      <a:latin typeface="Cambria Math" panose="02040503050406030204" pitchFamily="18" charset="0"/>
+                                    </a:rPr>
+                                    <m:t>log</m:t>
+                                  </m:r>
+                                </m:e>
+                                <m:sub>
+                                  <m:r>
+                                    <a:rPr lang="it-IT" sz="2800" b="0" i="1" smtClean="0">
+                                      <a:solidFill>
+                                        <a:schemeClr val="tx1"/>
+                                      </a:solidFill>
+                                      <a:latin typeface="Cambria Math" panose="02040503050406030204" pitchFamily="18" charset="0"/>
+                                    </a:rPr>
+                                    <m:t>2</m:t>
+                                  </m:r>
+                                </m:sub>
+                              </m:sSub>
+                            </m:fName>
+                            <m:e>
+                              <m:r>
+                                <a:rPr lang="it-IT" sz="2800" b="0" i="1" smtClean="0">
+                                  <a:solidFill>
+                                    <a:schemeClr val="tx1"/>
+                                  </a:solidFill>
+                                  <a:latin typeface="Cambria Math" panose="02040503050406030204" pitchFamily="18" charset="0"/>
+                                </a:rPr>
+                                <m:t>7</m:t>
+                              </m:r>
+                            </m:e>
+                          </m:func>
+                        </m:sup>
+                      </m:sSup>
+                      <m:r>
+                        <a:rPr lang="it-IT" sz="2800" b="0" i="1" smtClean="0">
+                          <a:solidFill>
+                            <a:schemeClr val="tx1"/>
+                          </a:solidFill>
+                          <a:latin typeface="Cambria Math" panose="02040503050406030204" pitchFamily="18" charset="0"/>
+                        </a:rPr>
+                        <m:t>)</m:t>
+                      </m:r>
+                    </m:oMath>
+                  </m:oMathPara>
+                </a14:m>
+                <a:endParaRPr lang="en-US" sz="2800" b="0" dirty="0">
+                  <a:solidFill>
+                    <a:schemeClr val="bg1"/>
+                  </a:solidFill>
+                </a:endParaRPr>
+              </a:p>
+            </p:txBody>
+          </p:sp>
+        </mc:Choice>
+        <mc:Fallback>
+          <p:sp>
+            <p:nvSpPr>
+              <p:cNvPr id="30" name="CasellaDiTesto 29">
+                <a:extLst>
+                  <a:ext uri="{FF2B5EF4-FFF2-40B4-BE49-F238E27FC236}">
+                    <a16:creationId xmlns:a16="http://schemas.microsoft.com/office/drawing/2014/main" id="{7413B0B7-6098-426F-BAF6-D5A890D3F1FC}"/>
+                  </a:ext>
+                </a:extLst>
+              </p:cNvPr>
+              <p:cNvSpPr txBox="1">
+                <a:spLocks noRot="1" noChangeAspect="1" noMove="1" noResize="1" noEditPoints="1" noAdjustHandles="1" noChangeArrowheads="1" noChangeShapeType="1" noTextEdit="1"/>
+              </p:cNvSpPr>
+              <p:nvPr/>
+            </p:nvSpPr>
+            <p:spPr bwMode="auto">
+              <a:xfrm>
+                <a:off x="6334162" y="5019561"/>
+                <a:ext cx="914400" cy="914400"/>
+              </a:xfrm>
+              <a:prstGeom prst="rect">
+                <a:avLst/>
+              </a:prstGeom>
+              <a:blipFill>
+                <a:blip r:embed="rId27"/>
+                <a:stretch>
+                  <a:fillRect r="-68667"/>
+                </a:stretch>
+              </a:blipFill>
+              <a:ln>
+                <a:noFill/>
+              </a:ln>
+              <a:extLst>
+                <a:ext uri="{909E8E84-426E-40DD-AFC4-6F175D3DCCD1}">
+                  <a14:hiddenFill xmlns:a14="http://schemas.microsoft.com/office/drawing/2010/main">
+                    <a:solidFill>
+                      <a:srgbClr val="FFFFFF"/>
+                    </a:solidFill>
+                  </a14:hiddenFill>
+                </a:ext>
+                <a:ext uri="{91240B29-F687-4F45-9708-019B960494DF}">
+                  <a14:hiddenLine xmlns:a14="http://schemas.microsoft.com/office/drawing/2010/main" w="9525">
+                    <a:solidFill>
+                      <a:srgbClr val="000000"/>
+                    </a:solidFill>
+                    <a:miter lim="800000"/>
+                    <a:headEnd/>
+                    <a:tailEnd/>
+                  </a14:hiddenLine>
+                </a:ext>
+              </a:extLst>
+            </p:spPr>
+            <p:txBody>
+              <a:bodyPr/>
+              <a:lstStyle/>
+              <a:p>
+                <a:r>
+                  <a:rPr lang="en-US">
+                    <a:noFill/>
+                  </a:rPr>
+                  <a:t> </a:t>
+                </a:r>
+              </a:p>
+            </p:txBody>
+          </p:sp>
+        </mc:Fallback>
+      </mc:AlternateContent>
+      <p:cxnSp>
+        <p:nvCxnSpPr>
+          <p:cNvPr id="26" name="Connettore diritto 25">
+            <a:extLst>
+              <a:ext uri="{FF2B5EF4-FFF2-40B4-BE49-F238E27FC236}">
+                <a16:creationId xmlns:a16="http://schemas.microsoft.com/office/drawing/2014/main" id="{156C7C3F-E998-43D2-837E-E1432229B266}"/>
+              </a:ext>
+            </a:extLst>
+          </p:cNvPr>
+          <p:cNvCxnSpPr/>
+          <p:nvPr/>
+        </p:nvCxnSpPr>
+        <p:spPr bwMode="auto">
+          <a:xfrm>
+            <a:off x="218870" y="5102152"/>
+            <a:ext cx="8745166" cy="0"/>
+          </a:xfrm>
+          <a:prstGeom prst="line">
+            <a:avLst/>
+          </a:prstGeom>
+          <a:solidFill>
+            <a:schemeClr val="accent1"/>
+          </a:solidFill>
+          <a:ln w="9525" cap="flat" cmpd="sng" algn="ctr">
+            <a:solidFill>
+              <a:schemeClr val="tx1"/>
+            </a:solidFill>
+            <a:prstDash val="dash"/>
+            <a:round/>
+            <a:headEnd type="none" w="med" len="med"/>
+            <a:tailEnd type="none" w="med" len="med"/>
+          </a:ln>
+          <a:effectLst/>
+        </p:spPr>
+      </p:cxnSp>
+      <mc:AlternateContent xmlns:mc="http://schemas.openxmlformats.org/markup-compatibility/2006">
+        <mc:Choice xmlns:a14="http://schemas.microsoft.com/office/drawing/2010/main" Requires="a14">
+          <p:sp>
+            <p:nvSpPr>
+              <p:cNvPr id="28" name="CasellaDiTesto 27">
+                <a:extLst>
+                  <a:ext uri="{FF2B5EF4-FFF2-40B4-BE49-F238E27FC236}">
+                    <a16:creationId xmlns:a16="http://schemas.microsoft.com/office/drawing/2014/main" id="{694D5C71-67B0-4DE5-9FEB-5F4539703A15}"/>
+                  </a:ext>
+                </a:extLst>
+              </p:cNvPr>
+              <p:cNvSpPr txBox="1"/>
+              <p:nvPr/>
+            </p:nvSpPr>
+            <p:spPr bwMode="auto">
+              <a:xfrm>
+                <a:off x="7529550" y="6133284"/>
+                <a:ext cx="914400" cy="874203"/>
+              </a:xfrm>
+              <a:prstGeom prst="rect">
+                <a:avLst/>
+              </a:prstGeom>
+              <a:noFill/>
+              <a:ln>
+                <a:noFill/>
+              </a:ln>
+              <a:extLst>
+                <a:ext uri="{909E8E84-426E-40DD-AFC4-6F175D3DCCD1}">
+                  <a14:hiddenFill>
+                    <a:solidFill>
+                      <a:srgbClr val="FFFFFF"/>
+                    </a:solidFill>
+                  </a14:hiddenFill>
+                </a:ext>
+                <a:ext uri="{91240B29-F687-4F45-9708-019B960494DF}">
+                  <a14:hiddenLine w="9525">
+                    <a:solidFill>
+                      <a:srgbClr val="000000"/>
+                    </a:solidFill>
+                    <a:miter lim="800000"/>
+                    <a:headEnd/>
+                    <a:tailEnd/>
+                  </a14:hiddenLine>
+                </a:ext>
+              </a:extLst>
+            </p:spPr>
+            <p:txBody>
+              <a:bodyPr wrap="none" lIns="0" tIns="0" rIns="0" bIns="0" rtlCol="0" anchor="ctr" anchorCtr="0">
+                <a:noAutofit/>
+              </a:bodyPr>
+              <a:lstStyle/>
+              <a:p>
+                <a:pPr algn="r" eaLnBrk="1" hangingPunct="1"/>
+                <a14:m>
+                  <m:oMathPara xmlns:m="http://schemas.openxmlformats.org/officeDocument/2006/math">
+                    <m:oMathParaPr>
+                      <m:jc m:val="centerGroup"/>
+                    </m:oMathParaPr>
+                    <m:oMath xmlns:m="http://schemas.openxmlformats.org/officeDocument/2006/math">
+                      <m:func>
+                        <m:funcPr>
+                          <m:ctrlPr>
+                            <a:rPr lang="it-IT" b="0" i="1" smtClean="0">
+                              <a:solidFill>
+                                <a:schemeClr val="tx1"/>
+                              </a:solidFill>
+                              <a:latin typeface="Cambria Math" panose="02040503050406030204" pitchFamily="18" charset="0"/>
+                            </a:rPr>
+                          </m:ctrlPr>
+                        </m:funcPr>
+                        <m:fName>
+                          <m:sSub>
+                            <m:sSubPr>
+                              <m:ctrlPr>
+                                <a:rPr lang="it-IT" b="0" i="1" smtClean="0">
+                                  <a:solidFill>
+                                    <a:schemeClr val="tx1"/>
+                                  </a:solidFill>
+                                  <a:latin typeface="Cambria Math" panose="02040503050406030204" pitchFamily="18" charset="0"/>
+                                </a:rPr>
+                              </m:ctrlPr>
+                            </m:sSubPr>
+                            <m:e>
+                              <m:r>
+                                <m:rPr>
+                                  <m:sty m:val="p"/>
+                                </m:rPr>
+                                <a:rPr lang="it-IT" b="0" i="0" smtClean="0">
+                                  <a:solidFill>
+                                    <a:schemeClr val="tx1"/>
+                                  </a:solidFill>
+                                  <a:latin typeface="Cambria Math" panose="02040503050406030204" pitchFamily="18" charset="0"/>
+                                </a:rPr>
+                                <m:t>log</m:t>
+                              </m:r>
+                            </m:e>
+                            <m:sub>
+                              <m:r>
+                                <a:rPr lang="it-IT" b="0" i="1" smtClean="0">
+                                  <a:solidFill>
+                                    <a:schemeClr val="tx1"/>
+                                  </a:solidFill>
+                                  <a:latin typeface="Cambria Math" panose="02040503050406030204" pitchFamily="18" charset="0"/>
+                                </a:rPr>
+                                <m:t>2</m:t>
+                              </m:r>
+                            </m:sub>
+                          </m:sSub>
+                        </m:fName>
+                        <m:e>
+                          <m:r>
+                            <a:rPr lang="it-IT" b="0" i="1" smtClean="0">
+                              <a:solidFill>
+                                <a:schemeClr val="tx1"/>
+                              </a:solidFill>
+                              <a:latin typeface="Cambria Math" panose="02040503050406030204" pitchFamily="18" charset="0"/>
+                            </a:rPr>
+                            <m:t>7≈2.807</m:t>
+                          </m:r>
+                        </m:e>
+                      </m:func>
+                    </m:oMath>
+                  </m:oMathPara>
+                </a14:m>
+                <a:endParaRPr lang="en-US" b="0" dirty="0">
+                  <a:solidFill>
+                    <a:schemeClr val="bg1"/>
+                  </a:solidFill>
+                </a:endParaRPr>
+              </a:p>
+            </p:txBody>
+          </p:sp>
+        </mc:Choice>
+        <mc:Fallback>
+          <p:sp>
+            <p:nvSpPr>
+              <p:cNvPr id="28" name="CasellaDiTesto 27">
+                <a:extLst>
+                  <a:ext uri="{FF2B5EF4-FFF2-40B4-BE49-F238E27FC236}">
+                    <a16:creationId xmlns:a16="http://schemas.microsoft.com/office/drawing/2014/main" id="{694D5C71-67B0-4DE5-9FEB-5F4539703A15}"/>
+                  </a:ext>
+                </a:extLst>
+              </p:cNvPr>
+              <p:cNvSpPr txBox="1">
+                <a:spLocks noRot="1" noChangeAspect="1" noMove="1" noResize="1" noEditPoints="1" noAdjustHandles="1" noChangeArrowheads="1" noChangeShapeType="1" noTextEdit="1"/>
+              </p:cNvSpPr>
+              <p:nvPr/>
+            </p:nvSpPr>
+            <p:spPr bwMode="auto">
+              <a:xfrm>
+                <a:off x="7529550" y="6133284"/>
+                <a:ext cx="914400" cy="874203"/>
+              </a:xfrm>
+              <a:prstGeom prst="rect">
+                <a:avLst/>
+              </a:prstGeom>
+              <a:blipFill>
+                <a:blip r:embed="rId28"/>
+                <a:stretch>
+                  <a:fillRect l="-12000" r="-66000"/>
+                </a:stretch>
+              </a:blipFill>
+              <a:ln>
+                <a:noFill/>
+              </a:ln>
+              <a:extLst>
+                <a:ext uri="{909E8E84-426E-40DD-AFC4-6F175D3DCCD1}">
+                  <a14:hiddenFill xmlns:a14="http://schemas.microsoft.com/office/drawing/2010/main">
+                    <a:solidFill>
+                      <a:srgbClr val="FFFFFF"/>
+                    </a:solidFill>
+                  </a14:hiddenFill>
+                </a:ext>
+                <a:ext uri="{91240B29-F687-4F45-9708-019B960494DF}">
+                  <a14:hiddenLine xmlns:a14="http://schemas.microsoft.com/office/drawing/2010/main" w="9525">
+                    <a:solidFill>
+                      <a:srgbClr val="000000"/>
+                    </a:solidFill>
+                    <a:miter lim="800000"/>
+                    <a:headEnd/>
+                    <a:tailEnd/>
+                  </a14:hiddenLine>
+                </a:ext>
+              </a:extLst>
+            </p:spPr>
+            <p:txBody>
+              <a:bodyPr/>
+              <a:lstStyle/>
+              <a:p>
+                <a:r>
+                  <a:rPr lang="en-US">
+                    <a:noFill/>
+                  </a:rPr>
+                  <a:t> </a:t>
+                </a:r>
+              </a:p>
+            </p:txBody>
+          </p:sp>
+        </mc:Fallback>
+      </mc:AlternateContent>
     </p:spTree>
     <p:extLst>
       <p:ext uri="{BB962C8B-B14F-4D97-AF65-F5344CB8AC3E}">
@@ -5027,8 +7433,795 @@
         </p:nvSpPr>
         <p:spPr>
           <a:xfrm>
-            <a:off x="-99873" y="1008301"/>
-            <a:ext cx="4987263" cy="677108"/>
+            <a:off x="-103118" y="997020"/>
+            <a:ext cx="8828058" cy="646331"/>
+          </a:xfrm>
+          <a:prstGeom prst="rect">
+            <a:avLst/>
+          </a:prstGeom>
+          <a:solidFill>
+            <a:srgbClr val="B20F21"/>
+          </a:solidFill>
+        </p:spPr>
+        <p:txBody>
+          <a:bodyPr wrap="none" lIns="91440" tIns="45720" rIns="91440" bIns="45720">
+            <a:spAutoFit/>
+          </a:bodyPr>
+          <a:lstStyle/>
+          <a:p>
+            <a:pPr algn="ctr"/>
+            <a:r>
+              <a:rPr lang="it-IT" sz="3600" b="0" dirty="0">
+                <a:ln w="0"/>
+                <a:solidFill>
+                  <a:schemeClr val="bg1"/>
+                </a:solidFill>
+                <a:effectLst>
+                  <a:outerShdw blurRad="38100" dist="19050" dir="2700000" algn="tl" rotWithShape="0">
+                    <a:schemeClr val="dk1">
+                      <a:alpha val="40000"/>
+                    </a:schemeClr>
+                  </a:outerShdw>
+                </a:effectLst>
+              </a:rPr>
+              <a:t> S</a:t>
+            </a:r>
+            <a:r>
+              <a:rPr lang="en-US" sz="3600" b="0" dirty="0" err="1">
+                <a:solidFill>
+                  <a:schemeClr val="bg1"/>
+                </a:solidFill>
+              </a:rPr>
+              <a:t>caling</a:t>
+            </a:r>
+            <a:r>
+              <a:rPr lang="en-US" sz="3600" b="0" dirty="0">
+                <a:solidFill>
+                  <a:schemeClr val="bg1"/>
+                </a:solidFill>
+              </a:rPr>
+              <a:t> of the matrix-matrix multiplication</a:t>
+            </a:r>
+            <a:r>
+              <a:rPr lang="it-IT" sz="3600" b="0" cap="none" spc="0" dirty="0">
+                <a:ln w="0"/>
+                <a:solidFill>
+                  <a:schemeClr val="bg1"/>
+                </a:solidFill>
+                <a:effectLst>
+                  <a:outerShdw blurRad="38100" dist="19050" dir="2700000" algn="tl" rotWithShape="0">
+                    <a:schemeClr val="dk1">
+                      <a:alpha val="40000"/>
+                    </a:schemeClr>
+                  </a:outerShdw>
+                </a:effectLst>
+              </a:rPr>
+              <a:t> </a:t>
+            </a:r>
+          </a:p>
+        </p:txBody>
+      </p:sp>
+      <p:pic>
+        <p:nvPicPr>
+          <p:cNvPr id="41" name="Elemento grafico 40">
+            <a:extLst>
+              <a:ext uri="{FF2B5EF4-FFF2-40B4-BE49-F238E27FC236}">
+                <a16:creationId xmlns:a16="http://schemas.microsoft.com/office/drawing/2014/main" id="{A89DA71A-3098-4600-BAA6-0842DD975F25}"/>
+              </a:ext>
+            </a:extLst>
+          </p:cNvPr>
+          <p:cNvPicPr>
+            <a:picLocks noChangeAspect="1"/>
+          </p:cNvPicPr>
+          <p:nvPr/>
+        </p:nvPicPr>
+        <p:blipFill>
+          <a:blip r:embed="rId3">
+            <a:extLst>
+              <a:ext uri="{28A0092B-C50C-407E-A947-70E740481C1C}">
+                <a14:useLocalDpi xmlns:a14="http://schemas.microsoft.com/office/drawing/2010/main" val="0"/>
+              </a:ext>
+              <a:ext uri="{96DAC541-7B7A-43D3-8B79-37D633B846F1}">
+                <asvg:svgBlip xmlns:asvg="http://schemas.microsoft.com/office/drawing/2016/SVG/main" r:embed="rId4"/>
+              </a:ext>
+            </a:extLst>
+          </a:blip>
+          <a:stretch>
+            <a:fillRect/>
+          </a:stretch>
+        </p:blipFill>
+        <p:spPr>
+          <a:xfrm>
+            <a:off x="81674" y="1643351"/>
+            <a:ext cx="4229238" cy="2819491"/>
+          </a:xfrm>
+          <a:prstGeom prst="rect">
+            <a:avLst/>
+          </a:prstGeom>
+        </p:spPr>
+      </p:pic>
+      <p:pic>
+        <p:nvPicPr>
+          <p:cNvPr id="43" name="Elemento grafico 42">
+            <a:extLst>
+              <a:ext uri="{FF2B5EF4-FFF2-40B4-BE49-F238E27FC236}">
+                <a16:creationId xmlns:a16="http://schemas.microsoft.com/office/drawing/2014/main" id="{EE5F17DF-88BE-4486-8235-F32D2DCB52FF}"/>
+              </a:ext>
+            </a:extLst>
+          </p:cNvPr>
+          <p:cNvPicPr>
+            <a:picLocks noChangeAspect="1"/>
+          </p:cNvPicPr>
+          <p:nvPr/>
+        </p:nvPicPr>
+        <p:blipFill>
+          <a:blip r:embed="rId5">
+            <a:extLst>
+              <a:ext uri="{28A0092B-C50C-407E-A947-70E740481C1C}">
+                <a14:useLocalDpi xmlns:a14="http://schemas.microsoft.com/office/drawing/2010/main" val="0"/>
+              </a:ext>
+              <a:ext uri="{96DAC541-7B7A-43D3-8B79-37D633B846F1}">
+                <asvg:svgBlip xmlns:asvg="http://schemas.microsoft.com/office/drawing/2016/SVG/main" r:embed="rId6"/>
+              </a:ext>
+            </a:extLst>
+          </a:blip>
+          <a:stretch>
+            <a:fillRect/>
+          </a:stretch>
+        </p:blipFill>
+        <p:spPr>
+          <a:xfrm>
+            <a:off x="4310911" y="1643352"/>
+            <a:ext cx="4229234" cy="2819490"/>
+          </a:xfrm>
+          <a:prstGeom prst="rect">
+            <a:avLst/>
+          </a:prstGeom>
+        </p:spPr>
+      </p:pic>
+      <p:pic>
+        <p:nvPicPr>
+          <p:cNvPr id="45" name="Elemento grafico 44">
+            <a:extLst>
+              <a:ext uri="{FF2B5EF4-FFF2-40B4-BE49-F238E27FC236}">
+                <a16:creationId xmlns:a16="http://schemas.microsoft.com/office/drawing/2014/main" id="{A5323DE2-1692-438D-90AC-30909675C0EA}"/>
+              </a:ext>
+            </a:extLst>
+          </p:cNvPr>
+          <p:cNvPicPr>
+            <a:picLocks noChangeAspect="1"/>
+          </p:cNvPicPr>
+          <p:nvPr/>
+        </p:nvPicPr>
+        <p:blipFill>
+          <a:blip r:embed="rId7">
+            <a:extLst>
+              <a:ext uri="{28A0092B-C50C-407E-A947-70E740481C1C}">
+                <a14:useLocalDpi xmlns:a14="http://schemas.microsoft.com/office/drawing/2010/main" val="0"/>
+              </a:ext>
+              <a:ext uri="{96DAC541-7B7A-43D3-8B79-37D633B846F1}">
+                <asvg:svgBlip xmlns:asvg="http://schemas.microsoft.com/office/drawing/2016/SVG/main" r:embed="rId8"/>
+              </a:ext>
+            </a:extLst>
+          </a:blip>
+          <a:stretch>
+            <a:fillRect/>
+          </a:stretch>
+        </p:blipFill>
+        <p:spPr>
+          <a:xfrm>
+            <a:off x="-941859" y="4556376"/>
+            <a:ext cx="10505540" cy="2101108"/>
+          </a:xfrm>
+          <a:prstGeom prst="rect">
+            <a:avLst/>
+          </a:prstGeom>
+        </p:spPr>
+      </p:pic>
+    </p:spTree>
+    <p:extLst>
+      <p:ext uri="{BB962C8B-B14F-4D97-AF65-F5344CB8AC3E}">
+        <p14:creationId xmlns:p14="http://schemas.microsoft.com/office/powerpoint/2010/main" val="3286283038"/>
+      </p:ext>
+    </p:extLst>
+  </p:cSld>
+  <p:clrMapOvr>
+    <a:masterClrMapping/>
+  </p:clrMapOvr>
+</p:sld>
+</file>
+
+<file path=ppt/slides/slide4.xml><?xml version="1.0" encoding="utf-8"?>
+<p:sld xmlns:a="http://schemas.openxmlformats.org/drawingml/2006/main" xmlns:r="http://schemas.openxmlformats.org/officeDocument/2006/relationships" xmlns:p="http://schemas.openxmlformats.org/presentationml/2006/main">
+  <p:cSld>
+    <p:spTree>
+      <p:nvGrpSpPr>
+        <p:cNvPr id="1" name=""/>
+        <p:cNvGrpSpPr/>
+        <p:nvPr/>
+      </p:nvGrpSpPr>
+      <p:grpSpPr>
+        <a:xfrm>
+          <a:off x="0" y="0"/>
+          <a:ext cx="0" cy="0"/>
+          <a:chOff x="0" y="0"/>
+          <a:chExt cx="0" cy="0"/>
+        </a:xfrm>
+      </p:grpSpPr>
+      <p:sp>
+        <p:nvSpPr>
+          <p:cNvPr id="8194" name="CasellaDiTesto 10">
+            <a:extLst>
+              <a:ext uri="{FF2B5EF4-FFF2-40B4-BE49-F238E27FC236}">
+                <a16:creationId xmlns:a16="http://schemas.microsoft.com/office/drawing/2014/main" id="{ED32AF09-CF86-4D49-85E2-CC111B5F3D38}"/>
+              </a:ext>
+            </a:extLst>
+          </p:cNvPr>
+          <p:cNvSpPr txBox="1">
+            <a:spLocks noChangeArrowheads="1"/>
+          </p:cNvSpPr>
+          <p:nvPr/>
+        </p:nvSpPr>
+        <p:spPr bwMode="auto">
+          <a:xfrm>
+            <a:off x="2159000" y="361950"/>
+            <a:ext cx="0" cy="0"/>
+          </a:xfrm>
+          <a:prstGeom prst="rect">
+            <a:avLst/>
+          </a:prstGeom>
+          <a:noFill/>
+          <a:ln>
+            <a:noFill/>
+          </a:ln>
+          <a:extLst>
+            <a:ext uri="{909E8E84-426E-40DD-AFC4-6F175D3DCCD1}">
+              <a14:hiddenFill xmlns:a14="http://schemas.microsoft.com/office/drawing/2010/main">
+                <a:solidFill>
+                  <a:srgbClr val="FFFFFF"/>
+                </a:solidFill>
+              </a14:hiddenFill>
+            </a:ext>
+            <a:ext uri="{91240B29-F687-4F45-9708-019B960494DF}">
+              <a14:hiddenLine xmlns:a14="http://schemas.microsoft.com/office/drawing/2010/main" w="9525">
+                <a:solidFill>
+                  <a:srgbClr val="000000"/>
+                </a:solidFill>
+                <a:miter lim="800000"/>
+                <a:headEnd/>
+                <a:tailEnd/>
+              </a14:hiddenLine>
+            </a:ext>
+          </a:extLst>
+        </p:spPr>
+        <p:txBody>
+          <a:bodyPr wrap="none" tIns="180000" rIns="216000" anchor="ctr"/>
+          <a:lstStyle>
+            <a:lvl1pPr>
+              <a:spcBef>
+                <a:spcPct val="20000"/>
+              </a:spcBef>
+              <a:buChar char="•"/>
+              <a:defRPr sz="3200">
+                <a:solidFill>
+                  <a:schemeClr val="tx1"/>
+                </a:solidFill>
+                <a:latin typeface="Arial" panose="020B0604020202020204" pitchFamily="34" charset="0"/>
+              </a:defRPr>
+            </a:lvl1pPr>
+            <a:lvl2pPr marL="742950" indent="-285750">
+              <a:spcBef>
+                <a:spcPct val="20000"/>
+              </a:spcBef>
+              <a:buChar char="–"/>
+              <a:defRPr sz="2800">
+                <a:solidFill>
+                  <a:schemeClr val="tx1"/>
+                </a:solidFill>
+                <a:latin typeface="Arial" panose="020B0604020202020204" pitchFamily="34" charset="0"/>
+              </a:defRPr>
+            </a:lvl2pPr>
+            <a:lvl3pPr marL="1143000" indent="-228600">
+              <a:spcBef>
+                <a:spcPct val="20000"/>
+              </a:spcBef>
+              <a:buChar char="•"/>
+              <a:defRPr sz="2400">
+                <a:solidFill>
+                  <a:schemeClr val="tx1"/>
+                </a:solidFill>
+                <a:latin typeface="Arial" panose="020B0604020202020204" pitchFamily="34" charset="0"/>
+              </a:defRPr>
+            </a:lvl3pPr>
+            <a:lvl4pPr marL="1600200" indent="-228600">
+              <a:spcBef>
+                <a:spcPct val="20000"/>
+              </a:spcBef>
+              <a:buChar char="–"/>
+              <a:defRPr sz="2000">
+                <a:solidFill>
+                  <a:schemeClr val="tx1"/>
+                </a:solidFill>
+                <a:latin typeface="Arial" panose="020B0604020202020204" pitchFamily="34" charset="0"/>
+              </a:defRPr>
+            </a:lvl4pPr>
+            <a:lvl5pPr marL="2057400" indent="-228600">
+              <a:spcBef>
+                <a:spcPct val="20000"/>
+              </a:spcBef>
+              <a:buChar char="»"/>
+              <a:defRPr sz="2000">
+                <a:solidFill>
+                  <a:schemeClr val="tx1"/>
+                </a:solidFill>
+                <a:latin typeface="Arial" panose="020B0604020202020204" pitchFamily="34" charset="0"/>
+              </a:defRPr>
+            </a:lvl5pPr>
+            <a:lvl6pPr marL="2514600" indent="-228600" eaLnBrk="0" fontAlgn="base" hangingPunct="0">
+              <a:spcBef>
+                <a:spcPct val="20000"/>
+              </a:spcBef>
+              <a:spcAft>
+                <a:spcPct val="0"/>
+              </a:spcAft>
+              <a:buChar char="»"/>
+              <a:defRPr sz="2000">
+                <a:solidFill>
+                  <a:schemeClr val="tx1"/>
+                </a:solidFill>
+                <a:latin typeface="Arial" panose="020B0604020202020204" pitchFamily="34" charset="0"/>
+              </a:defRPr>
+            </a:lvl6pPr>
+            <a:lvl7pPr marL="2971800" indent="-228600" eaLnBrk="0" fontAlgn="base" hangingPunct="0">
+              <a:spcBef>
+                <a:spcPct val="20000"/>
+              </a:spcBef>
+              <a:spcAft>
+                <a:spcPct val="0"/>
+              </a:spcAft>
+              <a:buChar char="»"/>
+              <a:defRPr sz="2000">
+                <a:solidFill>
+                  <a:schemeClr val="tx1"/>
+                </a:solidFill>
+                <a:latin typeface="Arial" panose="020B0604020202020204" pitchFamily="34" charset="0"/>
+              </a:defRPr>
+            </a:lvl7pPr>
+            <a:lvl8pPr marL="3429000" indent="-228600" eaLnBrk="0" fontAlgn="base" hangingPunct="0">
+              <a:spcBef>
+                <a:spcPct val="20000"/>
+              </a:spcBef>
+              <a:spcAft>
+                <a:spcPct val="0"/>
+              </a:spcAft>
+              <a:buChar char="»"/>
+              <a:defRPr sz="2000">
+                <a:solidFill>
+                  <a:schemeClr val="tx1"/>
+                </a:solidFill>
+                <a:latin typeface="Arial" panose="020B0604020202020204" pitchFamily="34" charset="0"/>
+              </a:defRPr>
+            </a:lvl8pPr>
+            <a:lvl9pPr marL="3886200" indent="-228600" eaLnBrk="0" fontAlgn="base" hangingPunct="0">
+              <a:spcBef>
+                <a:spcPct val="20000"/>
+              </a:spcBef>
+              <a:spcAft>
+                <a:spcPct val="0"/>
+              </a:spcAft>
+              <a:buChar char="»"/>
+              <a:defRPr sz="2000">
+                <a:solidFill>
+                  <a:schemeClr val="tx1"/>
+                </a:solidFill>
+                <a:latin typeface="Arial" panose="020B0604020202020204" pitchFamily="34" charset="0"/>
+              </a:defRPr>
+            </a:lvl9pPr>
+          </a:lstStyle>
+          <a:p>
+            <a:pPr algn="r" eaLnBrk="1" hangingPunct="1">
+              <a:spcBef>
+                <a:spcPct val="0"/>
+              </a:spcBef>
+              <a:buFontTx/>
+              <a:buNone/>
+            </a:pPr>
+            <a:endParaRPr lang="it-IT" altLang="it-IT" sz="2800" b="0">
+              <a:solidFill>
+                <a:schemeClr val="bg1"/>
+              </a:solidFill>
+            </a:endParaRPr>
+          </a:p>
+        </p:txBody>
+      </p:sp>
+      <p:sp>
+        <p:nvSpPr>
+          <p:cNvPr id="8195" name="CasellaDiTesto 13">
+            <a:extLst>
+              <a:ext uri="{FF2B5EF4-FFF2-40B4-BE49-F238E27FC236}">
+                <a16:creationId xmlns:a16="http://schemas.microsoft.com/office/drawing/2014/main" id="{0D373E1D-380D-4868-9DBF-30318ECE993B}"/>
+              </a:ext>
+            </a:extLst>
+          </p:cNvPr>
+          <p:cNvSpPr txBox="1">
+            <a:spLocks noChangeArrowheads="1"/>
+          </p:cNvSpPr>
+          <p:nvPr/>
+        </p:nvSpPr>
+        <p:spPr bwMode="auto">
+          <a:xfrm>
+            <a:off x="8737600" y="412750"/>
+            <a:ext cx="0" cy="0"/>
+          </a:xfrm>
+          <a:prstGeom prst="rect">
+            <a:avLst/>
+          </a:prstGeom>
+          <a:noFill/>
+          <a:ln>
+            <a:noFill/>
+          </a:ln>
+          <a:extLst>
+            <a:ext uri="{909E8E84-426E-40DD-AFC4-6F175D3DCCD1}">
+              <a14:hiddenFill xmlns:a14="http://schemas.microsoft.com/office/drawing/2010/main">
+                <a:solidFill>
+                  <a:srgbClr val="FFFFFF"/>
+                </a:solidFill>
+              </a14:hiddenFill>
+            </a:ext>
+            <a:ext uri="{91240B29-F687-4F45-9708-019B960494DF}">
+              <a14:hiddenLine xmlns:a14="http://schemas.microsoft.com/office/drawing/2010/main" w="9525">
+                <a:solidFill>
+                  <a:srgbClr val="000000"/>
+                </a:solidFill>
+                <a:miter lim="800000"/>
+                <a:headEnd/>
+                <a:tailEnd/>
+              </a14:hiddenLine>
+            </a:ext>
+          </a:extLst>
+        </p:spPr>
+        <p:txBody>
+          <a:bodyPr wrap="none" tIns="180000" rIns="216000" anchor="ctr"/>
+          <a:lstStyle>
+            <a:lvl1pPr>
+              <a:spcBef>
+                <a:spcPct val="20000"/>
+              </a:spcBef>
+              <a:buChar char="•"/>
+              <a:defRPr sz="3200">
+                <a:solidFill>
+                  <a:schemeClr val="tx1"/>
+                </a:solidFill>
+                <a:latin typeface="Arial" panose="020B0604020202020204" pitchFamily="34" charset="0"/>
+              </a:defRPr>
+            </a:lvl1pPr>
+            <a:lvl2pPr marL="742950" indent="-285750">
+              <a:spcBef>
+                <a:spcPct val="20000"/>
+              </a:spcBef>
+              <a:buChar char="–"/>
+              <a:defRPr sz="2800">
+                <a:solidFill>
+                  <a:schemeClr val="tx1"/>
+                </a:solidFill>
+                <a:latin typeface="Arial" panose="020B0604020202020204" pitchFamily="34" charset="0"/>
+              </a:defRPr>
+            </a:lvl2pPr>
+            <a:lvl3pPr marL="1143000" indent="-228600">
+              <a:spcBef>
+                <a:spcPct val="20000"/>
+              </a:spcBef>
+              <a:buChar char="•"/>
+              <a:defRPr sz="2400">
+                <a:solidFill>
+                  <a:schemeClr val="tx1"/>
+                </a:solidFill>
+                <a:latin typeface="Arial" panose="020B0604020202020204" pitchFamily="34" charset="0"/>
+              </a:defRPr>
+            </a:lvl3pPr>
+            <a:lvl4pPr marL="1600200" indent="-228600">
+              <a:spcBef>
+                <a:spcPct val="20000"/>
+              </a:spcBef>
+              <a:buChar char="–"/>
+              <a:defRPr sz="2000">
+                <a:solidFill>
+                  <a:schemeClr val="tx1"/>
+                </a:solidFill>
+                <a:latin typeface="Arial" panose="020B0604020202020204" pitchFamily="34" charset="0"/>
+              </a:defRPr>
+            </a:lvl4pPr>
+            <a:lvl5pPr marL="2057400" indent="-228600">
+              <a:spcBef>
+                <a:spcPct val="20000"/>
+              </a:spcBef>
+              <a:buChar char="»"/>
+              <a:defRPr sz="2000">
+                <a:solidFill>
+                  <a:schemeClr val="tx1"/>
+                </a:solidFill>
+                <a:latin typeface="Arial" panose="020B0604020202020204" pitchFamily="34" charset="0"/>
+              </a:defRPr>
+            </a:lvl5pPr>
+            <a:lvl6pPr marL="2514600" indent="-228600" eaLnBrk="0" fontAlgn="base" hangingPunct="0">
+              <a:spcBef>
+                <a:spcPct val="20000"/>
+              </a:spcBef>
+              <a:spcAft>
+                <a:spcPct val="0"/>
+              </a:spcAft>
+              <a:buChar char="»"/>
+              <a:defRPr sz="2000">
+                <a:solidFill>
+                  <a:schemeClr val="tx1"/>
+                </a:solidFill>
+                <a:latin typeface="Arial" panose="020B0604020202020204" pitchFamily="34" charset="0"/>
+              </a:defRPr>
+            </a:lvl6pPr>
+            <a:lvl7pPr marL="2971800" indent="-228600" eaLnBrk="0" fontAlgn="base" hangingPunct="0">
+              <a:spcBef>
+                <a:spcPct val="20000"/>
+              </a:spcBef>
+              <a:spcAft>
+                <a:spcPct val="0"/>
+              </a:spcAft>
+              <a:buChar char="»"/>
+              <a:defRPr sz="2000">
+                <a:solidFill>
+                  <a:schemeClr val="tx1"/>
+                </a:solidFill>
+                <a:latin typeface="Arial" panose="020B0604020202020204" pitchFamily="34" charset="0"/>
+              </a:defRPr>
+            </a:lvl7pPr>
+            <a:lvl8pPr marL="3429000" indent="-228600" eaLnBrk="0" fontAlgn="base" hangingPunct="0">
+              <a:spcBef>
+                <a:spcPct val="20000"/>
+              </a:spcBef>
+              <a:spcAft>
+                <a:spcPct val="0"/>
+              </a:spcAft>
+              <a:buChar char="»"/>
+              <a:defRPr sz="2000">
+                <a:solidFill>
+                  <a:schemeClr val="tx1"/>
+                </a:solidFill>
+                <a:latin typeface="Arial" panose="020B0604020202020204" pitchFamily="34" charset="0"/>
+              </a:defRPr>
+            </a:lvl8pPr>
+            <a:lvl9pPr marL="3886200" indent="-228600" eaLnBrk="0" fontAlgn="base" hangingPunct="0">
+              <a:spcBef>
+                <a:spcPct val="20000"/>
+              </a:spcBef>
+              <a:spcAft>
+                <a:spcPct val="0"/>
+              </a:spcAft>
+              <a:buChar char="»"/>
+              <a:defRPr sz="2000">
+                <a:solidFill>
+                  <a:schemeClr val="tx1"/>
+                </a:solidFill>
+                <a:latin typeface="Arial" panose="020B0604020202020204" pitchFamily="34" charset="0"/>
+              </a:defRPr>
+            </a:lvl9pPr>
+          </a:lstStyle>
+          <a:p>
+            <a:pPr algn="r" eaLnBrk="1" hangingPunct="1">
+              <a:spcBef>
+                <a:spcPct val="0"/>
+              </a:spcBef>
+              <a:buFontTx/>
+              <a:buNone/>
+            </a:pPr>
+            <a:endParaRPr lang="it-IT" altLang="it-IT" sz="2800" b="0">
+              <a:solidFill>
+                <a:schemeClr val="bg1"/>
+              </a:solidFill>
+            </a:endParaRPr>
+          </a:p>
+        </p:txBody>
+      </p:sp>
+      <p:sp>
+        <p:nvSpPr>
+          <p:cNvPr id="8197" name="CasellaDiTesto 1">
+            <a:extLst>
+              <a:ext uri="{FF2B5EF4-FFF2-40B4-BE49-F238E27FC236}">
+                <a16:creationId xmlns:a16="http://schemas.microsoft.com/office/drawing/2014/main" id="{DABE2A0C-C977-463D-B219-FCD2A84DCF57}"/>
+              </a:ext>
+            </a:extLst>
+          </p:cNvPr>
+          <p:cNvSpPr txBox="1">
+            <a:spLocks noChangeArrowheads="1"/>
+          </p:cNvSpPr>
+          <p:nvPr/>
+        </p:nvSpPr>
+        <p:spPr bwMode="auto">
+          <a:xfrm>
+            <a:off x="-76200" y="481013"/>
+            <a:ext cx="0" cy="0"/>
+          </a:xfrm>
+          <a:prstGeom prst="rect">
+            <a:avLst/>
+          </a:prstGeom>
+          <a:noFill/>
+          <a:ln>
+            <a:noFill/>
+          </a:ln>
+          <a:extLst>
+            <a:ext uri="{909E8E84-426E-40DD-AFC4-6F175D3DCCD1}">
+              <a14:hiddenFill xmlns:a14="http://schemas.microsoft.com/office/drawing/2010/main">
+                <a:solidFill>
+                  <a:srgbClr val="FFFFFF"/>
+                </a:solidFill>
+              </a14:hiddenFill>
+            </a:ext>
+            <a:ext uri="{91240B29-F687-4F45-9708-019B960494DF}">
+              <a14:hiddenLine xmlns:a14="http://schemas.microsoft.com/office/drawing/2010/main" w="9525">
+                <a:solidFill>
+                  <a:srgbClr val="000000"/>
+                </a:solidFill>
+                <a:miter lim="800000"/>
+                <a:headEnd/>
+                <a:tailEnd/>
+              </a14:hiddenLine>
+            </a:ext>
+          </a:extLst>
+        </p:spPr>
+        <p:txBody>
+          <a:bodyPr wrap="none" tIns="180000" rIns="216000" anchor="ctr"/>
+          <a:lstStyle>
+            <a:lvl1pPr>
+              <a:spcBef>
+                <a:spcPct val="20000"/>
+              </a:spcBef>
+              <a:buChar char="•"/>
+              <a:defRPr sz="3200">
+                <a:solidFill>
+                  <a:schemeClr val="tx1"/>
+                </a:solidFill>
+                <a:latin typeface="Arial" panose="020B0604020202020204" pitchFamily="34" charset="0"/>
+              </a:defRPr>
+            </a:lvl1pPr>
+            <a:lvl2pPr marL="742950" indent="-285750">
+              <a:spcBef>
+                <a:spcPct val="20000"/>
+              </a:spcBef>
+              <a:buChar char="–"/>
+              <a:defRPr sz="2800">
+                <a:solidFill>
+                  <a:schemeClr val="tx1"/>
+                </a:solidFill>
+                <a:latin typeface="Arial" panose="020B0604020202020204" pitchFamily="34" charset="0"/>
+              </a:defRPr>
+            </a:lvl2pPr>
+            <a:lvl3pPr marL="1143000" indent="-228600">
+              <a:spcBef>
+                <a:spcPct val="20000"/>
+              </a:spcBef>
+              <a:buChar char="•"/>
+              <a:defRPr sz="2400">
+                <a:solidFill>
+                  <a:schemeClr val="tx1"/>
+                </a:solidFill>
+                <a:latin typeface="Arial" panose="020B0604020202020204" pitchFamily="34" charset="0"/>
+              </a:defRPr>
+            </a:lvl3pPr>
+            <a:lvl4pPr marL="1600200" indent="-228600">
+              <a:spcBef>
+                <a:spcPct val="20000"/>
+              </a:spcBef>
+              <a:buChar char="–"/>
+              <a:defRPr sz="2000">
+                <a:solidFill>
+                  <a:schemeClr val="tx1"/>
+                </a:solidFill>
+                <a:latin typeface="Arial" panose="020B0604020202020204" pitchFamily="34" charset="0"/>
+              </a:defRPr>
+            </a:lvl4pPr>
+            <a:lvl5pPr marL="2057400" indent="-228600">
+              <a:spcBef>
+                <a:spcPct val="20000"/>
+              </a:spcBef>
+              <a:buChar char="»"/>
+              <a:defRPr sz="2000">
+                <a:solidFill>
+                  <a:schemeClr val="tx1"/>
+                </a:solidFill>
+                <a:latin typeface="Arial" panose="020B0604020202020204" pitchFamily="34" charset="0"/>
+              </a:defRPr>
+            </a:lvl5pPr>
+            <a:lvl6pPr marL="2514600" indent="-228600" eaLnBrk="0" fontAlgn="base" hangingPunct="0">
+              <a:spcBef>
+                <a:spcPct val="20000"/>
+              </a:spcBef>
+              <a:spcAft>
+                <a:spcPct val="0"/>
+              </a:spcAft>
+              <a:buChar char="»"/>
+              <a:defRPr sz="2000">
+                <a:solidFill>
+                  <a:schemeClr val="tx1"/>
+                </a:solidFill>
+                <a:latin typeface="Arial" panose="020B0604020202020204" pitchFamily="34" charset="0"/>
+              </a:defRPr>
+            </a:lvl6pPr>
+            <a:lvl7pPr marL="2971800" indent="-228600" eaLnBrk="0" fontAlgn="base" hangingPunct="0">
+              <a:spcBef>
+                <a:spcPct val="20000"/>
+              </a:spcBef>
+              <a:spcAft>
+                <a:spcPct val="0"/>
+              </a:spcAft>
+              <a:buChar char="»"/>
+              <a:defRPr sz="2000">
+                <a:solidFill>
+                  <a:schemeClr val="tx1"/>
+                </a:solidFill>
+                <a:latin typeface="Arial" panose="020B0604020202020204" pitchFamily="34" charset="0"/>
+              </a:defRPr>
+            </a:lvl7pPr>
+            <a:lvl8pPr marL="3429000" indent="-228600" eaLnBrk="0" fontAlgn="base" hangingPunct="0">
+              <a:spcBef>
+                <a:spcPct val="20000"/>
+              </a:spcBef>
+              <a:spcAft>
+                <a:spcPct val="0"/>
+              </a:spcAft>
+              <a:buChar char="»"/>
+              <a:defRPr sz="2000">
+                <a:solidFill>
+                  <a:schemeClr val="tx1"/>
+                </a:solidFill>
+                <a:latin typeface="Arial" panose="020B0604020202020204" pitchFamily="34" charset="0"/>
+              </a:defRPr>
+            </a:lvl8pPr>
+            <a:lvl9pPr marL="3886200" indent="-228600" eaLnBrk="0" fontAlgn="base" hangingPunct="0">
+              <a:spcBef>
+                <a:spcPct val="20000"/>
+              </a:spcBef>
+              <a:spcAft>
+                <a:spcPct val="0"/>
+              </a:spcAft>
+              <a:buChar char="»"/>
+              <a:defRPr sz="2000">
+                <a:solidFill>
+                  <a:schemeClr val="tx1"/>
+                </a:solidFill>
+                <a:latin typeface="Arial" panose="020B0604020202020204" pitchFamily="34" charset="0"/>
+              </a:defRPr>
+            </a:lvl9pPr>
+          </a:lstStyle>
+          <a:p>
+            <a:pPr algn="r" eaLnBrk="1" hangingPunct="1">
+              <a:spcBef>
+                <a:spcPct val="0"/>
+              </a:spcBef>
+              <a:buFontTx/>
+              <a:buNone/>
+            </a:pPr>
+            <a:endParaRPr lang="it-IT" altLang="it-IT" sz="2800" b="0">
+              <a:solidFill>
+                <a:schemeClr val="bg1"/>
+              </a:solidFill>
+            </a:endParaRPr>
+          </a:p>
+        </p:txBody>
+      </p:sp>
+      <p:sp>
+        <p:nvSpPr>
+          <p:cNvPr id="2" name="Rettangolo 1">
+            <a:extLst>
+              <a:ext uri="{FF2B5EF4-FFF2-40B4-BE49-F238E27FC236}">
+                <a16:creationId xmlns:a16="http://schemas.microsoft.com/office/drawing/2014/main" id="{7A7A617F-E94E-45F3-BF7B-6B8D74AC8DA7}"/>
+              </a:ext>
+            </a:extLst>
+          </p:cNvPr>
+          <p:cNvSpPr/>
+          <p:nvPr/>
+        </p:nvSpPr>
+        <p:spPr>
+          <a:xfrm>
+            <a:off x="-89685" y="997217"/>
+            <a:ext cx="5126403" cy="646331"/>
           </a:xfrm>
           <a:prstGeom prst="rect">
             <a:avLst/>
@@ -5058,55 +8251,15 @@
                   </a:outerShdw>
                 </a:effectLst>
               </a:rPr>
-              <a:t> Random </a:t>
+              <a:t> </a:t>
             </a:r>
             <a:r>
-              <a:rPr lang="it-IT" sz="3600" b="0" cap="none" spc="0" dirty="0" err="1">
-                <a:ln w="0"/>
+              <a:rPr lang="en-US" sz="3600" b="0" dirty="0">
                 <a:solidFill>
                   <a:schemeClr val="bg1"/>
                 </a:solidFill>
-                <a:effectLst>
-                  <a:outerShdw blurRad="38100" dist="19050" dir="2700000" algn="tl" rotWithShape="0">
-                    <a:schemeClr val="dk1">
-                      <a:alpha val="40000"/>
-                    </a:schemeClr>
-                  </a:outerShdw>
-                </a:effectLst>
               </a:rPr>
-              <a:t>matrix</a:t>
-            </a:r>
-            <a:r>
-              <a:rPr lang="it-IT" sz="3600" b="0" cap="none" spc="0" dirty="0">
-                <a:ln w="0"/>
-                <a:solidFill>
-                  <a:schemeClr val="bg1"/>
-                </a:solidFill>
-                <a:effectLst>
-                  <a:outerShdw blurRad="38100" dist="19050" dir="2700000" algn="tl" rotWithShape="0">
-                    <a:schemeClr val="dk1">
-                      <a:alpha val="40000"/>
-                    </a:schemeClr>
-                  </a:outerShdw>
-                </a:effectLst>
-              </a:rPr>
-              <a:t> theory</a:t>
-            </a:r>
-            <a:r>
-              <a:rPr lang="it-IT" sz="3800" b="0" dirty="0">
-                <a:ln w="0"/>
-                <a:solidFill>
-                  <a:schemeClr val="bg1"/>
-                </a:solidFill>
-                <a:effectLst>
-                  <a:outerShdw blurRad="38100" dist="19050" dir="2700000" algn="tl" rotWithShape="0">
-                    <a:schemeClr val="dk1">
-                      <a:alpha val="40000"/>
-                    </a:schemeClr>
-                  </a:outerShdw>
-                </a:effectLst>
-              </a:rPr>
-              <a:t> </a:t>
+              <a:t>Random Matrix Theory </a:t>
             </a:r>
             <a:endParaRPr lang="it-IT" sz="3600" b="0" cap="none" spc="0" dirty="0">
               <a:ln w="0"/>
@@ -5137,7 +8290,749 @@
 </p:sld>
 </file>
 
-<file path=ppt/slides/slide4.xml><?xml version="1.0" encoding="utf-8"?>
+<file path=ppt/slides/slide5.xml><?xml version="1.0" encoding="utf-8"?>
+<p:sld xmlns:a="http://schemas.openxmlformats.org/drawingml/2006/main" xmlns:r="http://schemas.openxmlformats.org/officeDocument/2006/relationships" xmlns:p="http://schemas.openxmlformats.org/presentationml/2006/main">
+  <p:cSld>
+    <p:spTree>
+      <p:nvGrpSpPr>
+        <p:cNvPr id="1" name=""/>
+        <p:cNvGrpSpPr/>
+        <p:nvPr/>
+      </p:nvGrpSpPr>
+      <p:grpSpPr>
+        <a:xfrm>
+          <a:off x="0" y="0"/>
+          <a:ext cx="0" cy="0"/>
+          <a:chOff x="0" y="0"/>
+          <a:chExt cx="0" cy="0"/>
+        </a:xfrm>
+      </p:grpSpPr>
+      <p:sp>
+        <p:nvSpPr>
+          <p:cNvPr id="8194" name="CasellaDiTesto 10">
+            <a:extLst>
+              <a:ext uri="{FF2B5EF4-FFF2-40B4-BE49-F238E27FC236}">
+                <a16:creationId xmlns:a16="http://schemas.microsoft.com/office/drawing/2014/main" id="{ED32AF09-CF86-4D49-85E2-CC111B5F3D38}"/>
+              </a:ext>
+            </a:extLst>
+          </p:cNvPr>
+          <p:cNvSpPr txBox="1">
+            <a:spLocks noChangeArrowheads="1"/>
+          </p:cNvSpPr>
+          <p:nvPr/>
+        </p:nvSpPr>
+        <p:spPr bwMode="auto">
+          <a:xfrm>
+            <a:off x="2159000" y="361950"/>
+            <a:ext cx="0" cy="0"/>
+          </a:xfrm>
+          <a:prstGeom prst="rect">
+            <a:avLst/>
+          </a:prstGeom>
+          <a:noFill/>
+          <a:ln>
+            <a:noFill/>
+          </a:ln>
+          <a:extLst>
+            <a:ext uri="{909E8E84-426E-40DD-AFC4-6F175D3DCCD1}">
+              <a14:hiddenFill xmlns:a14="http://schemas.microsoft.com/office/drawing/2010/main">
+                <a:solidFill>
+                  <a:srgbClr val="FFFFFF"/>
+                </a:solidFill>
+              </a14:hiddenFill>
+            </a:ext>
+            <a:ext uri="{91240B29-F687-4F45-9708-019B960494DF}">
+              <a14:hiddenLine xmlns:a14="http://schemas.microsoft.com/office/drawing/2010/main" w="9525">
+                <a:solidFill>
+                  <a:srgbClr val="000000"/>
+                </a:solidFill>
+                <a:miter lim="800000"/>
+                <a:headEnd/>
+                <a:tailEnd/>
+              </a14:hiddenLine>
+            </a:ext>
+          </a:extLst>
+        </p:spPr>
+        <p:txBody>
+          <a:bodyPr wrap="none" tIns="180000" rIns="216000" anchor="ctr"/>
+          <a:lstStyle>
+            <a:lvl1pPr>
+              <a:spcBef>
+                <a:spcPct val="20000"/>
+              </a:spcBef>
+              <a:buChar char="•"/>
+              <a:defRPr sz="3200">
+                <a:solidFill>
+                  <a:schemeClr val="tx1"/>
+                </a:solidFill>
+                <a:latin typeface="Arial" panose="020B0604020202020204" pitchFamily="34" charset="0"/>
+              </a:defRPr>
+            </a:lvl1pPr>
+            <a:lvl2pPr marL="742950" indent="-285750">
+              <a:spcBef>
+                <a:spcPct val="20000"/>
+              </a:spcBef>
+              <a:buChar char="–"/>
+              <a:defRPr sz="2800">
+                <a:solidFill>
+                  <a:schemeClr val="tx1"/>
+                </a:solidFill>
+                <a:latin typeface="Arial" panose="020B0604020202020204" pitchFamily="34" charset="0"/>
+              </a:defRPr>
+            </a:lvl2pPr>
+            <a:lvl3pPr marL="1143000" indent="-228600">
+              <a:spcBef>
+                <a:spcPct val="20000"/>
+              </a:spcBef>
+              <a:buChar char="•"/>
+              <a:defRPr sz="2400">
+                <a:solidFill>
+                  <a:schemeClr val="tx1"/>
+                </a:solidFill>
+                <a:latin typeface="Arial" panose="020B0604020202020204" pitchFamily="34" charset="0"/>
+              </a:defRPr>
+            </a:lvl3pPr>
+            <a:lvl4pPr marL="1600200" indent="-228600">
+              <a:spcBef>
+                <a:spcPct val="20000"/>
+              </a:spcBef>
+              <a:buChar char="–"/>
+              <a:defRPr sz="2000">
+                <a:solidFill>
+                  <a:schemeClr val="tx1"/>
+                </a:solidFill>
+                <a:latin typeface="Arial" panose="020B0604020202020204" pitchFamily="34" charset="0"/>
+              </a:defRPr>
+            </a:lvl4pPr>
+            <a:lvl5pPr marL="2057400" indent="-228600">
+              <a:spcBef>
+                <a:spcPct val="20000"/>
+              </a:spcBef>
+              <a:buChar char="»"/>
+              <a:defRPr sz="2000">
+                <a:solidFill>
+                  <a:schemeClr val="tx1"/>
+                </a:solidFill>
+                <a:latin typeface="Arial" panose="020B0604020202020204" pitchFamily="34" charset="0"/>
+              </a:defRPr>
+            </a:lvl5pPr>
+            <a:lvl6pPr marL="2514600" indent="-228600" eaLnBrk="0" fontAlgn="base" hangingPunct="0">
+              <a:spcBef>
+                <a:spcPct val="20000"/>
+              </a:spcBef>
+              <a:spcAft>
+                <a:spcPct val="0"/>
+              </a:spcAft>
+              <a:buChar char="»"/>
+              <a:defRPr sz="2000">
+                <a:solidFill>
+                  <a:schemeClr val="tx1"/>
+                </a:solidFill>
+                <a:latin typeface="Arial" panose="020B0604020202020204" pitchFamily="34" charset="0"/>
+              </a:defRPr>
+            </a:lvl6pPr>
+            <a:lvl7pPr marL="2971800" indent="-228600" eaLnBrk="0" fontAlgn="base" hangingPunct="0">
+              <a:spcBef>
+                <a:spcPct val="20000"/>
+              </a:spcBef>
+              <a:spcAft>
+                <a:spcPct val="0"/>
+              </a:spcAft>
+              <a:buChar char="»"/>
+              <a:defRPr sz="2000">
+                <a:solidFill>
+                  <a:schemeClr val="tx1"/>
+                </a:solidFill>
+                <a:latin typeface="Arial" panose="020B0604020202020204" pitchFamily="34" charset="0"/>
+              </a:defRPr>
+            </a:lvl7pPr>
+            <a:lvl8pPr marL="3429000" indent="-228600" eaLnBrk="0" fontAlgn="base" hangingPunct="0">
+              <a:spcBef>
+                <a:spcPct val="20000"/>
+              </a:spcBef>
+              <a:spcAft>
+                <a:spcPct val="0"/>
+              </a:spcAft>
+              <a:buChar char="»"/>
+              <a:defRPr sz="2000">
+                <a:solidFill>
+                  <a:schemeClr val="tx1"/>
+                </a:solidFill>
+                <a:latin typeface="Arial" panose="020B0604020202020204" pitchFamily="34" charset="0"/>
+              </a:defRPr>
+            </a:lvl8pPr>
+            <a:lvl9pPr marL="3886200" indent="-228600" eaLnBrk="0" fontAlgn="base" hangingPunct="0">
+              <a:spcBef>
+                <a:spcPct val="20000"/>
+              </a:spcBef>
+              <a:spcAft>
+                <a:spcPct val="0"/>
+              </a:spcAft>
+              <a:buChar char="»"/>
+              <a:defRPr sz="2000">
+                <a:solidFill>
+                  <a:schemeClr val="tx1"/>
+                </a:solidFill>
+                <a:latin typeface="Arial" panose="020B0604020202020204" pitchFamily="34" charset="0"/>
+              </a:defRPr>
+            </a:lvl9pPr>
+          </a:lstStyle>
+          <a:p>
+            <a:pPr algn="r" eaLnBrk="1" hangingPunct="1">
+              <a:spcBef>
+                <a:spcPct val="0"/>
+              </a:spcBef>
+              <a:buFontTx/>
+              <a:buNone/>
+            </a:pPr>
+            <a:endParaRPr lang="it-IT" altLang="it-IT" sz="2800" b="0">
+              <a:solidFill>
+                <a:schemeClr val="bg1"/>
+              </a:solidFill>
+            </a:endParaRPr>
+          </a:p>
+        </p:txBody>
+      </p:sp>
+      <p:sp>
+        <p:nvSpPr>
+          <p:cNvPr id="8195" name="CasellaDiTesto 13">
+            <a:extLst>
+              <a:ext uri="{FF2B5EF4-FFF2-40B4-BE49-F238E27FC236}">
+                <a16:creationId xmlns:a16="http://schemas.microsoft.com/office/drawing/2014/main" id="{0D373E1D-380D-4868-9DBF-30318ECE993B}"/>
+              </a:ext>
+            </a:extLst>
+          </p:cNvPr>
+          <p:cNvSpPr txBox="1">
+            <a:spLocks noChangeArrowheads="1"/>
+          </p:cNvSpPr>
+          <p:nvPr/>
+        </p:nvSpPr>
+        <p:spPr bwMode="auto">
+          <a:xfrm>
+            <a:off x="8737600" y="412750"/>
+            <a:ext cx="0" cy="0"/>
+          </a:xfrm>
+          <a:prstGeom prst="rect">
+            <a:avLst/>
+          </a:prstGeom>
+          <a:noFill/>
+          <a:ln>
+            <a:noFill/>
+          </a:ln>
+          <a:extLst>
+            <a:ext uri="{909E8E84-426E-40DD-AFC4-6F175D3DCCD1}">
+              <a14:hiddenFill xmlns:a14="http://schemas.microsoft.com/office/drawing/2010/main">
+                <a:solidFill>
+                  <a:srgbClr val="FFFFFF"/>
+                </a:solidFill>
+              </a14:hiddenFill>
+            </a:ext>
+            <a:ext uri="{91240B29-F687-4F45-9708-019B960494DF}">
+              <a14:hiddenLine xmlns:a14="http://schemas.microsoft.com/office/drawing/2010/main" w="9525">
+                <a:solidFill>
+                  <a:srgbClr val="000000"/>
+                </a:solidFill>
+                <a:miter lim="800000"/>
+                <a:headEnd/>
+                <a:tailEnd/>
+              </a14:hiddenLine>
+            </a:ext>
+          </a:extLst>
+        </p:spPr>
+        <p:txBody>
+          <a:bodyPr wrap="none" tIns="180000" rIns="216000" anchor="ctr"/>
+          <a:lstStyle>
+            <a:lvl1pPr>
+              <a:spcBef>
+                <a:spcPct val="20000"/>
+              </a:spcBef>
+              <a:buChar char="•"/>
+              <a:defRPr sz="3200">
+                <a:solidFill>
+                  <a:schemeClr val="tx1"/>
+                </a:solidFill>
+                <a:latin typeface="Arial" panose="020B0604020202020204" pitchFamily="34" charset="0"/>
+              </a:defRPr>
+            </a:lvl1pPr>
+            <a:lvl2pPr marL="742950" indent="-285750">
+              <a:spcBef>
+                <a:spcPct val="20000"/>
+              </a:spcBef>
+              <a:buChar char="–"/>
+              <a:defRPr sz="2800">
+                <a:solidFill>
+                  <a:schemeClr val="tx1"/>
+                </a:solidFill>
+                <a:latin typeface="Arial" panose="020B0604020202020204" pitchFamily="34" charset="0"/>
+              </a:defRPr>
+            </a:lvl2pPr>
+            <a:lvl3pPr marL="1143000" indent="-228600">
+              <a:spcBef>
+                <a:spcPct val="20000"/>
+              </a:spcBef>
+              <a:buChar char="•"/>
+              <a:defRPr sz="2400">
+                <a:solidFill>
+                  <a:schemeClr val="tx1"/>
+                </a:solidFill>
+                <a:latin typeface="Arial" panose="020B0604020202020204" pitchFamily="34" charset="0"/>
+              </a:defRPr>
+            </a:lvl3pPr>
+            <a:lvl4pPr marL="1600200" indent="-228600">
+              <a:spcBef>
+                <a:spcPct val="20000"/>
+              </a:spcBef>
+              <a:buChar char="–"/>
+              <a:defRPr sz="2000">
+                <a:solidFill>
+                  <a:schemeClr val="tx1"/>
+                </a:solidFill>
+                <a:latin typeface="Arial" panose="020B0604020202020204" pitchFamily="34" charset="0"/>
+              </a:defRPr>
+            </a:lvl4pPr>
+            <a:lvl5pPr marL="2057400" indent="-228600">
+              <a:spcBef>
+                <a:spcPct val="20000"/>
+              </a:spcBef>
+              <a:buChar char="»"/>
+              <a:defRPr sz="2000">
+                <a:solidFill>
+                  <a:schemeClr val="tx1"/>
+                </a:solidFill>
+                <a:latin typeface="Arial" panose="020B0604020202020204" pitchFamily="34" charset="0"/>
+              </a:defRPr>
+            </a:lvl5pPr>
+            <a:lvl6pPr marL="2514600" indent="-228600" eaLnBrk="0" fontAlgn="base" hangingPunct="0">
+              <a:spcBef>
+                <a:spcPct val="20000"/>
+              </a:spcBef>
+              <a:spcAft>
+                <a:spcPct val="0"/>
+              </a:spcAft>
+              <a:buChar char="»"/>
+              <a:defRPr sz="2000">
+                <a:solidFill>
+                  <a:schemeClr val="tx1"/>
+                </a:solidFill>
+                <a:latin typeface="Arial" panose="020B0604020202020204" pitchFamily="34" charset="0"/>
+              </a:defRPr>
+            </a:lvl6pPr>
+            <a:lvl7pPr marL="2971800" indent="-228600" eaLnBrk="0" fontAlgn="base" hangingPunct="0">
+              <a:spcBef>
+                <a:spcPct val="20000"/>
+              </a:spcBef>
+              <a:spcAft>
+                <a:spcPct val="0"/>
+              </a:spcAft>
+              <a:buChar char="»"/>
+              <a:defRPr sz="2000">
+                <a:solidFill>
+                  <a:schemeClr val="tx1"/>
+                </a:solidFill>
+                <a:latin typeface="Arial" panose="020B0604020202020204" pitchFamily="34" charset="0"/>
+              </a:defRPr>
+            </a:lvl7pPr>
+            <a:lvl8pPr marL="3429000" indent="-228600" eaLnBrk="0" fontAlgn="base" hangingPunct="0">
+              <a:spcBef>
+                <a:spcPct val="20000"/>
+              </a:spcBef>
+              <a:spcAft>
+                <a:spcPct val="0"/>
+              </a:spcAft>
+              <a:buChar char="»"/>
+              <a:defRPr sz="2000">
+                <a:solidFill>
+                  <a:schemeClr val="tx1"/>
+                </a:solidFill>
+                <a:latin typeface="Arial" panose="020B0604020202020204" pitchFamily="34" charset="0"/>
+              </a:defRPr>
+            </a:lvl8pPr>
+            <a:lvl9pPr marL="3886200" indent="-228600" eaLnBrk="0" fontAlgn="base" hangingPunct="0">
+              <a:spcBef>
+                <a:spcPct val="20000"/>
+              </a:spcBef>
+              <a:spcAft>
+                <a:spcPct val="0"/>
+              </a:spcAft>
+              <a:buChar char="»"/>
+              <a:defRPr sz="2000">
+                <a:solidFill>
+                  <a:schemeClr val="tx1"/>
+                </a:solidFill>
+                <a:latin typeface="Arial" panose="020B0604020202020204" pitchFamily="34" charset="0"/>
+              </a:defRPr>
+            </a:lvl9pPr>
+          </a:lstStyle>
+          <a:p>
+            <a:pPr algn="r" eaLnBrk="1" hangingPunct="1">
+              <a:spcBef>
+                <a:spcPct val="0"/>
+              </a:spcBef>
+              <a:buFontTx/>
+              <a:buNone/>
+            </a:pPr>
+            <a:endParaRPr lang="it-IT" altLang="it-IT" sz="2800" b="0">
+              <a:solidFill>
+                <a:schemeClr val="bg1"/>
+              </a:solidFill>
+            </a:endParaRPr>
+          </a:p>
+        </p:txBody>
+      </p:sp>
+      <p:sp>
+        <p:nvSpPr>
+          <p:cNvPr id="8197" name="CasellaDiTesto 1">
+            <a:extLst>
+              <a:ext uri="{FF2B5EF4-FFF2-40B4-BE49-F238E27FC236}">
+                <a16:creationId xmlns:a16="http://schemas.microsoft.com/office/drawing/2014/main" id="{DABE2A0C-C977-463D-B219-FCD2A84DCF57}"/>
+              </a:ext>
+            </a:extLst>
+          </p:cNvPr>
+          <p:cNvSpPr txBox="1">
+            <a:spLocks noChangeArrowheads="1"/>
+          </p:cNvSpPr>
+          <p:nvPr/>
+        </p:nvSpPr>
+        <p:spPr bwMode="auto">
+          <a:xfrm>
+            <a:off x="-76200" y="481013"/>
+            <a:ext cx="0" cy="0"/>
+          </a:xfrm>
+          <a:prstGeom prst="rect">
+            <a:avLst/>
+          </a:prstGeom>
+          <a:noFill/>
+          <a:ln>
+            <a:noFill/>
+          </a:ln>
+          <a:extLst>
+            <a:ext uri="{909E8E84-426E-40DD-AFC4-6F175D3DCCD1}">
+              <a14:hiddenFill xmlns:a14="http://schemas.microsoft.com/office/drawing/2010/main">
+                <a:solidFill>
+                  <a:srgbClr val="FFFFFF"/>
+                </a:solidFill>
+              </a14:hiddenFill>
+            </a:ext>
+            <a:ext uri="{91240B29-F687-4F45-9708-019B960494DF}">
+              <a14:hiddenLine xmlns:a14="http://schemas.microsoft.com/office/drawing/2010/main" w="9525">
+                <a:solidFill>
+                  <a:srgbClr val="000000"/>
+                </a:solidFill>
+                <a:miter lim="800000"/>
+                <a:headEnd/>
+                <a:tailEnd/>
+              </a14:hiddenLine>
+            </a:ext>
+          </a:extLst>
+        </p:spPr>
+        <p:txBody>
+          <a:bodyPr wrap="none" tIns="180000" rIns="216000" anchor="ctr"/>
+          <a:lstStyle>
+            <a:lvl1pPr>
+              <a:spcBef>
+                <a:spcPct val="20000"/>
+              </a:spcBef>
+              <a:buChar char="•"/>
+              <a:defRPr sz="3200">
+                <a:solidFill>
+                  <a:schemeClr val="tx1"/>
+                </a:solidFill>
+                <a:latin typeface="Arial" panose="020B0604020202020204" pitchFamily="34" charset="0"/>
+              </a:defRPr>
+            </a:lvl1pPr>
+            <a:lvl2pPr marL="742950" indent="-285750">
+              <a:spcBef>
+                <a:spcPct val="20000"/>
+              </a:spcBef>
+              <a:buChar char="–"/>
+              <a:defRPr sz="2800">
+                <a:solidFill>
+                  <a:schemeClr val="tx1"/>
+                </a:solidFill>
+                <a:latin typeface="Arial" panose="020B0604020202020204" pitchFamily="34" charset="0"/>
+              </a:defRPr>
+            </a:lvl2pPr>
+            <a:lvl3pPr marL="1143000" indent="-228600">
+              <a:spcBef>
+                <a:spcPct val="20000"/>
+              </a:spcBef>
+              <a:buChar char="•"/>
+              <a:defRPr sz="2400">
+                <a:solidFill>
+                  <a:schemeClr val="tx1"/>
+                </a:solidFill>
+                <a:latin typeface="Arial" panose="020B0604020202020204" pitchFamily="34" charset="0"/>
+              </a:defRPr>
+            </a:lvl3pPr>
+            <a:lvl4pPr marL="1600200" indent="-228600">
+              <a:spcBef>
+                <a:spcPct val="20000"/>
+              </a:spcBef>
+              <a:buChar char="–"/>
+              <a:defRPr sz="2000">
+                <a:solidFill>
+                  <a:schemeClr val="tx1"/>
+                </a:solidFill>
+                <a:latin typeface="Arial" panose="020B0604020202020204" pitchFamily="34" charset="0"/>
+              </a:defRPr>
+            </a:lvl4pPr>
+            <a:lvl5pPr marL="2057400" indent="-228600">
+              <a:spcBef>
+                <a:spcPct val="20000"/>
+              </a:spcBef>
+              <a:buChar char="»"/>
+              <a:defRPr sz="2000">
+                <a:solidFill>
+                  <a:schemeClr val="tx1"/>
+                </a:solidFill>
+                <a:latin typeface="Arial" panose="020B0604020202020204" pitchFamily="34" charset="0"/>
+              </a:defRPr>
+            </a:lvl5pPr>
+            <a:lvl6pPr marL="2514600" indent="-228600" eaLnBrk="0" fontAlgn="base" hangingPunct="0">
+              <a:spcBef>
+                <a:spcPct val="20000"/>
+              </a:spcBef>
+              <a:spcAft>
+                <a:spcPct val="0"/>
+              </a:spcAft>
+              <a:buChar char="»"/>
+              <a:defRPr sz="2000">
+                <a:solidFill>
+                  <a:schemeClr val="tx1"/>
+                </a:solidFill>
+                <a:latin typeface="Arial" panose="020B0604020202020204" pitchFamily="34" charset="0"/>
+              </a:defRPr>
+            </a:lvl6pPr>
+            <a:lvl7pPr marL="2971800" indent="-228600" eaLnBrk="0" fontAlgn="base" hangingPunct="0">
+              <a:spcBef>
+                <a:spcPct val="20000"/>
+              </a:spcBef>
+              <a:spcAft>
+                <a:spcPct val="0"/>
+              </a:spcAft>
+              <a:buChar char="»"/>
+              <a:defRPr sz="2000">
+                <a:solidFill>
+                  <a:schemeClr val="tx1"/>
+                </a:solidFill>
+                <a:latin typeface="Arial" panose="020B0604020202020204" pitchFamily="34" charset="0"/>
+              </a:defRPr>
+            </a:lvl7pPr>
+            <a:lvl8pPr marL="3429000" indent="-228600" eaLnBrk="0" fontAlgn="base" hangingPunct="0">
+              <a:spcBef>
+                <a:spcPct val="20000"/>
+              </a:spcBef>
+              <a:spcAft>
+                <a:spcPct val="0"/>
+              </a:spcAft>
+              <a:buChar char="»"/>
+              <a:defRPr sz="2000">
+                <a:solidFill>
+                  <a:schemeClr val="tx1"/>
+                </a:solidFill>
+                <a:latin typeface="Arial" panose="020B0604020202020204" pitchFamily="34" charset="0"/>
+              </a:defRPr>
+            </a:lvl8pPr>
+            <a:lvl9pPr marL="3886200" indent="-228600" eaLnBrk="0" fontAlgn="base" hangingPunct="0">
+              <a:spcBef>
+                <a:spcPct val="20000"/>
+              </a:spcBef>
+              <a:spcAft>
+                <a:spcPct val="0"/>
+              </a:spcAft>
+              <a:buChar char="»"/>
+              <a:defRPr sz="2000">
+                <a:solidFill>
+                  <a:schemeClr val="tx1"/>
+                </a:solidFill>
+                <a:latin typeface="Arial" panose="020B0604020202020204" pitchFamily="34" charset="0"/>
+              </a:defRPr>
+            </a:lvl9pPr>
+          </a:lstStyle>
+          <a:p>
+            <a:pPr algn="r" eaLnBrk="1" hangingPunct="1">
+              <a:spcBef>
+                <a:spcPct val="0"/>
+              </a:spcBef>
+              <a:buFontTx/>
+              <a:buNone/>
+            </a:pPr>
+            <a:endParaRPr lang="it-IT" altLang="it-IT" sz="2800" b="0">
+              <a:solidFill>
+                <a:schemeClr val="bg1"/>
+              </a:solidFill>
+            </a:endParaRPr>
+          </a:p>
+        </p:txBody>
+      </p:sp>
+      <p:sp>
+        <p:nvSpPr>
+          <p:cNvPr id="2" name="Rettangolo 1">
+            <a:extLst>
+              <a:ext uri="{FF2B5EF4-FFF2-40B4-BE49-F238E27FC236}">
+                <a16:creationId xmlns:a16="http://schemas.microsoft.com/office/drawing/2014/main" id="{7A7A617F-E94E-45F3-BF7B-6B8D74AC8DA7}"/>
+              </a:ext>
+            </a:extLst>
+          </p:cNvPr>
+          <p:cNvSpPr/>
+          <p:nvPr/>
+        </p:nvSpPr>
+        <p:spPr>
+          <a:xfrm>
+            <a:off x="-93053" y="991675"/>
+            <a:ext cx="3130986" cy="677108"/>
+          </a:xfrm>
+          <a:prstGeom prst="rect">
+            <a:avLst/>
+          </a:prstGeom>
+          <a:solidFill>
+            <a:srgbClr val="B20F21"/>
+          </a:solidFill>
+        </p:spPr>
+        <p:txBody>
+          <a:bodyPr wrap="none" lIns="91440" tIns="45720" rIns="91440" bIns="45720">
+            <a:spAutoFit/>
+          </a:bodyPr>
+          <a:lstStyle/>
+          <a:p>
+            <a:pPr algn="ctr"/>
+            <a:r>
+              <a:rPr lang="it-IT" sz="3600" b="0" cap="none" spc="0" dirty="0">
+                <a:ln w="0"/>
+                <a:solidFill>
+                  <a:schemeClr val="tx1"/>
+                </a:solidFill>
+                <a:effectLst>
+                  <a:outerShdw blurRad="38100" dist="19050" dir="2700000" algn="tl" rotWithShape="0">
+                    <a:schemeClr val="dk1">
+                      <a:alpha val="40000"/>
+                    </a:schemeClr>
+                  </a:outerShdw>
+                </a:effectLst>
+              </a:rPr>
+              <a:t> </a:t>
+            </a:r>
+            <a:r>
+              <a:rPr lang="it-IT" sz="3800" b="0" cap="none" spc="0" dirty="0" err="1">
+                <a:ln w="0"/>
+                <a:solidFill>
+                  <a:schemeClr val="bg1"/>
+                </a:solidFill>
+                <a:effectLst>
+                  <a:outerShdw blurRad="38100" dist="19050" dir="2700000" algn="tl" rotWithShape="0">
+                    <a:schemeClr val="dk1">
+                      <a:alpha val="40000"/>
+                    </a:schemeClr>
+                  </a:outerShdw>
+                </a:effectLst>
+              </a:rPr>
+              <a:t>Bibliography</a:t>
+            </a:r>
+            <a:r>
+              <a:rPr lang="it-IT" sz="3800" b="0" cap="none" spc="0" dirty="0">
+                <a:ln w="0"/>
+                <a:solidFill>
+                  <a:schemeClr val="bg1"/>
+                </a:solidFill>
+                <a:effectLst>
+                  <a:outerShdw blurRad="38100" dist="19050" dir="2700000" algn="tl" rotWithShape="0">
+                    <a:schemeClr val="dk1">
+                      <a:alpha val="40000"/>
+                    </a:schemeClr>
+                  </a:outerShdw>
+                </a:effectLst>
+              </a:rPr>
+              <a:t> </a:t>
+            </a:r>
+            <a:endParaRPr lang="it-IT" sz="3600" b="0" cap="none" spc="0" dirty="0">
+              <a:ln w="0"/>
+              <a:solidFill>
+                <a:schemeClr val="bg1"/>
+              </a:solidFill>
+              <a:effectLst>
+                <a:outerShdw blurRad="38100" dist="19050" dir="2700000" algn="tl" rotWithShape="0">
+                  <a:schemeClr val="dk1">
+                    <a:alpha val="40000"/>
+                  </a:schemeClr>
+                </a:outerShdw>
+              </a:effectLst>
+            </a:endParaRPr>
+          </a:p>
+        </p:txBody>
+      </p:sp>
+      <p:sp>
+        <p:nvSpPr>
+          <p:cNvPr id="3" name="CasellaDiTesto 2">
+            <a:extLst>
+              <a:ext uri="{FF2B5EF4-FFF2-40B4-BE49-F238E27FC236}">
+                <a16:creationId xmlns:a16="http://schemas.microsoft.com/office/drawing/2014/main" id="{0386536E-26FA-499A-801D-3D4A98E569A6}"/>
+              </a:ext>
+            </a:extLst>
+          </p:cNvPr>
+          <p:cNvSpPr txBox="1"/>
+          <p:nvPr/>
+        </p:nvSpPr>
+        <p:spPr bwMode="auto">
+          <a:xfrm>
+            <a:off x="257784" y="1926076"/>
+            <a:ext cx="8492246" cy="4751961"/>
+          </a:xfrm>
+          <a:prstGeom prst="rect">
+            <a:avLst/>
+          </a:prstGeom>
+          <a:noFill/>
+          <a:ln>
+            <a:noFill/>
+          </a:ln>
+          <a:extLst>
+            <a:ext uri="{909E8E84-426E-40DD-AFC4-6F175D3DCCD1}">
+              <a14:hiddenFill xmlns:a14="http://schemas.microsoft.com/office/drawing/2010/main">
+                <a:solidFill>
+                  <a:srgbClr val="FFFFFF"/>
+                </a:solidFill>
+              </a14:hiddenFill>
+            </a:ext>
+            <a:ext uri="{91240B29-F687-4F45-9708-019B960494DF}">
+              <a14:hiddenLine xmlns:a14="http://schemas.microsoft.com/office/drawing/2010/main" w="9525">
+                <a:solidFill>
+                  <a:srgbClr val="000000"/>
+                </a:solidFill>
+                <a:miter lim="800000"/>
+                <a:headEnd/>
+                <a:tailEnd/>
+              </a14:hiddenLine>
+            </a:ext>
+          </a:extLst>
+        </p:spPr>
+        <p:txBody>
+          <a:bodyPr wrap="none" tIns="180000" rIns="216000" rtlCol="0" anchor="ctr" anchorCtr="0">
+            <a:noAutofit/>
+          </a:bodyPr>
+          <a:lstStyle/>
+          <a:p>
+            <a:pPr algn="r" eaLnBrk="1" hangingPunct="1"/>
+            <a:endParaRPr lang="en-US" sz="2800" b="0" dirty="0">
+              <a:solidFill>
+                <a:schemeClr val="bg1"/>
+              </a:solidFill>
+            </a:endParaRPr>
+          </a:p>
+        </p:txBody>
+      </p:sp>
+    </p:spTree>
+    <p:extLst>
+      <p:ext uri="{BB962C8B-B14F-4D97-AF65-F5344CB8AC3E}">
+        <p14:creationId xmlns:p14="http://schemas.microsoft.com/office/powerpoint/2010/main" val="425998869"/>
+      </p:ext>
+    </p:extLst>
+  </p:cSld>
+  <p:clrMapOvr>
+    <a:masterClrMapping/>
+  </p:clrMapOvr>
+</p:sld>
+</file>
+
+<file path=ppt/slides/slide6.xml><?xml version="1.0" encoding="utf-8"?>
 <p:sld xmlns:a="http://schemas.openxmlformats.org/drawingml/2006/main" xmlns:r="http://schemas.openxmlformats.org/officeDocument/2006/relationships" xmlns:p="http://schemas.openxmlformats.org/presentationml/2006/main">
   <p:cSld>
     <p:spTree>
@@ -6742,9 +10637,12 @@
 </file>
 
 <file path=customXml/item1.xml><?xml version="1.0" encoding="utf-8"?>
-<p:properties xmlns:p="http://schemas.microsoft.com/office/2006/metadata/properties" xmlns:xsi="http://www.w3.org/2001/XMLSchema-instance" xmlns:pc="http://schemas.microsoft.com/office/infopath/2007/PartnerControls">
-  <documentManagement/>
-</p:properties>
+<?mso-contentType ?>
+<FormTemplates xmlns="http://schemas.microsoft.com/sharepoint/v3/contenttype/forms">
+  <Display>DocumentLibraryForm</Display>
+  <Edit>DocumentLibraryForm</Edit>
+  <New>DocumentLibraryForm</New>
+</FormTemplates>
 </file>
 
 <file path=customXml/item2.xml><?xml version="1.0" encoding="utf-8"?>
@@ -6880,26 +10778,15 @@
 </file>
 
 <file path=customXml/item3.xml><?xml version="1.0" encoding="utf-8"?>
-<?mso-contentType ?>
-<FormTemplates xmlns="http://schemas.microsoft.com/sharepoint/v3/contenttype/forms">
-  <Display>DocumentLibraryForm</Display>
-  <Edit>DocumentLibraryForm</Edit>
-  <New>DocumentLibraryForm</New>
-</FormTemplates>
+<p:properties xmlns:p="http://schemas.microsoft.com/office/2006/metadata/properties" xmlns:xsi="http://www.w3.org/2001/XMLSchema-instance" xmlns:pc="http://schemas.microsoft.com/office/infopath/2007/PartnerControls">
+  <documentManagement/>
+</p:properties>
 </file>
 
 <file path=customXml/itemProps1.xml><?xml version="1.0" encoding="utf-8"?>
-<ds:datastoreItem xmlns:ds="http://schemas.openxmlformats.org/officeDocument/2006/customXml" ds:itemID="{FF5D3D51-03CC-4736-A35A-7D072B275084}">
+<ds:datastoreItem xmlns:ds="http://schemas.openxmlformats.org/officeDocument/2006/customXml" ds:itemID="{855D325D-3B77-47CA-8757-84DD5741DFBA}">
   <ds:schemaRefs>
-    <ds:schemaRef ds:uri="http://schemas.microsoft.com/office/infopath/2007/PartnerControls"/>
-    <ds:schemaRef ds:uri="http://purl.org/dc/terms/"/>
-    <ds:schemaRef ds:uri="http://www.w3.org/XML/1998/namespace"/>
-    <ds:schemaRef ds:uri="http://purl.org/dc/elements/1.1/"/>
-    <ds:schemaRef ds:uri="http://schemas.microsoft.com/office/2006/metadata/properties"/>
-    <ds:schemaRef ds:uri="http://schemas.microsoft.com/office/2006/documentManagement/types"/>
-    <ds:schemaRef ds:uri="http://schemas.openxmlformats.org/package/2006/metadata/core-properties"/>
-    <ds:schemaRef ds:uri="8d210665-cc30-40de-a1c4-5d90bbb582de"/>
-    <ds:schemaRef ds:uri="http://purl.org/dc/dcmitype/"/>
+    <ds:schemaRef ds:uri="http://schemas.microsoft.com/sharepoint/v3/contenttype/forms"/>
   </ds:schemaRefs>
 </ds:datastoreItem>
 </file>
@@ -6923,9 +10810,17 @@
 </file>
 
 <file path=customXml/itemProps3.xml><?xml version="1.0" encoding="utf-8"?>
-<ds:datastoreItem xmlns:ds="http://schemas.openxmlformats.org/officeDocument/2006/customXml" ds:itemID="{855D325D-3B77-47CA-8757-84DD5741DFBA}">
+<ds:datastoreItem xmlns:ds="http://schemas.openxmlformats.org/officeDocument/2006/customXml" ds:itemID="{FF5D3D51-03CC-4736-A35A-7D072B275084}">
   <ds:schemaRefs>
-    <ds:schemaRef ds:uri="http://schemas.microsoft.com/sharepoint/v3/contenttype/forms"/>
+    <ds:schemaRef ds:uri="http://schemas.microsoft.com/office/infopath/2007/PartnerControls"/>
+    <ds:schemaRef ds:uri="http://purl.org/dc/terms/"/>
+    <ds:schemaRef ds:uri="http://www.w3.org/XML/1998/namespace"/>
+    <ds:schemaRef ds:uri="http://purl.org/dc/elements/1.1/"/>
+    <ds:schemaRef ds:uri="http://schemas.microsoft.com/office/2006/metadata/properties"/>
+    <ds:schemaRef ds:uri="http://schemas.microsoft.com/office/2006/documentManagement/types"/>
+    <ds:schemaRef ds:uri="http://schemas.openxmlformats.org/package/2006/metadata/core-properties"/>
+    <ds:schemaRef ds:uri="8d210665-cc30-40de-a1c4-5d90bbb582de"/>
+    <ds:schemaRef ds:uri="http://purl.org/dc/dcmitype/"/>
   </ds:schemaRefs>
 </ds:datastoreItem>
 </file>